--- a/Figures/Arcs/Old_Architecture.pptx
+++ b/Figures/Arcs/Old_Architecture.pptx
@@ -5,17 +5,18 @@
     <p:sldMasterId id="2147483648" r:id="rId1"/>
   </p:sldMasterIdLst>
   <p:notesMasterIdLst>
-    <p:notesMasterId r:id="rId10"/>
+    <p:notesMasterId r:id="rId11"/>
   </p:notesMasterIdLst>
   <p:sldIdLst>
-    <p:sldId id="263" r:id="rId2"/>
-    <p:sldId id="262" r:id="rId3"/>
-    <p:sldId id="261" r:id="rId4"/>
-    <p:sldId id="260" r:id="rId5"/>
-    <p:sldId id="259" r:id="rId6"/>
-    <p:sldId id="258" r:id="rId7"/>
-    <p:sldId id="257" r:id="rId8"/>
-    <p:sldId id="256" r:id="rId9"/>
+    <p:sldId id="264" r:id="rId2"/>
+    <p:sldId id="263" r:id="rId3"/>
+    <p:sldId id="262" r:id="rId4"/>
+    <p:sldId id="261" r:id="rId5"/>
+    <p:sldId id="260" r:id="rId6"/>
+    <p:sldId id="259" r:id="rId7"/>
+    <p:sldId id="258" r:id="rId8"/>
+    <p:sldId id="257" r:id="rId9"/>
+    <p:sldId id="256" r:id="rId10"/>
   </p:sldIdLst>
   <p:sldSz cx="12192000" cy="6858000"/>
   <p:notesSz cx="6858000" cy="9144000"/>
@@ -204,7 +205,7 @@
           <a:p>
             <a:fld id="{4F2B3EEC-C8B4-0543-943F-91B3791C5E43}" type="datetimeFigureOut">
               <a:rPr lang="en-US" smtClean="0"/>
-              <a:t>10/19/23</a:t>
+              <a:t>10/20/23</a:t>
             </a:fld>
             <a:endParaRPr lang="en-US"/>
           </a:p>
@@ -1455,6 +1456,129 @@
 </p:notes>
 </file>
 
+<file path=ppt/notesSlides/notesSlide9.xml><?xml version="1.0" encoding="utf-8"?>
+<p:notes xmlns:a="http://schemas.openxmlformats.org/drawingml/2006/main" xmlns:r="http://schemas.openxmlformats.org/officeDocument/2006/relationships" xmlns:p="http://schemas.openxmlformats.org/presentationml/2006/main">
+  <p:cSld>
+    <p:spTree>
+      <p:nvGrpSpPr>
+        <p:cNvPr id="1" name=""/>
+        <p:cNvGrpSpPr/>
+        <p:nvPr/>
+      </p:nvGrpSpPr>
+      <p:grpSpPr>
+        <a:xfrm>
+          <a:off x="0" y="0"/>
+          <a:ext cx="0" cy="0"/>
+          <a:chOff x="0" y="0"/>
+          <a:chExt cx="0" cy="0"/>
+        </a:xfrm>
+      </p:grpSpPr>
+      <p:sp>
+        <p:nvSpPr>
+          <p:cNvPr id="2" name="Slide Image Placeholder 1"/>
+          <p:cNvSpPr>
+            <a:spLocks noGrp="1" noRot="1" noChangeAspect="1"/>
+          </p:cNvSpPr>
+          <p:nvPr>
+            <p:ph type="sldImg"/>
+          </p:nvPr>
+        </p:nvSpPr>
+        <p:spPr/>
+      </p:sp>
+      <p:sp>
+        <p:nvSpPr>
+          <p:cNvPr id="3" name="Notes Placeholder 2"/>
+          <p:cNvSpPr>
+            <a:spLocks noGrp="1"/>
+          </p:cNvSpPr>
+          <p:nvPr>
+            <p:ph type="body" idx="1"/>
+          </p:nvPr>
+        </p:nvSpPr>
+        <p:spPr/>
+        <p:txBody>
+          <a:bodyPr/>
+          <a:lstStyle/>
+          <a:p>
+            <a:pPr marL="0" marR="0" lvl="0" indent="0" algn="l" defTabSz="914400" rtl="0" eaLnBrk="1" fontAlgn="auto" latinLnBrk="0" hangingPunct="1">
+              <a:lnSpc>
+                <a:spcPct val="100000"/>
+              </a:lnSpc>
+              <a:spcBef>
+                <a:spcPts val="0"/>
+              </a:spcBef>
+              <a:spcAft>
+                <a:spcPts val="0"/>
+              </a:spcAft>
+              <a:buClrTx/>
+              <a:buSzTx/>
+              <a:buFontTx/>
+              <a:buNone/>
+              <a:tabLst/>
+              <a:defRPr/>
+            </a:pPr>
+            <a:r>
+              <a:rPr lang="en-US" dirty="0"/>
+              <a:t>function crop () { </a:t>
+            </a:r>
+            <a:r>
+              <a:rPr lang="en-US" dirty="0" err="1"/>
+              <a:t>pdfcrop</a:t>
+            </a:r>
+            <a:r>
+              <a:rPr lang="en-US" dirty="0"/>
+              <a:t> --</a:t>
+            </a:r>
+            <a:r>
+              <a:rPr lang="en-US" dirty="0" err="1"/>
+              <a:t>ini</a:t>
+            </a:r>
+            <a:r>
+              <a:rPr lang="en-US" dirty="0"/>
+              <a:t> $1 $1 &amp; }</a:t>
+            </a:r>
+          </a:p>
+          <a:p>
+            <a:endParaRPr lang="en-US" dirty="0"/>
+          </a:p>
+        </p:txBody>
+      </p:sp>
+      <p:sp>
+        <p:nvSpPr>
+          <p:cNvPr id="4" name="Slide Number Placeholder 3"/>
+          <p:cNvSpPr>
+            <a:spLocks noGrp="1"/>
+          </p:cNvSpPr>
+          <p:nvPr>
+            <p:ph type="sldNum" sz="quarter" idx="5"/>
+          </p:nvPr>
+        </p:nvSpPr>
+        <p:spPr/>
+        <p:txBody>
+          <a:bodyPr/>
+          <a:lstStyle/>
+          <a:p>
+            <a:fld id="{26E317F8-BE6A-D64A-AA4B-64623B0AE7D6}" type="slidenum">
+              <a:rPr lang="en-US" smtClean="0"/>
+              <a:t>9</a:t>
+            </a:fld>
+            <a:endParaRPr lang="en-US"/>
+          </a:p>
+        </p:txBody>
+      </p:sp>
+    </p:spTree>
+    <p:extLst>
+      <p:ext uri="{BB962C8B-B14F-4D97-AF65-F5344CB8AC3E}">
+        <p14:creationId xmlns:p14="http://schemas.microsoft.com/office/powerpoint/2010/main" val="3076637503"/>
+      </p:ext>
+    </p:extLst>
+  </p:cSld>
+  <p:clrMapOvr>
+    <a:masterClrMapping/>
+  </p:clrMapOvr>
+</p:notes>
+</file>
+
 <file path=ppt/slideLayouts/slideLayout1.xml><?xml version="1.0" encoding="utf-8"?>
 <p:sldLayout xmlns:a="http://schemas.openxmlformats.org/drawingml/2006/main" xmlns:r="http://schemas.openxmlformats.org/officeDocument/2006/relationships" xmlns:p="http://schemas.openxmlformats.org/presentationml/2006/main" type="title" preserve="1">
   <p:cSld name="Title Slide">
@@ -1602,7 +1726,7 @@
           <a:p>
             <a:fld id="{697CBF4A-2AD2-1249-BC5E-D6BCA9656194}" type="datetimeFigureOut">
               <a:rPr lang="en-US" smtClean="0"/>
-              <a:t>10/19/23</a:t>
+              <a:t>10/20/23</a:t>
             </a:fld>
             <a:endParaRPr lang="en-US"/>
           </a:p>
@@ -1800,7 +1924,7 @@
           <a:p>
             <a:fld id="{697CBF4A-2AD2-1249-BC5E-D6BCA9656194}" type="datetimeFigureOut">
               <a:rPr lang="en-US" smtClean="0"/>
-              <a:t>10/19/23</a:t>
+              <a:t>10/20/23</a:t>
             </a:fld>
             <a:endParaRPr lang="en-US"/>
           </a:p>
@@ -2008,7 +2132,7 @@
           <a:p>
             <a:fld id="{697CBF4A-2AD2-1249-BC5E-D6BCA9656194}" type="datetimeFigureOut">
               <a:rPr lang="en-US" smtClean="0"/>
-              <a:t>10/19/23</a:t>
+              <a:t>10/20/23</a:t>
             </a:fld>
             <a:endParaRPr lang="en-US"/>
           </a:p>
@@ -2206,7 +2330,7 @@
           <a:p>
             <a:fld id="{697CBF4A-2AD2-1249-BC5E-D6BCA9656194}" type="datetimeFigureOut">
               <a:rPr lang="en-US" smtClean="0"/>
-              <a:t>10/19/23</a:t>
+              <a:t>10/20/23</a:t>
             </a:fld>
             <a:endParaRPr lang="en-US"/>
           </a:p>
@@ -2481,7 +2605,7 @@
           <a:p>
             <a:fld id="{697CBF4A-2AD2-1249-BC5E-D6BCA9656194}" type="datetimeFigureOut">
               <a:rPr lang="en-US" smtClean="0"/>
-              <a:t>10/19/23</a:t>
+              <a:t>10/20/23</a:t>
             </a:fld>
             <a:endParaRPr lang="en-US"/>
           </a:p>
@@ -2746,7 +2870,7 @@
           <a:p>
             <a:fld id="{697CBF4A-2AD2-1249-BC5E-D6BCA9656194}" type="datetimeFigureOut">
               <a:rPr lang="en-US" smtClean="0"/>
-              <a:t>10/19/23</a:t>
+              <a:t>10/20/23</a:t>
             </a:fld>
             <a:endParaRPr lang="en-US"/>
           </a:p>
@@ -3158,7 +3282,7 @@
           <a:p>
             <a:fld id="{697CBF4A-2AD2-1249-BC5E-D6BCA9656194}" type="datetimeFigureOut">
               <a:rPr lang="en-US" smtClean="0"/>
-              <a:t>10/19/23</a:t>
+              <a:t>10/20/23</a:t>
             </a:fld>
             <a:endParaRPr lang="en-US"/>
           </a:p>
@@ -3299,7 +3423,7 @@
           <a:p>
             <a:fld id="{697CBF4A-2AD2-1249-BC5E-D6BCA9656194}" type="datetimeFigureOut">
               <a:rPr lang="en-US" smtClean="0"/>
-              <a:t>10/19/23</a:t>
+              <a:t>10/20/23</a:t>
             </a:fld>
             <a:endParaRPr lang="en-US"/>
           </a:p>
@@ -3412,7 +3536,7 @@
           <a:p>
             <a:fld id="{697CBF4A-2AD2-1249-BC5E-D6BCA9656194}" type="datetimeFigureOut">
               <a:rPr lang="en-US" smtClean="0"/>
-              <a:t>10/19/23</a:t>
+              <a:t>10/20/23</a:t>
             </a:fld>
             <a:endParaRPr lang="en-US"/>
           </a:p>
@@ -3723,7 +3847,7 @@
           <a:p>
             <a:fld id="{697CBF4A-2AD2-1249-BC5E-D6BCA9656194}" type="datetimeFigureOut">
               <a:rPr lang="en-US" smtClean="0"/>
-              <a:t>10/19/23</a:t>
+              <a:t>10/20/23</a:t>
             </a:fld>
             <a:endParaRPr lang="en-US"/>
           </a:p>
@@ -4011,7 +4135,7 @@
           <a:p>
             <a:fld id="{697CBF4A-2AD2-1249-BC5E-D6BCA9656194}" type="datetimeFigureOut">
               <a:rPr lang="en-US" smtClean="0"/>
-              <a:t>10/19/23</a:t>
+              <a:t>10/20/23</a:t>
             </a:fld>
             <a:endParaRPr lang="en-US"/>
           </a:p>
@@ -4252,7 +4376,7 @@
           <a:p>
             <a:fld id="{697CBF4A-2AD2-1249-BC5E-D6BCA9656194}" type="datetimeFigureOut">
               <a:rPr lang="en-US" smtClean="0"/>
-              <a:t>10/19/23</a:t>
+              <a:t>10/20/23</a:t>
             </a:fld>
             <a:endParaRPr lang="en-US"/>
           </a:p>
@@ -9986,6 +10110,6435 @@
         </p:nvSpPr>
         <p:spPr>
           <a:xfrm>
+            <a:off x="5231439" y="762488"/>
+            <a:ext cx="984256" cy="954107"/>
+          </a:xfrm>
+          <a:prstGeom prst="rect">
+            <a:avLst/>
+          </a:prstGeom>
+          <a:noFill/>
+        </p:spPr>
+        <p:txBody>
+          <a:bodyPr wrap="square">
+            <a:spAutoFit/>
+          </a:bodyPr>
+          <a:lstStyle/>
+          <a:p>
+            <a:pPr algn="ctr"/>
+            <a:r>
+              <a:rPr lang="en-US" sz="1400" dirty="0">
+                <a:solidFill>
+                  <a:schemeClr val="tx1"/>
+                </a:solidFill>
+              </a:rPr>
+              <a:t>Select </a:t>
+            </a:r>
+            <a:r>
+              <a:rPr lang="en-US" sz="1400" dirty="0" err="1">
+                <a:solidFill>
+                  <a:schemeClr val="tx1"/>
+                </a:solidFill>
+              </a:rPr>
+              <a:t>ArgMax</a:t>
+            </a:r>
+            <a:r>
+              <a:rPr lang="en-US" sz="1400" dirty="0">
+                <a:solidFill>
+                  <a:schemeClr val="tx1"/>
+                </a:solidFill>
+              </a:rPr>
+              <a:t> Parameter Value</a:t>
+            </a:r>
+          </a:p>
+        </p:txBody>
+      </p:sp>
+      <p:cxnSp>
+        <p:nvCxnSpPr>
+          <p:cNvPr id="460" name="Elbow Connector 459">
+            <a:extLst>
+              <a:ext uri="{FF2B5EF4-FFF2-40B4-BE49-F238E27FC236}">
+                <a16:creationId xmlns:a16="http://schemas.microsoft.com/office/drawing/2014/main" id="{319C4E04-61C1-8038-82F5-28DB75B4BDA1}"/>
+              </a:ext>
+            </a:extLst>
+          </p:cNvPr>
+          <p:cNvCxnSpPr>
+            <a:cxnSpLocks/>
+            <a:stCxn id="42" idx="3"/>
+            <a:endCxn id="213" idx="1"/>
+          </p:cNvCxnSpPr>
+          <p:nvPr/>
+        </p:nvCxnSpPr>
+        <p:spPr>
+          <a:xfrm flipV="1">
+            <a:off x="6210405" y="916385"/>
+            <a:ext cx="4341486" cy="1630656"/>
+          </a:xfrm>
+          <a:prstGeom prst="bentConnector4">
+            <a:avLst>
+              <a:gd name="adj1" fmla="val 30052"/>
+              <a:gd name="adj2" fmla="val 118933"/>
+            </a:avLst>
+          </a:prstGeom>
+          <a:ln w="38100" cap="flat" cmpd="sng" algn="ctr">
+            <a:solidFill>
+              <a:schemeClr val="dk1"/>
+            </a:solidFill>
+            <a:prstDash val="solid"/>
+            <a:round/>
+            <a:headEnd type="none" w="med" len="med"/>
+            <a:tailEnd type="arrow" w="med" len="med"/>
+          </a:ln>
+        </p:spPr>
+        <p:style>
+          <a:lnRef idx="0">
+            <a:scrgbClr r="0" g="0" b="0"/>
+          </a:lnRef>
+          <a:fillRef idx="0">
+            <a:scrgbClr r="0" g="0" b="0"/>
+          </a:fillRef>
+          <a:effectRef idx="0">
+            <a:scrgbClr r="0" g="0" b="0"/>
+          </a:effectRef>
+          <a:fontRef idx="minor">
+            <a:schemeClr val="tx1"/>
+          </a:fontRef>
+        </p:style>
+      </p:cxnSp>
+      <p:sp>
+        <p:nvSpPr>
+          <p:cNvPr id="467" name="TextBox 466">
+            <a:extLst>
+              <a:ext uri="{FF2B5EF4-FFF2-40B4-BE49-F238E27FC236}">
+                <a16:creationId xmlns:a16="http://schemas.microsoft.com/office/drawing/2014/main" id="{09475D5B-6CAD-5641-4AC6-2CC6E82BDAB9}"/>
+              </a:ext>
+            </a:extLst>
+          </p:cNvPr>
+          <p:cNvSpPr txBox="1"/>
+          <p:nvPr/>
+        </p:nvSpPr>
+        <p:spPr>
+          <a:xfrm>
+            <a:off x="9109557" y="1653738"/>
+            <a:ext cx="867790" cy="276999"/>
+          </a:xfrm>
+          <a:prstGeom prst="rect">
+            <a:avLst/>
+          </a:prstGeom>
+          <a:noFill/>
+        </p:spPr>
+        <p:txBody>
+          <a:bodyPr wrap="square">
+            <a:spAutoFit/>
+          </a:bodyPr>
+          <a:lstStyle/>
+          <a:p>
+            <a:pPr algn="ctr"/>
+            <a:r>
+              <a:rPr lang="en-US" sz="1200" i="1" dirty="0">
+                <a:solidFill>
+                  <a:schemeClr val="tx2"/>
+                </a:solidFill>
+              </a:rPr>
+              <a:t>Models</a:t>
+            </a:r>
+            <a:endParaRPr lang="en-US" sz="1400" i="1" baseline="-25000" dirty="0">
+              <a:solidFill>
+                <a:schemeClr val="tx2"/>
+              </a:solidFill>
+            </a:endParaRPr>
+          </a:p>
+        </p:txBody>
+      </p:sp>
+      <p:sp>
+        <p:nvSpPr>
+          <p:cNvPr id="469" name="TextBox 468">
+            <a:extLst>
+              <a:ext uri="{FF2B5EF4-FFF2-40B4-BE49-F238E27FC236}">
+                <a16:creationId xmlns:a16="http://schemas.microsoft.com/office/drawing/2014/main" id="{9E8AC37E-C7B5-641F-3F48-C6E593B97537}"/>
+              </a:ext>
+            </a:extLst>
+          </p:cNvPr>
+          <p:cNvSpPr txBox="1"/>
+          <p:nvPr/>
+        </p:nvSpPr>
+        <p:spPr>
+          <a:xfrm>
+            <a:off x="9075082" y="2814701"/>
+            <a:ext cx="867790" cy="276999"/>
+          </a:xfrm>
+          <a:prstGeom prst="rect">
+            <a:avLst/>
+          </a:prstGeom>
+          <a:noFill/>
+        </p:spPr>
+        <p:txBody>
+          <a:bodyPr wrap="square">
+            <a:spAutoFit/>
+          </a:bodyPr>
+          <a:lstStyle/>
+          <a:p>
+            <a:pPr algn="ctr"/>
+            <a:r>
+              <a:rPr lang="en-US" sz="1200" i="1" dirty="0">
+                <a:solidFill>
+                  <a:schemeClr val="tx2"/>
+                </a:solidFill>
+              </a:rPr>
+              <a:t>Labels</a:t>
+            </a:r>
+            <a:endParaRPr lang="en-US" sz="1400" i="1" baseline="-25000" dirty="0">
+              <a:solidFill>
+                <a:schemeClr val="tx2"/>
+              </a:solidFill>
+            </a:endParaRPr>
+          </a:p>
+        </p:txBody>
+      </p:sp>
+      <p:sp>
+        <p:nvSpPr>
+          <p:cNvPr id="476" name="TextBox 475">
+            <a:extLst>
+              <a:ext uri="{FF2B5EF4-FFF2-40B4-BE49-F238E27FC236}">
+                <a16:creationId xmlns:a16="http://schemas.microsoft.com/office/drawing/2014/main" id="{F2BA13CE-9FE9-513C-098E-4D2E304404B6}"/>
+              </a:ext>
+            </a:extLst>
+          </p:cNvPr>
+          <p:cNvSpPr txBox="1"/>
+          <p:nvPr/>
+        </p:nvSpPr>
+        <p:spPr>
+          <a:xfrm>
+            <a:off x="5241052" y="2500391"/>
+            <a:ext cx="981860" cy="646331"/>
+          </a:xfrm>
+          <a:prstGeom prst="rect">
+            <a:avLst/>
+          </a:prstGeom>
+          <a:noFill/>
+        </p:spPr>
+        <p:txBody>
+          <a:bodyPr wrap="square">
+            <a:spAutoFit/>
+          </a:bodyPr>
+          <a:lstStyle/>
+          <a:p>
+            <a:pPr algn="ctr"/>
+            <a:r>
+              <a:rPr lang="en-US" sz="1200" dirty="0">
+                <a:solidFill>
+                  <a:schemeClr val="tx1"/>
+                </a:solidFill>
+              </a:rPr>
+              <a:t>P</a:t>
+            </a:r>
+            <a:r>
+              <a:rPr lang="en-US" sz="1200" baseline="-25000" dirty="0"/>
+              <a:t>2</a:t>
+            </a:r>
+            <a:r>
+              <a:rPr lang="en-US" sz="1200" dirty="0">
+                <a:solidFill>
+                  <a:schemeClr val="tx1"/>
+                </a:solidFill>
+              </a:rPr>
+              <a:t>:</a:t>
+            </a:r>
+          </a:p>
+          <a:p>
+            <a:pPr algn="ctr"/>
+            <a:r>
+              <a:rPr lang="en-US" sz="1200" dirty="0"/>
+              <a:t>[ARI</a:t>
+            </a:r>
+            <a:r>
+              <a:rPr lang="en-US" sz="1200" baseline="-25000" dirty="0"/>
+              <a:t>2_a,</a:t>
+            </a:r>
+          </a:p>
+          <a:p>
+            <a:pPr algn="ctr"/>
+            <a:r>
+              <a:rPr lang="en-US" sz="1200" dirty="0"/>
+              <a:t>ARI</a:t>
+            </a:r>
+            <a:r>
+              <a:rPr lang="en-US" sz="1200" baseline="-25000" dirty="0"/>
+              <a:t>2_b,</a:t>
+            </a:r>
+            <a:r>
+              <a:rPr lang="en-US" sz="1200" dirty="0"/>
+              <a:t>…]</a:t>
+            </a:r>
+          </a:p>
+        </p:txBody>
+      </p:sp>
+      <p:cxnSp>
+        <p:nvCxnSpPr>
+          <p:cNvPr id="478" name="Straight Connector 477">
+            <a:extLst>
+              <a:ext uri="{FF2B5EF4-FFF2-40B4-BE49-F238E27FC236}">
+                <a16:creationId xmlns:a16="http://schemas.microsoft.com/office/drawing/2014/main" id="{AEDEC0EE-FDFD-D80D-FFEE-C6DAD09DF6B5}"/>
+              </a:ext>
+            </a:extLst>
+          </p:cNvPr>
+          <p:cNvCxnSpPr>
+            <a:cxnSpLocks/>
+          </p:cNvCxnSpPr>
+          <p:nvPr/>
+        </p:nvCxnSpPr>
+        <p:spPr>
+          <a:xfrm>
+            <a:off x="5320176" y="2497289"/>
+            <a:ext cx="820165" cy="0"/>
+          </a:xfrm>
+          <a:prstGeom prst="line">
+            <a:avLst/>
+          </a:prstGeom>
+          <a:ln>
+            <a:solidFill>
+              <a:schemeClr val="tx1"/>
+            </a:solidFill>
+          </a:ln>
+        </p:spPr>
+        <p:style>
+          <a:lnRef idx="1">
+            <a:schemeClr val="accent1"/>
+          </a:lnRef>
+          <a:fillRef idx="0">
+            <a:schemeClr val="accent1"/>
+          </a:fillRef>
+          <a:effectRef idx="0">
+            <a:schemeClr val="accent1"/>
+          </a:effectRef>
+          <a:fontRef idx="minor">
+            <a:schemeClr val="tx1"/>
+          </a:fontRef>
+        </p:style>
+      </p:cxnSp>
+      <p:cxnSp>
+        <p:nvCxnSpPr>
+          <p:cNvPr id="480" name="Straight Connector 479">
+            <a:extLst>
+              <a:ext uri="{FF2B5EF4-FFF2-40B4-BE49-F238E27FC236}">
+                <a16:creationId xmlns:a16="http://schemas.microsoft.com/office/drawing/2014/main" id="{F3915FFB-D843-4441-09B9-4356EAD1C9EC}"/>
+              </a:ext>
+            </a:extLst>
+          </p:cNvPr>
+          <p:cNvCxnSpPr>
+            <a:cxnSpLocks/>
+          </p:cNvCxnSpPr>
+          <p:nvPr/>
+        </p:nvCxnSpPr>
+        <p:spPr>
+          <a:xfrm flipV="1">
+            <a:off x="5320176" y="3201472"/>
+            <a:ext cx="820165" cy="1"/>
+          </a:xfrm>
+          <a:prstGeom prst="line">
+            <a:avLst/>
+          </a:prstGeom>
+          <a:ln>
+            <a:solidFill>
+              <a:schemeClr val="tx1"/>
+            </a:solidFill>
+          </a:ln>
+        </p:spPr>
+        <p:style>
+          <a:lnRef idx="1">
+            <a:schemeClr val="accent1"/>
+          </a:lnRef>
+          <a:fillRef idx="0">
+            <a:schemeClr val="accent1"/>
+          </a:fillRef>
+          <a:effectRef idx="0">
+            <a:schemeClr val="accent1"/>
+          </a:effectRef>
+          <a:fontRef idx="minor">
+            <a:schemeClr val="tx1"/>
+          </a:fontRef>
+        </p:style>
+      </p:cxnSp>
+      <p:cxnSp>
+        <p:nvCxnSpPr>
+          <p:cNvPr id="481" name="Straight Connector 480">
+            <a:extLst>
+              <a:ext uri="{FF2B5EF4-FFF2-40B4-BE49-F238E27FC236}">
+                <a16:creationId xmlns:a16="http://schemas.microsoft.com/office/drawing/2014/main" id="{59B157CC-2B63-6069-2231-3B0770AA5CEC}"/>
+              </a:ext>
+            </a:extLst>
+          </p:cNvPr>
+          <p:cNvCxnSpPr>
+            <a:cxnSpLocks/>
+          </p:cNvCxnSpPr>
+          <p:nvPr/>
+        </p:nvCxnSpPr>
+        <p:spPr>
+          <a:xfrm>
+            <a:off x="5320176" y="3707580"/>
+            <a:ext cx="820165" cy="0"/>
+          </a:xfrm>
+          <a:prstGeom prst="line">
+            <a:avLst/>
+          </a:prstGeom>
+          <a:ln>
+            <a:solidFill>
+              <a:schemeClr val="tx1"/>
+            </a:solidFill>
+          </a:ln>
+        </p:spPr>
+        <p:style>
+          <a:lnRef idx="1">
+            <a:schemeClr val="accent1"/>
+          </a:lnRef>
+          <a:fillRef idx="0">
+            <a:schemeClr val="accent1"/>
+          </a:fillRef>
+          <a:effectRef idx="0">
+            <a:schemeClr val="accent1"/>
+          </a:effectRef>
+          <a:fontRef idx="minor">
+            <a:schemeClr val="tx1"/>
+          </a:fontRef>
+        </p:style>
+      </p:cxnSp>
+      <p:sp>
+        <p:nvSpPr>
+          <p:cNvPr id="489" name="TextBox 488">
+            <a:extLst>
+              <a:ext uri="{FF2B5EF4-FFF2-40B4-BE49-F238E27FC236}">
+                <a16:creationId xmlns:a16="http://schemas.microsoft.com/office/drawing/2014/main" id="{3EDF32BC-F287-1765-9908-85830A5223FB}"/>
+              </a:ext>
+            </a:extLst>
+          </p:cNvPr>
+          <p:cNvSpPr txBox="1"/>
+          <p:nvPr/>
+        </p:nvSpPr>
+        <p:spPr>
+          <a:xfrm>
+            <a:off x="5320176" y="3709446"/>
+            <a:ext cx="818136" cy="646331"/>
+          </a:xfrm>
+          <a:prstGeom prst="rect">
+            <a:avLst/>
+          </a:prstGeom>
+          <a:noFill/>
+        </p:spPr>
+        <p:txBody>
+          <a:bodyPr wrap="square">
+            <a:spAutoFit/>
+          </a:bodyPr>
+          <a:lstStyle/>
+          <a:p>
+            <a:pPr algn="ctr"/>
+            <a:r>
+              <a:rPr lang="en-US" sz="1200" dirty="0">
+                <a:solidFill>
+                  <a:schemeClr val="tx1"/>
+                </a:solidFill>
+              </a:rPr>
+              <a:t>P</a:t>
+            </a:r>
+            <a:r>
+              <a:rPr lang="en-US" sz="1200" baseline="-25000" dirty="0">
+                <a:solidFill>
+                  <a:schemeClr val="tx1"/>
+                </a:solidFill>
+              </a:rPr>
+              <a:t>k</a:t>
+            </a:r>
+            <a:r>
+              <a:rPr lang="en-US" sz="1200" dirty="0">
+                <a:solidFill>
+                  <a:schemeClr val="tx1"/>
+                </a:solidFill>
+              </a:rPr>
+              <a:t>:</a:t>
+            </a:r>
+          </a:p>
+          <a:p>
+            <a:pPr algn="ctr"/>
+            <a:r>
+              <a:rPr lang="en-US" sz="1200" dirty="0"/>
+              <a:t>[</a:t>
+            </a:r>
+            <a:r>
+              <a:rPr lang="en-US" sz="1200" dirty="0" err="1"/>
+              <a:t>ARI</a:t>
+            </a:r>
+            <a:r>
+              <a:rPr lang="en-US" sz="1200" baseline="-25000" dirty="0" err="1"/>
+              <a:t>k_a</a:t>
+            </a:r>
+            <a:r>
+              <a:rPr lang="en-US" sz="1200" dirty="0"/>
+              <a:t>,</a:t>
+            </a:r>
+          </a:p>
+          <a:p>
+            <a:pPr algn="ctr"/>
+            <a:r>
+              <a:rPr lang="en-US" sz="1200" dirty="0" err="1"/>
+              <a:t>ARI</a:t>
+            </a:r>
+            <a:r>
+              <a:rPr lang="en-US" sz="1200" baseline="-25000" dirty="0" err="1"/>
+              <a:t>k_b</a:t>
+            </a:r>
+            <a:r>
+              <a:rPr lang="en-US" sz="1200" dirty="0"/>
+              <a:t>,…]</a:t>
+            </a:r>
+          </a:p>
+        </p:txBody>
+      </p:sp>
+      <p:sp>
+        <p:nvSpPr>
+          <p:cNvPr id="491" name="Oval 490">
+            <a:extLst>
+              <a:ext uri="{FF2B5EF4-FFF2-40B4-BE49-F238E27FC236}">
+                <a16:creationId xmlns:a16="http://schemas.microsoft.com/office/drawing/2014/main" id="{ACC81E67-E98A-99E3-D8CB-026EEB85BD4F}"/>
+              </a:ext>
+            </a:extLst>
+          </p:cNvPr>
+          <p:cNvSpPr/>
+          <p:nvPr/>
+        </p:nvSpPr>
+        <p:spPr>
+          <a:xfrm>
+            <a:off x="5678344" y="3408162"/>
+            <a:ext cx="80683" cy="73581"/>
+          </a:xfrm>
+          <a:prstGeom prst="ellipse">
+            <a:avLst/>
+          </a:prstGeom>
+          <a:solidFill>
+            <a:schemeClr val="tx1"/>
+          </a:solidFill>
+          <a:ln>
+            <a:noFill/>
+          </a:ln>
+        </p:spPr>
+        <p:style>
+          <a:lnRef idx="2">
+            <a:schemeClr val="dk1">
+              <a:shade val="15000"/>
+            </a:schemeClr>
+          </a:lnRef>
+          <a:fillRef idx="1">
+            <a:schemeClr val="dk1"/>
+          </a:fillRef>
+          <a:effectRef idx="0">
+            <a:schemeClr val="dk1"/>
+          </a:effectRef>
+          <a:fontRef idx="minor">
+            <a:schemeClr val="lt1"/>
+          </a:fontRef>
+        </p:style>
+        <p:txBody>
+          <a:bodyPr rtlCol="0" anchor="ctr"/>
+          <a:lstStyle/>
+          <a:p>
+            <a:pPr algn="ctr"/>
+            <a:endParaRPr lang="en-US" sz="1200"/>
+          </a:p>
+        </p:txBody>
+      </p:sp>
+      <p:sp>
+        <p:nvSpPr>
+          <p:cNvPr id="492" name="Oval 491">
+            <a:extLst>
+              <a:ext uri="{FF2B5EF4-FFF2-40B4-BE49-F238E27FC236}">
+                <a16:creationId xmlns:a16="http://schemas.microsoft.com/office/drawing/2014/main" id="{357E6331-ACE2-7E52-5636-BBF0AAF9FF35}"/>
+              </a:ext>
+            </a:extLst>
+          </p:cNvPr>
+          <p:cNvSpPr/>
+          <p:nvPr/>
+        </p:nvSpPr>
+        <p:spPr>
+          <a:xfrm>
+            <a:off x="5678344" y="3556926"/>
+            <a:ext cx="80683" cy="73581"/>
+          </a:xfrm>
+          <a:prstGeom prst="ellipse">
+            <a:avLst/>
+          </a:prstGeom>
+          <a:solidFill>
+            <a:schemeClr val="tx1"/>
+          </a:solidFill>
+          <a:ln>
+            <a:noFill/>
+          </a:ln>
+        </p:spPr>
+        <p:style>
+          <a:lnRef idx="2">
+            <a:schemeClr val="dk1">
+              <a:shade val="15000"/>
+            </a:schemeClr>
+          </a:lnRef>
+          <a:fillRef idx="1">
+            <a:schemeClr val="dk1"/>
+          </a:fillRef>
+          <a:effectRef idx="0">
+            <a:schemeClr val="dk1"/>
+          </a:effectRef>
+          <a:fontRef idx="minor">
+            <a:schemeClr val="lt1"/>
+          </a:fontRef>
+        </p:style>
+        <p:txBody>
+          <a:bodyPr rtlCol="0" anchor="ctr"/>
+          <a:lstStyle/>
+          <a:p>
+            <a:pPr algn="ctr"/>
+            <a:endParaRPr lang="en-US" sz="1200"/>
+          </a:p>
+        </p:txBody>
+      </p:sp>
+      <p:sp>
+        <p:nvSpPr>
+          <p:cNvPr id="493" name="Oval 492">
+            <a:extLst>
+              <a:ext uri="{FF2B5EF4-FFF2-40B4-BE49-F238E27FC236}">
+                <a16:creationId xmlns:a16="http://schemas.microsoft.com/office/drawing/2014/main" id="{853A669D-4CC3-2181-2E0E-2A9127A6609E}"/>
+              </a:ext>
+            </a:extLst>
+          </p:cNvPr>
+          <p:cNvSpPr/>
+          <p:nvPr/>
+        </p:nvSpPr>
+        <p:spPr>
+          <a:xfrm>
+            <a:off x="5678344" y="3261606"/>
+            <a:ext cx="80683" cy="73581"/>
+          </a:xfrm>
+          <a:prstGeom prst="ellipse">
+            <a:avLst/>
+          </a:prstGeom>
+          <a:solidFill>
+            <a:schemeClr val="tx1"/>
+          </a:solidFill>
+          <a:ln>
+            <a:noFill/>
+          </a:ln>
+        </p:spPr>
+        <p:style>
+          <a:lnRef idx="2">
+            <a:schemeClr val="dk1">
+              <a:shade val="15000"/>
+            </a:schemeClr>
+          </a:lnRef>
+          <a:fillRef idx="1">
+            <a:schemeClr val="dk1"/>
+          </a:fillRef>
+          <a:effectRef idx="0">
+            <a:schemeClr val="dk1"/>
+          </a:effectRef>
+          <a:fontRef idx="minor">
+            <a:schemeClr val="lt1"/>
+          </a:fontRef>
+        </p:style>
+        <p:txBody>
+          <a:bodyPr rtlCol="0" anchor="ctr"/>
+          <a:lstStyle/>
+          <a:p>
+            <a:pPr algn="ctr"/>
+            <a:endParaRPr lang="en-US" sz="1200"/>
+          </a:p>
+        </p:txBody>
+      </p:sp>
+      <p:cxnSp>
+        <p:nvCxnSpPr>
+          <p:cNvPr id="497" name="Straight Arrow Connector 496">
+            <a:extLst>
+              <a:ext uri="{FF2B5EF4-FFF2-40B4-BE49-F238E27FC236}">
+                <a16:creationId xmlns:a16="http://schemas.microsoft.com/office/drawing/2014/main" id="{B7952660-DE50-C683-807A-50C69665DE24}"/>
+              </a:ext>
+            </a:extLst>
+          </p:cNvPr>
+          <p:cNvCxnSpPr>
+            <a:cxnSpLocks/>
+            <a:endCxn id="205" idx="1"/>
+          </p:cNvCxnSpPr>
+          <p:nvPr/>
+        </p:nvCxnSpPr>
+        <p:spPr>
+          <a:xfrm flipH="1">
+            <a:off x="8454118" y="595874"/>
+            <a:ext cx="1904" cy="325590"/>
+          </a:xfrm>
+          <a:prstGeom prst="straightConnector1">
+            <a:avLst/>
+          </a:prstGeom>
+          <a:ln w="38100" cap="flat" cmpd="sng" algn="ctr">
+            <a:solidFill>
+              <a:schemeClr val="tx1"/>
+            </a:solidFill>
+            <a:prstDash val="solid"/>
+            <a:round/>
+            <a:headEnd type="none" w="med" len="med"/>
+            <a:tailEnd type="arrow" w="med" len="med"/>
+          </a:ln>
+          <a:effectLst/>
+        </p:spPr>
+        <p:style>
+          <a:lnRef idx="2">
+            <a:schemeClr val="accent1"/>
+          </a:lnRef>
+          <a:fillRef idx="0">
+            <a:schemeClr val="accent1"/>
+          </a:fillRef>
+          <a:effectRef idx="1">
+            <a:schemeClr val="accent1"/>
+          </a:effectRef>
+          <a:fontRef idx="minor">
+            <a:schemeClr val="tx1"/>
+          </a:fontRef>
+        </p:style>
+      </p:cxnSp>
+      <p:cxnSp>
+        <p:nvCxnSpPr>
+          <p:cNvPr id="501" name="Elbow Connector 500">
+            <a:extLst>
+              <a:ext uri="{FF2B5EF4-FFF2-40B4-BE49-F238E27FC236}">
+                <a16:creationId xmlns:a16="http://schemas.microsoft.com/office/drawing/2014/main" id="{A5262A2D-3644-734A-DC7B-0AF3B13FF3C1}"/>
+              </a:ext>
+            </a:extLst>
+          </p:cNvPr>
+          <p:cNvCxnSpPr>
+            <a:cxnSpLocks/>
+            <a:stCxn id="146" idx="3"/>
+            <a:endCxn id="453" idx="1"/>
+          </p:cNvCxnSpPr>
+          <p:nvPr/>
+        </p:nvCxnSpPr>
+        <p:spPr>
+          <a:xfrm flipV="1">
+            <a:off x="5028170" y="2138954"/>
+            <a:ext cx="292006" cy="421206"/>
+          </a:xfrm>
+          <a:prstGeom prst="bentConnector3">
+            <a:avLst>
+              <a:gd name="adj1" fmla="val 24437"/>
+            </a:avLst>
+          </a:prstGeom>
+          <a:ln w="19050" cap="flat" cmpd="sng" algn="ctr">
+            <a:solidFill>
+              <a:schemeClr val="dk1"/>
+            </a:solidFill>
+            <a:prstDash val="solid"/>
+            <a:round/>
+            <a:headEnd type="none" w="med" len="med"/>
+            <a:tailEnd type="arrow" w="med" len="med"/>
+          </a:ln>
+        </p:spPr>
+        <p:style>
+          <a:lnRef idx="0">
+            <a:scrgbClr r="0" g="0" b="0"/>
+          </a:lnRef>
+          <a:fillRef idx="0">
+            <a:scrgbClr r="0" g="0" b="0"/>
+          </a:fillRef>
+          <a:effectRef idx="0">
+            <a:scrgbClr r="0" g="0" b="0"/>
+          </a:effectRef>
+          <a:fontRef idx="minor">
+            <a:schemeClr val="tx1"/>
+          </a:fontRef>
+        </p:style>
+      </p:cxnSp>
+      <p:cxnSp>
+        <p:nvCxnSpPr>
+          <p:cNvPr id="498" name="Elbow Connector 497">
+            <a:extLst>
+              <a:ext uri="{FF2B5EF4-FFF2-40B4-BE49-F238E27FC236}">
+                <a16:creationId xmlns:a16="http://schemas.microsoft.com/office/drawing/2014/main" id="{72F43F64-E640-87DA-3DDE-06B70B4D001D}"/>
+              </a:ext>
+            </a:extLst>
+          </p:cNvPr>
+          <p:cNvCxnSpPr>
+            <a:cxnSpLocks/>
+            <a:stCxn id="94" idx="3"/>
+            <a:endCxn id="453" idx="1"/>
+          </p:cNvCxnSpPr>
+          <p:nvPr/>
+        </p:nvCxnSpPr>
+        <p:spPr>
+          <a:xfrm>
+            <a:off x="5028170" y="1345084"/>
+            <a:ext cx="292006" cy="793870"/>
+          </a:xfrm>
+          <a:prstGeom prst="bentConnector3">
+            <a:avLst>
+              <a:gd name="adj1" fmla="val 24437"/>
+            </a:avLst>
+          </a:prstGeom>
+          <a:ln w="19050" cap="flat" cmpd="sng" algn="ctr">
+            <a:solidFill>
+              <a:schemeClr val="dk1"/>
+            </a:solidFill>
+            <a:prstDash val="solid"/>
+            <a:round/>
+            <a:headEnd type="none" w="med" len="med"/>
+            <a:tailEnd type="arrow" w="med" len="med"/>
+          </a:ln>
+        </p:spPr>
+        <p:style>
+          <a:lnRef idx="0">
+            <a:scrgbClr r="0" g="0" b="0"/>
+          </a:lnRef>
+          <a:fillRef idx="0">
+            <a:scrgbClr r="0" g="0" b="0"/>
+          </a:fillRef>
+          <a:effectRef idx="0">
+            <a:scrgbClr r="0" g="0" b="0"/>
+          </a:effectRef>
+          <a:fontRef idx="minor">
+            <a:schemeClr val="tx1"/>
+          </a:fontRef>
+        </p:style>
+      </p:cxnSp>
+      <p:sp>
+        <p:nvSpPr>
+          <p:cNvPr id="511" name="Rectangle 510">
+            <a:extLst>
+              <a:ext uri="{FF2B5EF4-FFF2-40B4-BE49-F238E27FC236}">
+                <a16:creationId xmlns:a16="http://schemas.microsoft.com/office/drawing/2014/main" id="{5A0CC84F-DC05-AD35-C37F-5A0423A3A4B6}"/>
+              </a:ext>
+            </a:extLst>
+          </p:cNvPr>
+          <p:cNvSpPr/>
+          <p:nvPr/>
+        </p:nvSpPr>
+        <p:spPr>
+          <a:xfrm>
+            <a:off x="5322205" y="1824508"/>
+            <a:ext cx="818136" cy="2531270"/>
+          </a:xfrm>
+          <a:prstGeom prst="rect">
+            <a:avLst/>
+          </a:prstGeom>
+          <a:noFill/>
+          <a:ln>
+            <a:solidFill>
+              <a:schemeClr val="tx1"/>
+            </a:solidFill>
+          </a:ln>
+        </p:spPr>
+        <p:style>
+          <a:lnRef idx="2">
+            <a:schemeClr val="accent1">
+              <a:shade val="15000"/>
+            </a:schemeClr>
+          </a:lnRef>
+          <a:fillRef idx="1">
+            <a:schemeClr val="accent1"/>
+          </a:fillRef>
+          <a:effectRef idx="0">
+            <a:schemeClr val="accent1"/>
+          </a:effectRef>
+          <a:fontRef idx="minor">
+            <a:schemeClr val="lt1"/>
+          </a:fontRef>
+        </p:style>
+        <p:txBody>
+          <a:bodyPr rtlCol="0" anchor="ctr"/>
+          <a:lstStyle/>
+          <a:p>
+            <a:pPr algn="ctr"/>
+            <a:endParaRPr lang="en-US"/>
+          </a:p>
+        </p:txBody>
+      </p:sp>
+      <p:cxnSp>
+        <p:nvCxnSpPr>
+          <p:cNvPr id="99" name="Elbow Connector 98">
+            <a:extLst>
+              <a:ext uri="{FF2B5EF4-FFF2-40B4-BE49-F238E27FC236}">
+                <a16:creationId xmlns:a16="http://schemas.microsoft.com/office/drawing/2014/main" id="{1294D5AB-7F7F-455D-9393-4EBBAD9289E3}"/>
+              </a:ext>
+            </a:extLst>
+          </p:cNvPr>
+          <p:cNvCxnSpPr>
+            <a:cxnSpLocks/>
+            <a:stCxn id="28" idx="3"/>
+            <a:endCxn id="489" idx="1"/>
+          </p:cNvCxnSpPr>
+          <p:nvPr/>
+        </p:nvCxnSpPr>
+        <p:spPr>
+          <a:xfrm>
+            <a:off x="5035622" y="3810800"/>
+            <a:ext cx="284554" cy="221812"/>
+          </a:xfrm>
+          <a:prstGeom prst="bentConnector3">
+            <a:avLst>
+              <a:gd name="adj1" fmla="val 50000"/>
+            </a:avLst>
+          </a:prstGeom>
+          <a:ln w="19050" cap="flat" cmpd="sng" algn="ctr">
+            <a:solidFill>
+              <a:schemeClr val="dk1"/>
+            </a:solidFill>
+            <a:prstDash val="solid"/>
+            <a:round/>
+            <a:headEnd type="none" w="med" len="med"/>
+            <a:tailEnd type="arrow" w="med" len="med"/>
+          </a:ln>
+        </p:spPr>
+        <p:style>
+          <a:lnRef idx="0">
+            <a:scrgbClr r="0" g="0" b="0"/>
+          </a:lnRef>
+          <a:fillRef idx="0">
+            <a:scrgbClr r="0" g="0" b="0"/>
+          </a:fillRef>
+          <a:effectRef idx="0">
+            <a:scrgbClr r="0" g="0" b="0"/>
+          </a:effectRef>
+          <a:fontRef idx="minor">
+            <a:schemeClr val="tx1"/>
+          </a:fontRef>
+        </p:style>
+      </p:cxnSp>
+      <p:sp>
+        <p:nvSpPr>
+          <p:cNvPr id="10" name="TextBox 9">
+            <a:extLst>
+              <a:ext uri="{FF2B5EF4-FFF2-40B4-BE49-F238E27FC236}">
+                <a16:creationId xmlns:a16="http://schemas.microsoft.com/office/drawing/2014/main" id="{4094E3A4-362C-EC8C-3F97-B21295AF9B1A}"/>
+              </a:ext>
+            </a:extLst>
+          </p:cNvPr>
+          <p:cNvSpPr txBox="1"/>
+          <p:nvPr/>
+        </p:nvSpPr>
+        <p:spPr>
+          <a:xfrm>
+            <a:off x="6166538" y="2229783"/>
+            <a:ext cx="1355524" cy="307777"/>
+          </a:xfrm>
+          <a:prstGeom prst="rect">
+            <a:avLst/>
+          </a:prstGeom>
+          <a:noFill/>
+        </p:spPr>
+        <p:txBody>
+          <a:bodyPr wrap="square">
+            <a:spAutoFit/>
+          </a:bodyPr>
+          <a:lstStyle/>
+          <a:p>
+            <a:pPr algn="ctr"/>
+            <a:r>
+              <a:rPr lang="en-US" sz="1400" dirty="0"/>
+              <a:t>OI_HAPV</a:t>
+            </a:r>
+          </a:p>
+        </p:txBody>
+      </p:sp>
+      <p:sp>
+        <p:nvSpPr>
+          <p:cNvPr id="27" name="Card 26">
+            <a:extLst>
+              <a:ext uri="{FF2B5EF4-FFF2-40B4-BE49-F238E27FC236}">
+                <a16:creationId xmlns:a16="http://schemas.microsoft.com/office/drawing/2014/main" id="{CD810C60-B9BA-DAE6-DECB-A554D6FEDC20}"/>
+              </a:ext>
+            </a:extLst>
+          </p:cNvPr>
+          <p:cNvSpPr/>
+          <p:nvPr/>
+        </p:nvSpPr>
+        <p:spPr>
+          <a:xfrm flipH="1">
+            <a:off x="7860358" y="737234"/>
+            <a:ext cx="1197454" cy="598150"/>
+          </a:xfrm>
+          <a:prstGeom prst="flowChartPunchedCard">
+            <a:avLst/>
+          </a:prstGeom>
+          <a:noFill/>
+          <a:ln w="19050">
+            <a:solidFill>
+              <a:schemeClr val="tx1"/>
+            </a:solidFill>
+          </a:ln>
+          <a:effectLst/>
+        </p:spPr>
+        <p:style>
+          <a:lnRef idx="1">
+            <a:schemeClr val="accent1"/>
+          </a:lnRef>
+          <a:fillRef idx="3">
+            <a:schemeClr val="accent1"/>
+          </a:fillRef>
+          <a:effectRef idx="2">
+            <a:schemeClr val="accent1"/>
+          </a:effectRef>
+          <a:fontRef idx="minor">
+            <a:schemeClr val="lt1"/>
+          </a:fontRef>
+        </p:style>
+        <p:txBody>
+          <a:bodyPr rtlCol="0" anchor="ctr"/>
+          <a:lstStyle/>
+          <a:p>
+            <a:pPr algn="ctr"/>
+            <a:endParaRPr lang="en-US" sz="1400" dirty="0">
+              <a:solidFill>
+                <a:schemeClr val="tx1"/>
+              </a:solidFill>
+            </a:endParaRPr>
+          </a:p>
+        </p:txBody>
+      </p:sp>
+      <p:sp>
+        <p:nvSpPr>
+          <p:cNvPr id="59" name="TextBox 58">
+            <a:extLst>
+              <a:ext uri="{FF2B5EF4-FFF2-40B4-BE49-F238E27FC236}">
+                <a16:creationId xmlns:a16="http://schemas.microsoft.com/office/drawing/2014/main" id="{949C4977-8E0E-33B2-9E75-30892BCEB6DD}"/>
+              </a:ext>
+            </a:extLst>
+          </p:cNvPr>
+          <p:cNvSpPr txBox="1"/>
+          <p:nvPr/>
+        </p:nvSpPr>
+        <p:spPr>
+          <a:xfrm>
+            <a:off x="8960903" y="825400"/>
+            <a:ext cx="1086103" cy="461665"/>
+          </a:xfrm>
+          <a:prstGeom prst="rect">
+            <a:avLst/>
+          </a:prstGeom>
+          <a:noFill/>
+        </p:spPr>
+        <p:txBody>
+          <a:bodyPr wrap="square">
+            <a:spAutoFit/>
+          </a:bodyPr>
+          <a:lstStyle/>
+          <a:p>
+            <a:pPr algn="ctr"/>
+            <a:r>
+              <a:rPr lang="en-US" sz="1200" i="1" dirty="0">
+                <a:solidFill>
+                  <a:schemeClr val="tx2"/>
+                </a:solidFill>
+              </a:rPr>
+              <a:t>Run OI_HAPV on Partitions</a:t>
+            </a:r>
+            <a:endParaRPr lang="en-US" sz="1400" i="1" baseline="-25000" dirty="0">
+              <a:solidFill>
+                <a:schemeClr val="tx2"/>
+              </a:solidFill>
+            </a:endParaRPr>
+          </a:p>
+        </p:txBody>
+      </p:sp>
+      <p:sp>
+        <p:nvSpPr>
+          <p:cNvPr id="60" name="Card 59">
+            <a:extLst>
+              <a:ext uri="{FF2B5EF4-FFF2-40B4-BE49-F238E27FC236}">
+                <a16:creationId xmlns:a16="http://schemas.microsoft.com/office/drawing/2014/main" id="{4F7631AA-BA79-CFF0-5852-ADBA63546CFC}"/>
+              </a:ext>
+            </a:extLst>
+          </p:cNvPr>
+          <p:cNvSpPr/>
+          <p:nvPr/>
+        </p:nvSpPr>
+        <p:spPr>
+          <a:xfrm flipH="1">
+            <a:off x="9955286" y="735656"/>
+            <a:ext cx="1197454" cy="598150"/>
+          </a:xfrm>
+          <a:prstGeom prst="flowChartPunchedCard">
+            <a:avLst/>
+          </a:prstGeom>
+          <a:noFill/>
+          <a:ln w="19050">
+            <a:solidFill>
+              <a:schemeClr val="tx1"/>
+            </a:solidFill>
+          </a:ln>
+          <a:effectLst/>
+        </p:spPr>
+        <p:style>
+          <a:lnRef idx="1">
+            <a:schemeClr val="accent1"/>
+          </a:lnRef>
+          <a:fillRef idx="3">
+            <a:schemeClr val="accent1"/>
+          </a:fillRef>
+          <a:effectRef idx="2">
+            <a:schemeClr val="accent1"/>
+          </a:effectRef>
+          <a:fontRef idx="minor">
+            <a:schemeClr val="lt1"/>
+          </a:fontRef>
+        </p:style>
+        <p:txBody>
+          <a:bodyPr rtlCol="0" anchor="ctr"/>
+          <a:lstStyle/>
+          <a:p>
+            <a:pPr algn="ctr"/>
+            <a:endParaRPr lang="en-US" sz="1400" dirty="0">
+              <a:solidFill>
+                <a:schemeClr val="tx1"/>
+              </a:solidFill>
+            </a:endParaRPr>
+          </a:p>
+        </p:txBody>
+      </p:sp>
+    </p:spTree>
+    <p:extLst>
+      <p:ext uri="{BB962C8B-B14F-4D97-AF65-F5344CB8AC3E}">
+        <p14:creationId xmlns:p14="http://schemas.microsoft.com/office/powerpoint/2010/main" val="2027311554"/>
+      </p:ext>
+    </p:extLst>
+  </p:cSld>
+  <p:clrMapOvr>
+    <a:masterClrMapping/>
+  </p:clrMapOvr>
+</p:sld>
+</file>
+
+<file path=ppt/slides/slide2.xml><?xml version="1.0" encoding="utf-8"?>
+<p:sld xmlns:a="http://schemas.openxmlformats.org/drawingml/2006/main" xmlns:r="http://schemas.openxmlformats.org/officeDocument/2006/relationships" xmlns:p="http://schemas.openxmlformats.org/presentationml/2006/main">
+  <p:cSld>
+    <p:spTree>
+      <p:nvGrpSpPr>
+        <p:cNvPr id="1" name=""/>
+        <p:cNvGrpSpPr/>
+        <p:nvPr/>
+      </p:nvGrpSpPr>
+      <p:grpSpPr>
+        <a:xfrm>
+          <a:off x="0" y="0"/>
+          <a:ext cx="0" cy="0"/>
+          <a:chOff x="0" y="0"/>
+          <a:chExt cx="0" cy="0"/>
+        </a:xfrm>
+      </p:grpSpPr>
+      <p:sp>
+        <p:nvSpPr>
+          <p:cNvPr id="34" name="Rounded Rectangle 33">
+            <a:extLst>
+              <a:ext uri="{FF2B5EF4-FFF2-40B4-BE49-F238E27FC236}">
+                <a16:creationId xmlns:a16="http://schemas.microsoft.com/office/drawing/2014/main" id="{D5CDBEB8-944B-4FA5-5D27-D4165FB06A83}"/>
+              </a:ext>
+            </a:extLst>
+          </p:cNvPr>
+          <p:cNvSpPr/>
+          <p:nvPr/>
+        </p:nvSpPr>
+        <p:spPr>
+          <a:xfrm>
+            <a:off x="2019899" y="370114"/>
+            <a:ext cx="5361728" cy="4138552"/>
+          </a:xfrm>
+          <a:prstGeom prst="roundRect">
+            <a:avLst>
+              <a:gd name="adj" fmla="val 9197"/>
+            </a:avLst>
+          </a:prstGeom>
+          <a:noFill/>
+          <a:ln w="38100"/>
+        </p:spPr>
+        <p:style>
+          <a:lnRef idx="2">
+            <a:schemeClr val="dk1"/>
+          </a:lnRef>
+          <a:fillRef idx="1">
+            <a:schemeClr val="lt1"/>
+          </a:fillRef>
+          <a:effectRef idx="0">
+            <a:schemeClr val="dk1"/>
+          </a:effectRef>
+          <a:fontRef idx="minor">
+            <a:schemeClr val="dk1"/>
+          </a:fontRef>
+        </p:style>
+        <p:txBody>
+          <a:bodyPr rtlCol="0" anchor="ctr"/>
+          <a:lstStyle/>
+          <a:p>
+            <a:pPr algn="ctr"/>
+            <a:r>
+              <a:rPr lang="en-US" sz="1200" dirty="0"/>
+              <a:t> </a:t>
+            </a:r>
+          </a:p>
+        </p:txBody>
+      </p:sp>
+      <p:sp>
+        <p:nvSpPr>
+          <p:cNvPr id="130" name="Rounded Rectangle 129">
+            <a:extLst>
+              <a:ext uri="{FF2B5EF4-FFF2-40B4-BE49-F238E27FC236}">
+                <a16:creationId xmlns:a16="http://schemas.microsoft.com/office/drawing/2014/main" id="{0FC74C7C-672F-A56B-E60A-B6A634BE573B}"/>
+              </a:ext>
+            </a:extLst>
+          </p:cNvPr>
+          <p:cNvSpPr/>
+          <p:nvPr/>
+        </p:nvSpPr>
+        <p:spPr>
+          <a:xfrm>
+            <a:off x="9424061" y="3926651"/>
+            <a:ext cx="841614" cy="408824"/>
+          </a:xfrm>
+          <a:prstGeom prst="roundRect">
+            <a:avLst/>
+          </a:prstGeom>
+          <a:noFill/>
+          <a:ln w="38100"/>
+        </p:spPr>
+        <p:style>
+          <a:lnRef idx="2">
+            <a:schemeClr val="dk1"/>
+          </a:lnRef>
+          <a:fillRef idx="1">
+            <a:schemeClr val="lt1"/>
+          </a:fillRef>
+          <a:effectRef idx="0">
+            <a:schemeClr val="dk1"/>
+          </a:effectRef>
+          <a:fontRef idx="minor">
+            <a:schemeClr val="dk1"/>
+          </a:fontRef>
+        </p:style>
+        <p:txBody>
+          <a:bodyPr rtlCol="0" anchor="ctr"/>
+          <a:lstStyle/>
+          <a:p>
+            <a:pPr algn="ctr"/>
+            <a:r>
+              <a:rPr lang="en-US" sz="1400" b="1" dirty="0"/>
+              <a:t>Merge Labels</a:t>
+            </a:r>
+          </a:p>
+        </p:txBody>
+      </p:sp>
+      <p:cxnSp>
+        <p:nvCxnSpPr>
+          <p:cNvPr id="158" name="Straight Arrow Connector 157">
+            <a:extLst>
+              <a:ext uri="{FF2B5EF4-FFF2-40B4-BE49-F238E27FC236}">
+                <a16:creationId xmlns:a16="http://schemas.microsoft.com/office/drawing/2014/main" id="{7D69B1F2-29E6-2B98-3383-38BE2B9EB7D3}"/>
+              </a:ext>
+            </a:extLst>
+          </p:cNvPr>
+          <p:cNvCxnSpPr>
+            <a:cxnSpLocks/>
+            <a:stCxn id="130" idx="3"/>
+            <a:endCxn id="163" idx="1"/>
+          </p:cNvCxnSpPr>
+          <p:nvPr/>
+        </p:nvCxnSpPr>
+        <p:spPr>
+          <a:xfrm flipV="1">
+            <a:off x="10265675" y="4129621"/>
+            <a:ext cx="429088" cy="1442"/>
+          </a:xfrm>
+          <a:prstGeom prst="straightConnector1">
+            <a:avLst/>
+          </a:prstGeom>
+          <a:ln w="38100" cap="flat" cmpd="sng" algn="ctr">
+            <a:solidFill>
+              <a:schemeClr val="tx1"/>
+            </a:solidFill>
+            <a:prstDash val="solid"/>
+            <a:round/>
+            <a:headEnd type="none" w="med" len="med"/>
+            <a:tailEnd type="arrow" w="med" len="med"/>
+          </a:ln>
+          <a:effectLst/>
+        </p:spPr>
+        <p:style>
+          <a:lnRef idx="2">
+            <a:schemeClr val="accent1"/>
+          </a:lnRef>
+          <a:fillRef idx="0">
+            <a:schemeClr val="accent1"/>
+          </a:fillRef>
+          <a:effectRef idx="1">
+            <a:schemeClr val="accent1"/>
+          </a:effectRef>
+          <a:fontRef idx="minor">
+            <a:schemeClr val="tx1"/>
+          </a:fontRef>
+        </p:style>
+      </p:cxnSp>
+      <p:sp>
+        <p:nvSpPr>
+          <p:cNvPr id="163" name="Rectangle 162">
+            <a:extLst>
+              <a:ext uri="{FF2B5EF4-FFF2-40B4-BE49-F238E27FC236}">
+                <a16:creationId xmlns:a16="http://schemas.microsoft.com/office/drawing/2014/main" id="{F7DA55C9-AFAB-470E-C93A-9E28B77BED3A}"/>
+              </a:ext>
+            </a:extLst>
+          </p:cNvPr>
+          <p:cNvSpPr/>
+          <p:nvPr/>
+        </p:nvSpPr>
+        <p:spPr>
+          <a:xfrm>
+            <a:off x="10694763" y="3925209"/>
+            <a:ext cx="1014358" cy="408824"/>
+          </a:xfrm>
+          <a:prstGeom prst="rect">
+            <a:avLst/>
+          </a:prstGeom>
+          <a:noFill/>
+          <a:ln w="38100"/>
+        </p:spPr>
+        <p:style>
+          <a:lnRef idx="2">
+            <a:schemeClr val="dk1"/>
+          </a:lnRef>
+          <a:fillRef idx="1">
+            <a:schemeClr val="lt1"/>
+          </a:fillRef>
+          <a:effectRef idx="0">
+            <a:schemeClr val="dk1"/>
+          </a:effectRef>
+          <a:fontRef idx="minor">
+            <a:schemeClr val="dk1"/>
+          </a:fontRef>
+        </p:style>
+        <p:txBody>
+          <a:bodyPr rtlCol="0" anchor="ctr"/>
+          <a:lstStyle/>
+          <a:p>
+            <a:pPr algn="ctr"/>
+            <a:r>
+              <a:rPr lang="en-US" sz="1400" b="1" dirty="0"/>
+              <a:t>Final Output: </a:t>
+            </a:r>
+            <a:r>
+              <a:rPr lang="en-US" sz="1400" b="1" i="1" dirty="0">
+                <a:latin typeface="APPLE CHANCERY" panose="03020702040506060504" pitchFamily="66" charset="-79"/>
+                <a:cs typeface="APPLE CHANCERY" panose="03020702040506060504" pitchFamily="66" charset="-79"/>
+              </a:rPr>
+              <a:t>l</a:t>
+            </a:r>
+            <a:r>
+              <a:rPr lang="en-US" sz="1400" b="1" dirty="0"/>
+              <a:t> </a:t>
+            </a:r>
+          </a:p>
+        </p:txBody>
+      </p:sp>
+      <p:grpSp>
+        <p:nvGrpSpPr>
+          <p:cNvPr id="248" name="Group 247">
+            <a:extLst>
+              <a:ext uri="{FF2B5EF4-FFF2-40B4-BE49-F238E27FC236}">
+                <a16:creationId xmlns:a16="http://schemas.microsoft.com/office/drawing/2014/main" id="{D7EEF8AB-FEF4-3541-F633-0155720DA533}"/>
+              </a:ext>
+            </a:extLst>
+          </p:cNvPr>
+          <p:cNvGrpSpPr/>
+          <p:nvPr/>
+        </p:nvGrpSpPr>
+        <p:grpSpPr>
+          <a:xfrm>
+            <a:off x="301848" y="1137327"/>
+            <a:ext cx="1510185" cy="2615276"/>
+            <a:chOff x="228312" y="411267"/>
+            <a:chExt cx="1510185" cy="2615276"/>
+          </a:xfrm>
+        </p:grpSpPr>
+        <p:sp>
+          <p:nvSpPr>
+            <p:cNvPr id="5" name="TextBox 4">
+              <a:extLst>
+                <a:ext uri="{FF2B5EF4-FFF2-40B4-BE49-F238E27FC236}">
+                  <a16:creationId xmlns:a16="http://schemas.microsoft.com/office/drawing/2014/main" id="{916DA83E-5DD4-F259-C289-BBF34314CE00}"/>
+                </a:ext>
+              </a:extLst>
+            </p:cNvPr>
+            <p:cNvSpPr txBox="1"/>
+            <p:nvPr/>
+          </p:nvSpPr>
+          <p:spPr>
+            <a:xfrm>
+              <a:off x="228312" y="2253136"/>
+              <a:ext cx="745349" cy="307777"/>
+            </a:xfrm>
+            <a:prstGeom prst="rect">
+              <a:avLst/>
+            </a:prstGeom>
+            <a:noFill/>
+          </p:spPr>
+          <p:txBody>
+            <a:bodyPr wrap="square" rtlCol="0">
+              <a:spAutoFit/>
+            </a:bodyPr>
+            <a:lstStyle/>
+            <a:p>
+              <a:r>
+                <a:rPr lang="en-US" sz="1400" dirty="0"/>
+                <a:t>Dataset</a:t>
+              </a:r>
+            </a:p>
+          </p:txBody>
+        </p:sp>
+        <p:sp>
+          <p:nvSpPr>
+            <p:cNvPr id="7" name="Can 6">
+              <a:extLst>
+                <a:ext uri="{FF2B5EF4-FFF2-40B4-BE49-F238E27FC236}">
+                  <a16:creationId xmlns:a16="http://schemas.microsoft.com/office/drawing/2014/main" id="{C11379F4-F78C-2DBA-28F5-8A3E0AE9458B}"/>
+                </a:ext>
+              </a:extLst>
+            </p:cNvPr>
+            <p:cNvSpPr/>
+            <p:nvPr/>
+          </p:nvSpPr>
+          <p:spPr>
+            <a:xfrm>
+              <a:off x="1143538" y="1042827"/>
+              <a:ext cx="352803" cy="256860"/>
+            </a:xfrm>
+            <a:prstGeom prst="can">
+              <a:avLst/>
+            </a:prstGeom>
+            <a:solidFill>
+              <a:srgbClr val="00B0F0"/>
+            </a:solidFill>
+            <a:ln w="28575" cmpd="sng">
+              <a:solidFill>
+                <a:schemeClr val="tx1"/>
+              </a:solidFill>
+            </a:ln>
+            <a:effectLst/>
+          </p:spPr>
+          <p:style>
+            <a:lnRef idx="1">
+              <a:schemeClr val="accent1"/>
+            </a:lnRef>
+            <a:fillRef idx="3">
+              <a:schemeClr val="accent1"/>
+            </a:fillRef>
+            <a:effectRef idx="2">
+              <a:schemeClr val="accent1"/>
+            </a:effectRef>
+            <a:fontRef idx="minor">
+              <a:schemeClr val="lt1"/>
+            </a:fontRef>
+          </p:style>
+          <p:txBody>
+            <a:bodyPr rtlCol="0" anchor="ctr"/>
+            <a:lstStyle/>
+            <a:p>
+              <a:pPr algn="ctr"/>
+              <a:r>
+                <a:rPr lang="en-US" sz="1200" dirty="0">
+                  <a:solidFill>
+                    <a:schemeClr val="bg1"/>
+                  </a:solidFill>
+                </a:rPr>
+                <a:t>S</a:t>
+              </a:r>
+              <a:r>
+                <a:rPr lang="en-US" sz="1200" baseline="-25000" dirty="0">
+                  <a:solidFill>
+                    <a:schemeClr val="bg1"/>
+                  </a:solidFill>
+                </a:rPr>
+                <a:t>1</a:t>
+              </a:r>
+            </a:p>
+          </p:txBody>
+        </p:sp>
+        <p:sp>
+          <p:nvSpPr>
+            <p:cNvPr id="11" name="Can 10">
+              <a:extLst>
+                <a:ext uri="{FF2B5EF4-FFF2-40B4-BE49-F238E27FC236}">
+                  <a16:creationId xmlns:a16="http://schemas.microsoft.com/office/drawing/2014/main" id="{BAEFAF98-F096-E674-BCB5-258452A2D5F7}"/>
+                </a:ext>
+              </a:extLst>
+            </p:cNvPr>
+            <p:cNvSpPr/>
+            <p:nvPr/>
+          </p:nvSpPr>
+          <p:spPr>
+            <a:xfrm>
+              <a:off x="1143538" y="1592705"/>
+              <a:ext cx="352803" cy="256860"/>
+            </a:xfrm>
+            <a:prstGeom prst="can">
+              <a:avLst/>
+            </a:prstGeom>
+            <a:solidFill>
+              <a:srgbClr val="0070C0"/>
+            </a:solidFill>
+            <a:ln w="28575" cmpd="sng">
+              <a:solidFill>
+                <a:schemeClr val="tx1"/>
+              </a:solidFill>
+            </a:ln>
+            <a:effectLst/>
+          </p:spPr>
+          <p:style>
+            <a:lnRef idx="1">
+              <a:schemeClr val="accent1"/>
+            </a:lnRef>
+            <a:fillRef idx="3">
+              <a:schemeClr val="accent1"/>
+            </a:fillRef>
+            <a:effectRef idx="2">
+              <a:schemeClr val="accent1"/>
+            </a:effectRef>
+            <a:fontRef idx="minor">
+              <a:schemeClr val="lt1"/>
+            </a:fontRef>
+          </p:style>
+          <p:txBody>
+            <a:bodyPr rtlCol="0" anchor="ctr"/>
+            <a:lstStyle/>
+            <a:p>
+              <a:pPr algn="ctr"/>
+              <a:r>
+                <a:rPr lang="en-US" sz="1400" dirty="0">
+                  <a:solidFill>
+                    <a:schemeClr val="bg1"/>
+                  </a:solidFill>
+                </a:rPr>
+                <a:t>S</a:t>
+              </a:r>
+              <a:r>
+                <a:rPr lang="en-US" sz="1400" baseline="-25000" dirty="0">
+                  <a:solidFill>
+                    <a:schemeClr val="bg1"/>
+                  </a:solidFill>
+                </a:rPr>
+                <a:t>2</a:t>
+              </a:r>
+              <a:endParaRPr lang="en-US" sz="2000" baseline="-25000" dirty="0">
+                <a:solidFill>
+                  <a:schemeClr val="bg1"/>
+                </a:solidFill>
+              </a:endParaRPr>
+            </a:p>
+          </p:txBody>
+        </p:sp>
+        <p:sp>
+          <p:nvSpPr>
+            <p:cNvPr id="13" name="Can 12">
+              <a:extLst>
+                <a:ext uri="{FF2B5EF4-FFF2-40B4-BE49-F238E27FC236}">
+                  <a16:creationId xmlns:a16="http://schemas.microsoft.com/office/drawing/2014/main" id="{2EE4D794-8F58-04B4-0DA9-BE344CAE2B5B}"/>
+                </a:ext>
+              </a:extLst>
+            </p:cNvPr>
+            <p:cNvSpPr/>
+            <p:nvPr/>
+          </p:nvSpPr>
+          <p:spPr>
+            <a:xfrm>
+              <a:off x="1143538" y="2467349"/>
+              <a:ext cx="352803" cy="256860"/>
+            </a:xfrm>
+            <a:prstGeom prst="can">
+              <a:avLst/>
+            </a:prstGeom>
+            <a:solidFill>
+              <a:srgbClr val="002060"/>
+            </a:solidFill>
+            <a:ln w="28575" cmpd="sng">
+              <a:solidFill>
+                <a:schemeClr val="tx1"/>
+              </a:solidFill>
+            </a:ln>
+            <a:effectLst/>
+          </p:spPr>
+          <p:style>
+            <a:lnRef idx="1">
+              <a:schemeClr val="accent1"/>
+            </a:lnRef>
+            <a:fillRef idx="3">
+              <a:schemeClr val="accent1"/>
+            </a:fillRef>
+            <a:effectRef idx="2">
+              <a:schemeClr val="accent1"/>
+            </a:effectRef>
+            <a:fontRef idx="minor">
+              <a:schemeClr val="lt1"/>
+            </a:fontRef>
+          </p:style>
+          <p:txBody>
+            <a:bodyPr rtlCol="0" anchor="ctr"/>
+            <a:lstStyle/>
+            <a:p>
+              <a:pPr algn="ctr"/>
+              <a:r>
+                <a:rPr lang="en-US" sz="1400" dirty="0">
+                  <a:solidFill>
+                    <a:schemeClr val="bg1"/>
+                  </a:solidFill>
+                </a:rPr>
+                <a:t>S</a:t>
+              </a:r>
+              <a:r>
+                <a:rPr lang="en-US" sz="1400" baseline="-25000" dirty="0">
+                  <a:solidFill>
+                    <a:schemeClr val="bg1"/>
+                  </a:solidFill>
+                </a:rPr>
+                <a:t>n</a:t>
+              </a:r>
+            </a:p>
+          </p:txBody>
+        </p:sp>
+        <p:sp>
+          <p:nvSpPr>
+            <p:cNvPr id="16" name="Oval 15">
+              <a:extLst>
+                <a:ext uri="{FF2B5EF4-FFF2-40B4-BE49-F238E27FC236}">
+                  <a16:creationId xmlns:a16="http://schemas.microsoft.com/office/drawing/2014/main" id="{9A3E0056-92FB-12B6-714E-0FD703955A7F}"/>
+                </a:ext>
+              </a:extLst>
+            </p:cNvPr>
+            <p:cNvSpPr/>
+            <p:nvPr/>
+          </p:nvSpPr>
+          <p:spPr>
+            <a:xfrm>
+              <a:off x="1276463" y="2142583"/>
+              <a:ext cx="86952" cy="86952"/>
+            </a:xfrm>
+            <a:prstGeom prst="ellipse">
+              <a:avLst/>
+            </a:prstGeom>
+            <a:solidFill>
+              <a:schemeClr val="tx1"/>
+            </a:solidFill>
+            <a:ln>
+              <a:noFill/>
+            </a:ln>
+          </p:spPr>
+          <p:style>
+            <a:lnRef idx="2">
+              <a:schemeClr val="dk1">
+                <a:shade val="15000"/>
+              </a:schemeClr>
+            </a:lnRef>
+            <a:fillRef idx="1">
+              <a:schemeClr val="dk1"/>
+            </a:fillRef>
+            <a:effectRef idx="0">
+              <a:schemeClr val="dk1"/>
+            </a:effectRef>
+            <a:fontRef idx="minor">
+              <a:schemeClr val="lt1"/>
+            </a:fontRef>
+          </p:style>
+          <p:txBody>
+            <a:bodyPr rtlCol="0" anchor="ctr"/>
+            <a:lstStyle/>
+            <a:p>
+              <a:pPr algn="ctr"/>
+              <a:endParaRPr lang="en-US"/>
+            </a:p>
+          </p:txBody>
+        </p:sp>
+        <p:sp>
+          <p:nvSpPr>
+            <p:cNvPr id="17" name="Oval 16">
+              <a:extLst>
+                <a:ext uri="{FF2B5EF4-FFF2-40B4-BE49-F238E27FC236}">
+                  <a16:creationId xmlns:a16="http://schemas.microsoft.com/office/drawing/2014/main" id="{E7BCF255-F589-8502-35F6-5721E7F5DA04}"/>
+                </a:ext>
+              </a:extLst>
+            </p:cNvPr>
+            <p:cNvSpPr/>
+            <p:nvPr/>
+          </p:nvSpPr>
+          <p:spPr>
+            <a:xfrm>
+              <a:off x="1276463" y="2291347"/>
+              <a:ext cx="86952" cy="86952"/>
+            </a:xfrm>
+            <a:prstGeom prst="ellipse">
+              <a:avLst/>
+            </a:prstGeom>
+            <a:solidFill>
+              <a:schemeClr val="tx1"/>
+            </a:solidFill>
+            <a:ln>
+              <a:noFill/>
+            </a:ln>
+          </p:spPr>
+          <p:style>
+            <a:lnRef idx="2">
+              <a:schemeClr val="dk1">
+                <a:shade val="15000"/>
+              </a:schemeClr>
+            </a:lnRef>
+            <a:fillRef idx="1">
+              <a:schemeClr val="dk1"/>
+            </a:fillRef>
+            <a:effectRef idx="0">
+              <a:schemeClr val="dk1"/>
+            </a:effectRef>
+            <a:fontRef idx="minor">
+              <a:schemeClr val="lt1"/>
+            </a:fontRef>
+          </p:style>
+          <p:txBody>
+            <a:bodyPr rtlCol="0" anchor="ctr"/>
+            <a:lstStyle/>
+            <a:p>
+              <a:pPr algn="ctr"/>
+              <a:endParaRPr lang="en-US"/>
+            </a:p>
+          </p:txBody>
+        </p:sp>
+        <p:sp>
+          <p:nvSpPr>
+            <p:cNvPr id="76" name="Can 75">
+              <a:extLst>
+                <a:ext uri="{FF2B5EF4-FFF2-40B4-BE49-F238E27FC236}">
+                  <a16:creationId xmlns:a16="http://schemas.microsoft.com/office/drawing/2014/main" id="{EF809AC9-7EE9-8E83-D02E-E80D5229E12A}"/>
+                </a:ext>
+              </a:extLst>
+            </p:cNvPr>
+            <p:cNvSpPr/>
+            <p:nvPr/>
+          </p:nvSpPr>
+          <p:spPr>
+            <a:xfrm>
+              <a:off x="383689" y="1151766"/>
+              <a:ext cx="352803" cy="1077763"/>
+            </a:xfrm>
+            <a:prstGeom prst="can">
+              <a:avLst/>
+            </a:prstGeom>
+            <a:solidFill>
+              <a:schemeClr val="bg1"/>
+            </a:solidFill>
+            <a:ln w="28575" cmpd="sng">
+              <a:solidFill>
+                <a:schemeClr val="tx1"/>
+              </a:solidFill>
+            </a:ln>
+            <a:effectLst/>
+          </p:spPr>
+          <p:style>
+            <a:lnRef idx="1">
+              <a:schemeClr val="accent1"/>
+            </a:lnRef>
+            <a:fillRef idx="3">
+              <a:schemeClr val="accent1"/>
+            </a:fillRef>
+            <a:effectRef idx="2">
+              <a:schemeClr val="accent1"/>
+            </a:effectRef>
+            <a:fontRef idx="minor">
+              <a:schemeClr val="lt1"/>
+            </a:fontRef>
+          </p:style>
+          <p:txBody>
+            <a:bodyPr rtlCol="0" anchor="ctr"/>
+            <a:lstStyle/>
+            <a:p>
+              <a:pPr algn="ctr"/>
+              <a:endParaRPr lang="en-US" sz="2000" dirty="0">
+                <a:solidFill>
+                  <a:schemeClr val="tx1"/>
+                </a:solidFill>
+              </a:endParaRPr>
+            </a:p>
+          </p:txBody>
+        </p:sp>
+        <p:sp>
+          <p:nvSpPr>
+            <p:cNvPr id="77" name="Can 76">
+              <a:extLst>
+                <a:ext uri="{FF2B5EF4-FFF2-40B4-BE49-F238E27FC236}">
+                  <a16:creationId xmlns:a16="http://schemas.microsoft.com/office/drawing/2014/main" id="{C06FA7EF-65B6-D9B0-BF60-1832645925A5}"/>
+                </a:ext>
+              </a:extLst>
+            </p:cNvPr>
+            <p:cNvSpPr/>
+            <p:nvPr/>
+          </p:nvSpPr>
+          <p:spPr>
+            <a:xfrm>
+              <a:off x="384164" y="1357866"/>
+              <a:ext cx="352803" cy="256860"/>
+            </a:xfrm>
+            <a:prstGeom prst="can">
+              <a:avLst/>
+            </a:prstGeom>
+            <a:solidFill>
+              <a:srgbClr val="0070C0"/>
+            </a:solidFill>
+            <a:ln w="28575" cmpd="sng">
+              <a:solidFill>
+                <a:schemeClr val="tx1"/>
+              </a:solidFill>
+            </a:ln>
+            <a:effectLst/>
+          </p:spPr>
+          <p:style>
+            <a:lnRef idx="1">
+              <a:schemeClr val="accent1"/>
+            </a:lnRef>
+            <a:fillRef idx="3">
+              <a:schemeClr val="accent1"/>
+            </a:fillRef>
+            <a:effectRef idx="2">
+              <a:schemeClr val="accent1"/>
+            </a:effectRef>
+            <a:fontRef idx="minor">
+              <a:schemeClr val="lt1"/>
+            </a:fontRef>
+          </p:style>
+          <p:txBody>
+            <a:bodyPr rtlCol="0" anchor="ctr"/>
+            <a:lstStyle/>
+            <a:p>
+              <a:pPr algn="ctr"/>
+              <a:endParaRPr lang="en-US" sz="2000" dirty="0">
+                <a:solidFill>
+                  <a:schemeClr val="tx1"/>
+                </a:solidFill>
+              </a:endParaRPr>
+            </a:p>
+          </p:txBody>
+        </p:sp>
+        <p:sp>
+          <p:nvSpPr>
+            <p:cNvPr id="78" name="Can 77">
+              <a:extLst>
+                <a:ext uri="{FF2B5EF4-FFF2-40B4-BE49-F238E27FC236}">
+                  <a16:creationId xmlns:a16="http://schemas.microsoft.com/office/drawing/2014/main" id="{20AE6116-C0A3-42FA-A760-5181B7C3BA00}"/>
+                </a:ext>
+              </a:extLst>
+            </p:cNvPr>
+            <p:cNvSpPr/>
+            <p:nvPr/>
+          </p:nvSpPr>
+          <p:spPr>
+            <a:xfrm>
+              <a:off x="384896" y="1151767"/>
+              <a:ext cx="352803" cy="256860"/>
+            </a:xfrm>
+            <a:prstGeom prst="can">
+              <a:avLst/>
+            </a:prstGeom>
+            <a:solidFill>
+              <a:srgbClr val="00B0F0"/>
+            </a:solidFill>
+            <a:ln w="28575" cmpd="sng">
+              <a:solidFill>
+                <a:schemeClr val="tx1"/>
+              </a:solidFill>
+            </a:ln>
+            <a:effectLst/>
+          </p:spPr>
+          <p:style>
+            <a:lnRef idx="1">
+              <a:schemeClr val="accent1"/>
+            </a:lnRef>
+            <a:fillRef idx="3">
+              <a:schemeClr val="accent1"/>
+            </a:fillRef>
+            <a:effectRef idx="2">
+              <a:schemeClr val="accent1"/>
+            </a:effectRef>
+            <a:fontRef idx="minor">
+              <a:schemeClr val="lt1"/>
+            </a:fontRef>
+          </p:style>
+          <p:txBody>
+            <a:bodyPr rtlCol="0" anchor="ctr"/>
+            <a:lstStyle/>
+            <a:p>
+              <a:pPr algn="ctr"/>
+              <a:endParaRPr lang="en-US" sz="2000" dirty="0">
+                <a:solidFill>
+                  <a:schemeClr val="tx1"/>
+                </a:solidFill>
+              </a:endParaRPr>
+            </a:p>
+          </p:txBody>
+        </p:sp>
+        <p:sp>
+          <p:nvSpPr>
+            <p:cNvPr id="40" name="Rounded Rectangle 39">
+              <a:extLst>
+                <a:ext uri="{FF2B5EF4-FFF2-40B4-BE49-F238E27FC236}">
+                  <a16:creationId xmlns:a16="http://schemas.microsoft.com/office/drawing/2014/main" id="{D256122A-BACC-C29E-B6B3-27D574AC4212}"/>
+                </a:ext>
+              </a:extLst>
+            </p:cNvPr>
+            <p:cNvSpPr/>
+            <p:nvPr/>
+          </p:nvSpPr>
+          <p:spPr>
+            <a:xfrm>
+              <a:off x="288951" y="411267"/>
+              <a:ext cx="1449546" cy="2615276"/>
+            </a:xfrm>
+            <a:prstGeom prst="roundRect">
+              <a:avLst>
+                <a:gd name="adj" fmla="val 6246"/>
+              </a:avLst>
+            </a:prstGeom>
+            <a:noFill/>
+            <a:ln w="38100">
+              <a:solidFill>
+                <a:schemeClr val="tx1"/>
+              </a:solidFill>
+            </a:ln>
+          </p:spPr>
+          <p:style>
+            <a:lnRef idx="2">
+              <a:schemeClr val="accent1">
+                <a:shade val="15000"/>
+              </a:schemeClr>
+            </a:lnRef>
+            <a:fillRef idx="1">
+              <a:schemeClr val="accent1"/>
+            </a:fillRef>
+            <a:effectRef idx="0">
+              <a:schemeClr val="accent1"/>
+            </a:effectRef>
+            <a:fontRef idx="minor">
+              <a:schemeClr val="lt1"/>
+            </a:fontRef>
+          </p:style>
+          <p:txBody>
+            <a:bodyPr rtlCol="0" anchor="ctr"/>
+            <a:lstStyle/>
+            <a:p>
+              <a:pPr algn="ctr"/>
+              <a:endParaRPr lang="en-US"/>
+            </a:p>
+          </p:txBody>
+        </p:sp>
+        <p:sp>
+          <p:nvSpPr>
+            <p:cNvPr id="19" name="Can 18">
+              <a:extLst>
+                <a:ext uri="{FF2B5EF4-FFF2-40B4-BE49-F238E27FC236}">
+                  <a16:creationId xmlns:a16="http://schemas.microsoft.com/office/drawing/2014/main" id="{8B693777-3C7B-AD27-270B-D44D99B903F4}"/>
+                </a:ext>
+              </a:extLst>
+            </p:cNvPr>
+            <p:cNvSpPr/>
+            <p:nvPr/>
+          </p:nvSpPr>
+          <p:spPr>
+            <a:xfrm>
+              <a:off x="384033" y="1965941"/>
+              <a:ext cx="352803" cy="256860"/>
+            </a:xfrm>
+            <a:prstGeom prst="can">
+              <a:avLst/>
+            </a:prstGeom>
+            <a:solidFill>
+              <a:srgbClr val="002060"/>
+            </a:solidFill>
+            <a:ln w="28575" cmpd="sng">
+              <a:solidFill>
+                <a:schemeClr val="tx1"/>
+              </a:solidFill>
+            </a:ln>
+            <a:effectLst/>
+          </p:spPr>
+          <p:style>
+            <a:lnRef idx="1">
+              <a:schemeClr val="accent1"/>
+            </a:lnRef>
+            <a:fillRef idx="3">
+              <a:schemeClr val="accent1"/>
+            </a:fillRef>
+            <a:effectRef idx="2">
+              <a:schemeClr val="accent1"/>
+            </a:effectRef>
+            <a:fontRef idx="minor">
+              <a:schemeClr val="lt1"/>
+            </a:fontRef>
+          </p:style>
+          <p:txBody>
+            <a:bodyPr rtlCol="0" anchor="ctr"/>
+            <a:lstStyle/>
+            <a:p>
+              <a:pPr algn="ctr"/>
+              <a:endParaRPr lang="en-US" sz="2000" dirty="0">
+                <a:solidFill>
+                  <a:schemeClr val="tx1"/>
+                </a:solidFill>
+              </a:endParaRPr>
+            </a:p>
+          </p:txBody>
+        </p:sp>
+        <p:cxnSp>
+          <p:nvCxnSpPr>
+            <p:cNvPr id="20" name="Elbow Connector 19">
+              <a:extLst>
+                <a:ext uri="{FF2B5EF4-FFF2-40B4-BE49-F238E27FC236}">
+                  <a16:creationId xmlns:a16="http://schemas.microsoft.com/office/drawing/2014/main" id="{174AF457-E839-E1D1-5041-DC03CE5C781B}"/>
+                </a:ext>
+              </a:extLst>
+            </p:cNvPr>
+            <p:cNvCxnSpPr>
+              <a:cxnSpLocks/>
+              <a:stCxn id="19" idx="4"/>
+              <a:endCxn id="13" idx="2"/>
+            </p:cNvCxnSpPr>
+            <p:nvPr/>
+          </p:nvCxnSpPr>
+          <p:spPr>
+            <a:xfrm>
+              <a:off x="736836" y="2094371"/>
+              <a:ext cx="406702" cy="501408"/>
+            </a:xfrm>
+            <a:prstGeom prst="bentConnector3">
+              <a:avLst>
+                <a:gd name="adj1" fmla="val 50000"/>
+              </a:avLst>
+            </a:prstGeom>
+            <a:ln w="28575" cap="flat" cmpd="sng" algn="ctr">
+              <a:solidFill>
+                <a:schemeClr val="dk1"/>
+              </a:solidFill>
+              <a:prstDash val="solid"/>
+              <a:round/>
+              <a:headEnd type="none" w="med" len="med"/>
+              <a:tailEnd type="arrow" w="med" len="med"/>
+            </a:ln>
+          </p:spPr>
+          <p:style>
+            <a:lnRef idx="0">
+              <a:scrgbClr r="0" g="0" b="0"/>
+            </a:lnRef>
+            <a:fillRef idx="0">
+              <a:scrgbClr r="0" g="0" b="0"/>
+            </a:fillRef>
+            <a:effectRef idx="0">
+              <a:scrgbClr r="0" g="0" b="0"/>
+            </a:effectRef>
+            <a:fontRef idx="minor">
+              <a:schemeClr val="tx1"/>
+            </a:fontRef>
+          </p:style>
+        </p:cxnSp>
+        <p:cxnSp>
+          <p:nvCxnSpPr>
+            <p:cNvPr id="24" name="Elbow Connector 23">
+              <a:extLst>
+                <a:ext uri="{FF2B5EF4-FFF2-40B4-BE49-F238E27FC236}">
+                  <a16:creationId xmlns:a16="http://schemas.microsoft.com/office/drawing/2014/main" id="{E028963D-4227-B591-2C76-1C2A488E291F}"/>
+                </a:ext>
+              </a:extLst>
+            </p:cNvPr>
+            <p:cNvCxnSpPr>
+              <a:cxnSpLocks/>
+              <a:stCxn id="77" idx="4"/>
+              <a:endCxn id="11" idx="2"/>
+            </p:cNvCxnSpPr>
+            <p:nvPr/>
+          </p:nvCxnSpPr>
+          <p:spPr>
+            <a:xfrm>
+              <a:off x="736967" y="1486296"/>
+              <a:ext cx="406571" cy="234839"/>
+            </a:xfrm>
+            <a:prstGeom prst="bentConnector3">
+              <a:avLst>
+                <a:gd name="adj1" fmla="val 50000"/>
+              </a:avLst>
+            </a:prstGeom>
+            <a:ln w="28575" cap="flat" cmpd="sng" algn="ctr">
+              <a:solidFill>
+                <a:schemeClr val="dk1"/>
+              </a:solidFill>
+              <a:prstDash val="solid"/>
+              <a:round/>
+              <a:headEnd type="none" w="med" len="med"/>
+              <a:tailEnd type="arrow" w="med" len="med"/>
+            </a:ln>
+          </p:spPr>
+          <p:style>
+            <a:lnRef idx="0">
+              <a:scrgbClr r="0" g="0" b="0"/>
+            </a:lnRef>
+            <a:fillRef idx="0">
+              <a:scrgbClr r="0" g="0" b="0"/>
+            </a:fillRef>
+            <a:effectRef idx="0">
+              <a:scrgbClr r="0" g="0" b="0"/>
+            </a:effectRef>
+            <a:fontRef idx="minor">
+              <a:schemeClr val="tx1"/>
+            </a:fontRef>
+          </p:style>
+        </p:cxnSp>
+        <p:cxnSp>
+          <p:nvCxnSpPr>
+            <p:cNvPr id="33" name="Elbow Connector 32">
+              <a:extLst>
+                <a:ext uri="{FF2B5EF4-FFF2-40B4-BE49-F238E27FC236}">
+                  <a16:creationId xmlns:a16="http://schemas.microsoft.com/office/drawing/2014/main" id="{F3C6F498-3307-A670-9DF3-EC217B8D421C}"/>
+                </a:ext>
+              </a:extLst>
+            </p:cNvPr>
+            <p:cNvCxnSpPr>
+              <a:cxnSpLocks/>
+              <a:stCxn id="78" idx="4"/>
+              <a:endCxn id="7" idx="2"/>
+            </p:cNvCxnSpPr>
+            <p:nvPr/>
+          </p:nvCxnSpPr>
+          <p:spPr>
+            <a:xfrm flipV="1">
+              <a:off x="737699" y="1171257"/>
+              <a:ext cx="405839" cy="108940"/>
+            </a:xfrm>
+            <a:prstGeom prst="bentConnector3">
+              <a:avLst>
+                <a:gd name="adj1" fmla="val 50000"/>
+              </a:avLst>
+            </a:prstGeom>
+            <a:ln w="28575" cap="flat" cmpd="sng" algn="ctr">
+              <a:solidFill>
+                <a:schemeClr val="dk1"/>
+              </a:solidFill>
+              <a:prstDash val="solid"/>
+              <a:round/>
+              <a:headEnd type="none" w="med" len="med"/>
+              <a:tailEnd type="arrow" w="med" len="med"/>
+            </a:ln>
+          </p:spPr>
+          <p:style>
+            <a:lnRef idx="0">
+              <a:scrgbClr r="0" g="0" b="0"/>
+            </a:lnRef>
+            <a:fillRef idx="0">
+              <a:scrgbClr r="0" g="0" b="0"/>
+            </a:fillRef>
+            <a:effectRef idx="0">
+              <a:scrgbClr r="0" g="0" b="0"/>
+            </a:effectRef>
+            <a:fontRef idx="minor">
+              <a:schemeClr val="tx1"/>
+            </a:fontRef>
+          </p:style>
+        </p:cxnSp>
+        <p:sp>
+          <p:nvSpPr>
+            <p:cNvPr id="43" name="Oval 42">
+              <a:extLst>
+                <a:ext uri="{FF2B5EF4-FFF2-40B4-BE49-F238E27FC236}">
+                  <a16:creationId xmlns:a16="http://schemas.microsoft.com/office/drawing/2014/main" id="{A9FD2EC4-7336-AF0A-138F-04D278CE9CBE}"/>
+                </a:ext>
+              </a:extLst>
+            </p:cNvPr>
+            <p:cNvSpPr/>
+            <p:nvPr/>
+          </p:nvSpPr>
+          <p:spPr>
+            <a:xfrm>
+              <a:off x="528820" y="1657820"/>
+              <a:ext cx="73705" cy="73705"/>
+            </a:xfrm>
+            <a:prstGeom prst="ellipse">
+              <a:avLst/>
+            </a:prstGeom>
+            <a:solidFill>
+              <a:schemeClr val="tx1"/>
+            </a:solidFill>
+            <a:ln>
+              <a:noFill/>
+            </a:ln>
+          </p:spPr>
+          <p:style>
+            <a:lnRef idx="2">
+              <a:schemeClr val="dk1">
+                <a:shade val="15000"/>
+              </a:schemeClr>
+            </a:lnRef>
+            <a:fillRef idx="1">
+              <a:schemeClr val="dk1"/>
+            </a:fillRef>
+            <a:effectRef idx="0">
+              <a:schemeClr val="dk1"/>
+            </a:effectRef>
+            <a:fontRef idx="minor">
+              <a:schemeClr val="lt1"/>
+            </a:fontRef>
+          </p:style>
+          <p:txBody>
+            <a:bodyPr rtlCol="0" anchor="ctr"/>
+            <a:lstStyle/>
+            <a:p>
+              <a:pPr algn="ctr"/>
+              <a:endParaRPr lang="en-US"/>
+            </a:p>
+          </p:txBody>
+        </p:sp>
+        <p:sp>
+          <p:nvSpPr>
+            <p:cNvPr id="32" name="Oval 31">
+              <a:extLst>
+                <a:ext uri="{FF2B5EF4-FFF2-40B4-BE49-F238E27FC236}">
+                  <a16:creationId xmlns:a16="http://schemas.microsoft.com/office/drawing/2014/main" id="{6717C729-4FE4-2ACD-857C-6D4E539BDA8E}"/>
+                </a:ext>
+              </a:extLst>
+            </p:cNvPr>
+            <p:cNvSpPr/>
+            <p:nvPr/>
+          </p:nvSpPr>
+          <p:spPr>
+            <a:xfrm>
+              <a:off x="1277673" y="1987849"/>
+              <a:ext cx="86952" cy="86952"/>
+            </a:xfrm>
+            <a:prstGeom prst="ellipse">
+              <a:avLst/>
+            </a:prstGeom>
+            <a:solidFill>
+              <a:schemeClr val="tx1"/>
+            </a:solidFill>
+            <a:ln>
+              <a:noFill/>
+            </a:ln>
+          </p:spPr>
+          <p:style>
+            <a:lnRef idx="2">
+              <a:schemeClr val="dk1">
+                <a:shade val="15000"/>
+              </a:schemeClr>
+            </a:lnRef>
+            <a:fillRef idx="1">
+              <a:schemeClr val="dk1"/>
+            </a:fillRef>
+            <a:effectRef idx="0">
+              <a:schemeClr val="dk1"/>
+            </a:effectRef>
+            <a:fontRef idx="minor">
+              <a:schemeClr val="lt1"/>
+            </a:fontRef>
+          </p:style>
+          <p:txBody>
+            <a:bodyPr rtlCol="0" anchor="ctr"/>
+            <a:lstStyle/>
+            <a:p>
+              <a:pPr algn="ctr"/>
+              <a:endParaRPr lang="en-US"/>
+            </a:p>
+          </p:txBody>
+        </p:sp>
+        <p:sp>
+          <p:nvSpPr>
+            <p:cNvPr id="55" name="TextBox 54">
+              <a:extLst>
+                <a:ext uri="{FF2B5EF4-FFF2-40B4-BE49-F238E27FC236}">
+                  <a16:creationId xmlns:a16="http://schemas.microsoft.com/office/drawing/2014/main" id="{CA0053DF-C039-334E-4299-E9AC4AC74578}"/>
+                </a:ext>
+              </a:extLst>
+            </p:cNvPr>
+            <p:cNvSpPr txBox="1"/>
+            <p:nvPr/>
+          </p:nvSpPr>
+          <p:spPr>
+            <a:xfrm>
+              <a:off x="312995" y="426256"/>
+              <a:ext cx="1425502" cy="523220"/>
+            </a:xfrm>
+            <a:prstGeom prst="rect">
+              <a:avLst/>
+            </a:prstGeom>
+            <a:noFill/>
+          </p:spPr>
+          <p:txBody>
+            <a:bodyPr wrap="square">
+              <a:spAutoFit/>
+            </a:bodyPr>
+            <a:lstStyle/>
+            <a:p>
+              <a:pPr algn="ctr"/>
+              <a:r>
+                <a:rPr lang="en-US" sz="1400" b="1" dirty="0"/>
+                <a:t>Data Partitioning</a:t>
+              </a:r>
+            </a:p>
+          </p:txBody>
+        </p:sp>
+        <p:sp>
+          <p:nvSpPr>
+            <p:cNvPr id="65" name="Oval 64">
+              <a:extLst>
+                <a:ext uri="{FF2B5EF4-FFF2-40B4-BE49-F238E27FC236}">
+                  <a16:creationId xmlns:a16="http://schemas.microsoft.com/office/drawing/2014/main" id="{DB3ECC1A-1B1A-7D2E-67E0-1D1984F69952}"/>
+                </a:ext>
+              </a:extLst>
+            </p:cNvPr>
+            <p:cNvSpPr/>
+            <p:nvPr/>
+          </p:nvSpPr>
+          <p:spPr>
+            <a:xfrm>
+              <a:off x="530242" y="1753183"/>
+              <a:ext cx="73705" cy="73705"/>
+            </a:xfrm>
+            <a:prstGeom prst="ellipse">
+              <a:avLst/>
+            </a:prstGeom>
+            <a:solidFill>
+              <a:schemeClr val="tx1"/>
+            </a:solidFill>
+            <a:ln>
+              <a:noFill/>
+            </a:ln>
+          </p:spPr>
+          <p:style>
+            <a:lnRef idx="2">
+              <a:schemeClr val="dk1">
+                <a:shade val="15000"/>
+              </a:schemeClr>
+            </a:lnRef>
+            <a:fillRef idx="1">
+              <a:schemeClr val="dk1"/>
+            </a:fillRef>
+            <a:effectRef idx="0">
+              <a:schemeClr val="dk1"/>
+            </a:effectRef>
+            <a:fontRef idx="minor">
+              <a:schemeClr val="lt1"/>
+            </a:fontRef>
+          </p:style>
+          <p:txBody>
+            <a:bodyPr rtlCol="0" anchor="ctr"/>
+            <a:lstStyle/>
+            <a:p>
+              <a:pPr algn="ctr"/>
+              <a:endParaRPr lang="en-US"/>
+            </a:p>
+          </p:txBody>
+        </p:sp>
+        <p:sp>
+          <p:nvSpPr>
+            <p:cNvPr id="68" name="Oval 67">
+              <a:extLst>
+                <a:ext uri="{FF2B5EF4-FFF2-40B4-BE49-F238E27FC236}">
+                  <a16:creationId xmlns:a16="http://schemas.microsoft.com/office/drawing/2014/main" id="{9215B496-7EBE-7700-D1A9-FFC6D66EB6E2}"/>
+                </a:ext>
+              </a:extLst>
+            </p:cNvPr>
+            <p:cNvSpPr/>
+            <p:nvPr/>
+          </p:nvSpPr>
+          <p:spPr>
+            <a:xfrm>
+              <a:off x="528820" y="1854250"/>
+              <a:ext cx="73705" cy="73705"/>
+            </a:xfrm>
+            <a:prstGeom prst="ellipse">
+              <a:avLst/>
+            </a:prstGeom>
+            <a:solidFill>
+              <a:schemeClr val="tx1"/>
+            </a:solidFill>
+            <a:ln>
+              <a:noFill/>
+            </a:ln>
+          </p:spPr>
+          <p:style>
+            <a:lnRef idx="2">
+              <a:schemeClr val="dk1">
+                <a:shade val="15000"/>
+              </a:schemeClr>
+            </a:lnRef>
+            <a:fillRef idx="1">
+              <a:schemeClr val="dk1"/>
+            </a:fillRef>
+            <a:effectRef idx="0">
+              <a:schemeClr val="dk1"/>
+            </a:effectRef>
+            <a:fontRef idx="minor">
+              <a:schemeClr val="lt1"/>
+            </a:fontRef>
+          </p:style>
+          <p:txBody>
+            <a:bodyPr rtlCol="0" anchor="ctr"/>
+            <a:lstStyle/>
+            <a:p>
+              <a:pPr algn="ctr"/>
+              <a:endParaRPr lang="en-US"/>
+            </a:p>
+          </p:txBody>
+        </p:sp>
+      </p:grpSp>
+      <p:sp>
+        <p:nvSpPr>
+          <p:cNvPr id="54" name="Can 53">
+            <a:extLst>
+              <a:ext uri="{FF2B5EF4-FFF2-40B4-BE49-F238E27FC236}">
+                <a16:creationId xmlns:a16="http://schemas.microsoft.com/office/drawing/2014/main" id="{FCD2BA0B-9E62-15F2-0F91-203B7F691C22}"/>
+              </a:ext>
+            </a:extLst>
+          </p:cNvPr>
+          <p:cNvSpPr/>
+          <p:nvPr/>
+        </p:nvSpPr>
+        <p:spPr>
+          <a:xfrm>
+            <a:off x="2139097" y="1226085"/>
+            <a:ext cx="335220" cy="283781"/>
+          </a:xfrm>
+          <a:prstGeom prst="can">
+            <a:avLst/>
+          </a:prstGeom>
+          <a:solidFill>
+            <a:srgbClr val="00B0F0"/>
+          </a:solidFill>
+          <a:ln w="28575" cmpd="sng">
+            <a:solidFill>
+              <a:schemeClr val="tx1"/>
+            </a:solidFill>
+          </a:ln>
+          <a:effectLst/>
+        </p:spPr>
+        <p:style>
+          <a:lnRef idx="1">
+            <a:schemeClr val="accent1"/>
+          </a:lnRef>
+          <a:fillRef idx="3">
+            <a:schemeClr val="accent1"/>
+          </a:fillRef>
+          <a:effectRef idx="2">
+            <a:schemeClr val="accent1"/>
+          </a:effectRef>
+          <a:fontRef idx="minor">
+            <a:schemeClr val="lt1"/>
+          </a:fontRef>
+        </p:style>
+        <p:txBody>
+          <a:bodyPr rtlCol="0" anchor="ctr"/>
+          <a:lstStyle/>
+          <a:p>
+            <a:pPr algn="ctr"/>
+            <a:r>
+              <a:rPr lang="en-US" sz="1400" dirty="0">
+                <a:solidFill>
+                  <a:schemeClr val="bg1"/>
+                </a:solidFill>
+              </a:rPr>
+              <a:t>S</a:t>
+            </a:r>
+            <a:r>
+              <a:rPr lang="en-US" sz="1400" baseline="-25000" dirty="0">
+                <a:solidFill>
+                  <a:schemeClr val="bg1"/>
+                </a:solidFill>
+              </a:rPr>
+              <a:t>1</a:t>
+            </a:r>
+          </a:p>
+        </p:txBody>
+      </p:sp>
+      <p:sp>
+        <p:nvSpPr>
+          <p:cNvPr id="57" name="Can 56">
+            <a:extLst>
+              <a:ext uri="{FF2B5EF4-FFF2-40B4-BE49-F238E27FC236}">
+                <a16:creationId xmlns:a16="http://schemas.microsoft.com/office/drawing/2014/main" id="{2B760F0A-FA92-C0BD-0A8C-47BF22E25B08}"/>
+              </a:ext>
+            </a:extLst>
+          </p:cNvPr>
+          <p:cNvSpPr/>
+          <p:nvPr/>
+        </p:nvSpPr>
+        <p:spPr>
+          <a:xfrm>
+            <a:off x="2162226" y="2294994"/>
+            <a:ext cx="335220" cy="283781"/>
+          </a:xfrm>
+          <a:prstGeom prst="can">
+            <a:avLst/>
+          </a:prstGeom>
+          <a:solidFill>
+            <a:srgbClr val="0070C0"/>
+          </a:solidFill>
+          <a:ln w="28575" cmpd="sng">
+            <a:solidFill>
+              <a:schemeClr val="tx1"/>
+            </a:solidFill>
+          </a:ln>
+          <a:effectLst/>
+        </p:spPr>
+        <p:style>
+          <a:lnRef idx="1">
+            <a:schemeClr val="accent1"/>
+          </a:lnRef>
+          <a:fillRef idx="3">
+            <a:schemeClr val="accent1"/>
+          </a:fillRef>
+          <a:effectRef idx="2">
+            <a:schemeClr val="accent1"/>
+          </a:effectRef>
+          <a:fontRef idx="minor">
+            <a:schemeClr val="lt1"/>
+          </a:fontRef>
+        </p:style>
+        <p:txBody>
+          <a:bodyPr rtlCol="0" anchor="ctr"/>
+          <a:lstStyle/>
+          <a:p>
+            <a:pPr algn="ctr"/>
+            <a:r>
+              <a:rPr lang="en-US" sz="1400" dirty="0">
+                <a:solidFill>
+                  <a:schemeClr val="bg1"/>
+                </a:solidFill>
+              </a:rPr>
+              <a:t>S</a:t>
+            </a:r>
+            <a:r>
+              <a:rPr lang="en-US" sz="1400" baseline="-25000" dirty="0">
+                <a:solidFill>
+                  <a:schemeClr val="bg1"/>
+                </a:solidFill>
+              </a:rPr>
+              <a:t>2</a:t>
+            </a:r>
+          </a:p>
+        </p:txBody>
+      </p:sp>
+      <p:sp>
+        <p:nvSpPr>
+          <p:cNvPr id="61" name="Oval 60">
+            <a:extLst>
+              <a:ext uri="{FF2B5EF4-FFF2-40B4-BE49-F238E27FC236}">
+                <a16:creationId xmlns:a16="http://schemas.microsoft.com/office/drawing/2014/main" id="{C6EEB280-2770-A6CC-EBE1-54F209B714EB}"/>
+              </a:ext>
+            </a:extLst>
+          </p:cNvPr>
+          <p:cNvSpPr/>
+          <p:nvPr/>
+        </p:nvSpPr>
+        <p:spPr>
+          <a:xfrm>
+            <a:off x="2274763" y="2961640"/>
+            <a:ext cx="80683" cy="73581"/>
+          </a:xfrm>
+          <a:prstGeom prst="ellipse">
+            <a:avLst/>
+          </a:prstGeom>
+          <a:solidFill>
+            <a:schemeClr val="tx1"/>
+          </a:solidFill>
+          <a:ln>
+            <a:noFill/>
+          </a:ln>
+        </p:spPr>
+        <p:style>
+          <a:lnRef idx="2">
+            <a:schemeClr val="dk1">
+              <a:shade val="15000"/>
+            </a:schemeClr>
+          </a:lnRef>
+          <a:fillRef idx="1">
+            <a:schemeClr val="dk1"/>
+          </a:fillRef>
+          <a:effectRef idx="0">
+            <a:schemeClr val="dk1"/>
+          </a:effectRef>
+          <a:fontRef idx="minor">
+            <a:schemeClr val="lt1"/>
+          </a:fontRef>
+        </p:style>
+        <p:txBody>
+          <a:bodyPr rtlCol="0" anchor="ctr"/>
+          <a:lstStyle/>
+          <a:p>
+            <a:pPr algn="ctr"/>
+            <a:endParaRPr lang="en-US" sz="1200"/>
+          </a:p>
+        </p:txBody>
+      </p:sp>
+      <p:sp>
+        <p:nvSpPr>
+          <p:cNvPr id="62" name="Oval 61">
+            <a:extLst>
+              <a:ext uri="{FF2B5EF4-FFF2-40B4-BE49-F238E27FC236}">
+                <a16:creationId xmlns:a16="http://schemas.microsoft.com/office/drawing/2014/main" id="{609AD213-6417-0CD7-1C21-7009D0F4CA51}"/>
+              </a:ext>
+            </a:extLst>
+          </p:cNvPr>
+          <p:cNvSpPr/>
+          <p:nvPr/>
+        </p:nvSpPr>
+        <p:spPr>
+          <a:xfrm>
+            <a:off x="2274763" y="3110404"/>
+            <a:ext cx="80683" cy="73581"/>
+          </a:xfrm>
+          <a:prstGeom prst="ellipse">
+            <a:avLst/>
+          </a:prstGeom>
+          <a:solidFill>
+            <a:schemeClr val="tx1"/>
+          </a:solidFill>
+          <a:ln>
+            <a:noFill/>
+          </a:ln>
+        </p:spPr>
+        <p:style>
+          <a:lnRef idx="2">
+            <a:schemeClr val="dk1">
+              <a:shade val="15000"/>
+            </a:schemeClr>
+          </a:lnRef>
+          <a:fillRef idx="1">
+            <a:schemeClr val="dk1"/>
+          </a:fillRef>
+          <a:effectRef idx="0">
+            <a:schemeClr val="dk1"/>
+          </a:effectRef>
+          <a:fontRef idx="minor">
+            <a:schemeClr val="lt1"/>
+          </a:fontRef>
+        </p:style>
+        <p:txBody>
+          <a:bodyPr rtlCol="0" anchor="ctr"/>
+          <a:lstStyle/>
+          <a:p>
+            <a:pPr algn="ctr"/>
+            <a:endParaRPr lang="en-US" sz="1200"/>
+          </a:p>
+        </p:txBody>
+      </p:sp>
+      <p:sp>
+        <p:nvSpPr>
+          <p:cNvPr id="63" name="Card 62">
+            <a:extLst>
+              <a:ext uri="{FF2B5EF4-FFF2-40B4-BE49-F238E27FC236}">
+                <a16:creationId xmlns:a16="http://schemas.microsoft.com/office/drawing/2014/main" id="{0059BA7F-8A8E-AE37-81E2-1752B5C7A4C8}"/>
+              </a:ext>
+            </a:extLst>
+          </p:cNvPr>
+          <p:cNvSpPr/>
+          <p:nvPr/>
+        </p:nvSpPr>
+        <p:spPr>
+          <a:xfrm flipH="1">
+            <a:off x="2729052" y="1511024"/>
+            <a:ext cx="1537187" cy="283781"/>
+          </a:xfrm>
+          <a:prstGeom prst="flowChartPunchedCard">
+            <a:avLst/>
+          </a:prstGeom>
+          <a:solidFill>
+            <a:schemeClr val="bg1"/>
+          </a:solidFill>
+          <a:ln w="19050">
+            <a:solidFill>
+              <a:schemeClr val="tx1"/>
+            </a:solidFill>
+          </a:ln>
+          <a:effectLst/>
+        </p:spPr>
+        <p:style>
+          <a:lnRef idx="1">
+            <a:schemeClr val="accent1"/>
+          </a:lnRef>
+          <a:fillRef idx="3">
+            <a:schemeClr val="accent1"/>
+          </a:fillRef>
+          <a:effectRef idx="2">
+            <a:schemeClr val="accent1"/>
+          </a:effectRef>
+          <a:fontRef idx="minor">
+            <a:schemeClr val="lt1"/>
+          </a:fontRef>
+        </p:style>
+        <p:txBody>
+          <a:bodyPr rtlCol="0" anchor="ctr"/>
+          <a:lstStyle/>
+          <a:p>
+            <a:pPr algn="ctr"/>
+            <a:r>
+              <a:rPr lang="en-US" sz="1400" dirty="0" err="1">
+                <a:solidFill>
+                  <a:schemeClr val="tx1"/>
+                </a:solidFill>
+              </a:rPr>
+              <a:t>KMeans</a:t>
+            </a:r>
+            <a:endParaRPr lang="en-US" sz="1400" dirty="0">
+              <a:solidFill>
+                <a:schemeClr val="tx1"/>
+              </a:solidFill>
+            </a:endParaRPr>
+          </a:p>
+        </p:txBody>
+      </p:sp>
+      <p:sp>
+        <p:nvSpPr>
+          <p:cNvPr id="64" name="Card 63">
+            <a:extLst>
+              <a:ext uri="{FF2B5EF4-FFF2-40B4-BE49-F238E27FC236}">
+                <a16:creationId xmlns:a16="http://schemas.microsoft.com/office/drawing/2014/main" id="{E3CABAFF-164E-7FB6-4D31-A29D463840CB}"/>
+              </a:ext>
+            </a:extLst>
+          </p:cNvPr>
+          <p:cNvSpPr/>
+          <p:nvPr/>
+        </p:nvSpPr>
+        <p:spPr>
+          <a:xfrm flipH="1">
+            <a:off x="2736502" y="1884439"/>
+            <a:ext cx="1536052" cy="690559"/>
+          </a:xfrm>
+          <a:prstGeom prst="flowChartPunchedCard">
+            <a:avLst/>
+          </a:prstGeom>
+          <a:solidFill>
+            <a:schemeClr val="bg1"/>
+          </a:solidFill>
+          <a:ln w="19050">
+            <a:solidFill>
+              <a:schemeClr val="tx1"/>
+            </a:solidFill>
+          </a:ln>
+          <a:effectLst/>
+        </p:spPr>
+        <p:style>
+          <a:lnRef idx="1">
+            <a:schemeClr val="accent1"/>
+          </a:lnRef>
+          <a:fillRef idx="3">
+            <a:schemeClr val="accent1"/>
+          </a:fillRef>
+          <a:effectRef idx="2">
+            <a:schemeClr val="accent1"/>
+          </a:effectRef>
+          <a:fontRef idx="minor">
+            <a:schemeClr val="lt1"/>
+          </a:fontRef>
+        </p:style>
+        <p:txBody>
+          <a:bodyPr rtlCol="0" anchor="ctr"/>
+          <a:lstStyle/>
+          <a:p>
+            <a:pPr algn="ctr"/>
+            <a:r>
+              <a:rPr lang="en-US" sz="1400" dirty="0">
+                <a:solidFill>
+                  <a:schemeClr val="tx1"/>
+                </a:solidFill>
+              </a:rPr>
+              <a:t>OI</a:t>
+            </a:r>
+          </a:p>
+          <a:p>
+            <a:pPr algn="ctr"/>
+            <a:r>
+              <a:rPr lang="en-US" sz="1400" dirty="0">
+                <a:solidFill>
+                  <a:schemeClr val="tx1"/>
+                </a:solidFill>
+              </a:rPr>
+              <a:t>Parameters: [P</a:t>
+            </a:r>
+            <a:r>
+              <a:rPr lang="en-US" sz="1400" baseline="-25000" dirty="0">
+                <a:solidFill>
+                  <a:schemeClr val="tx1"/>
+                </a:solidFill>
+              </a:rPr>
+              <a:t>1</a:t>
+            </a:r>
+            <a:r>
+              <a:rPr lang="en-US" sz="1400" dirty="0">
+                <a:solidFill>
+                  <a:schemeClr val="tx1"/>
+                </a:solidFill>
+              </a:rPr>
+              <a:t>:</a:t>
+            </a:r>
+            <a:r>
+              <a:rPr lang="en-US" sz="1400" b="1" dirty="0">
+                <a:solidFill>
+                  <a:schemeClr val="tx1"/>
+                </a:solidFill>
+              </a:rPr>
+              <a:t>b</a:t>
+            </a:r>
+            <a:r>
+              <a:rPr lang="en-US" sz="1400" dirty="0">
+                <a:solidFill>
+                  <a:schemeClr val="tx1"/>
+                </a:solidFill>
+              </a:rPr>
+              <a:t>,…]</a:t>
+            </a:r>
+          </a:p>
+          <a:p>
+            <a:pPr algn="ctr"/>
+            <a:endParaRPr lang="en-US" sz="1400" dirty="0">
+              <a:solidFill>
+                <a:schemeClr val="tx1"/>
+              </a:solidFill>
+            </a:endParaRPr>
+          </a:p>
+        </p:txBody>
+      </p:sp>
+      <p:sp>
+        <p:nvSpPr>
+          <p:cNvPr id="69" name="Card 68">
+            <a:extLst>
+              <a:ext uri="{FF2B5EF4-FFF2-40B4-BE49-F238E27FC236}">
+                <a16:creationId xmlns:a16="http://schemas.microsoft.com/office/drawing/2014/main" id="{08FD33A1-56DB-5624-88E0-4F721E2A7EB9}"/>
+              </a:ext>
+            </a:extLst>
+          </p:cNvPr>
+          <p:cNvSpPr/>
+          <p:nvPr/>
+        </p:nvSpPr>
+        <p:spPr>
+          <a:xfrm flipH="1">
+            <a:off x="2729051" y="2742129"/>
+            <a:ext cx="1536051" cy="300300"/>
+          </a:xfrm>
+          <a:prstGeom prst="flowChartPunchedCard">
+            <a:avLst/>
+          </a:prstGeom>
+          <a:solidFill>
+            <a:schemeClr val="bg1"/>
+          </a:solidFill>
+          <a:ln w="19050">
+            <a:solidFill>
+              <a:schemeClr val="tx1"/>
+            </a:solidFill>
+          </a:ln>
+          <a:effectLst/>
+        </p:spPr>
+        <p:style>
+          <a:lnRef idx="1">
+            <a:schemeClr val="accent1"/>
+          </a:lnRef>
+          <a:fillRef idx="3">
+            <a:schemeClr val="accent1"/>
+          </a:fillRef>
+          <a:effectRef idx="2">
+            <a:schemeClr val="accent1"/>
+          </a:effectRef>
+          <a:fontRef idx="minor">
+            <a:schemeClr val="lt1"/>
+          </a:fontRef>
+        </p:style>
+        <p:txBody>
+          <a:bodyPr rtlCol="0" anchor="ctr"/>
+          <a:lstStyle/>
+          <a:p>
+            <a:pPr algn="ctr"/>
+            <a:r>
+              <a:rPr lang="en-US" sz="1400" dirty="0" err="1">
+                <a:solidFill>
+                  <a:schemeClr val="tx1"/>
+                </a:solidFill>
+              </a:rPr>
+              <a:t>KMeans</a:t>
+            </a:r>
+            <a:endParaRPr lang="en-US" sz="1400" dirty="0">
+              <a:solidFill>
+                <a:schemeClr val="tx1"/>
+              </a:solidFill>
+            </a:endParaRPr>
+          </a:p>
+        </p:txBody>
+      </p:sp>
+      <p:cxnSp>
+        <p:nvCxnSpPr>
+          <p:cNvPr id="71" name="Elbow Connector 70">
+            <a:extLst>
+              <a:ext uri="{FF2B5EF4-FFF2-40B4-BE49-F238E27FC236}">
+                <a16:creationId xmlns:a16="http://schemas.microsoft.com/office/drawing/2014/main" id="{DCA61CFA-B9A1-07D6-D986-EA53F22CF4AC}"/>
+              </a:ext>
+            </a:extLst>
+          </p:cNvPr>
+          <p:cNvCxnSpPr>
+            <a:cxnSpLocks/>
+            <a:stCxn id="57" idx="4"/>
+            <a:endCxn id="64" idx="3"/>
+          </p:cNvCxnSpPr>
+          <p:nvPr/>
+        </p:nvCxnSpPr>
+        <p:spPr>
+          <a:xfrm flipV="1">
+            <a:off x="2497446" y="2229719"/>
+            <a:ext cx="239056" cy="207166"/>
+          </a:xfrm>
+          <a:prstGeom prst="bentConnector3">
+            <a:avLst/>
+          </a:prstGeom>
+          <a:ln w="19050" cap="flat" cmpd="sng" algn="ctr">
+            <a:solidFill>
+              <a:schemeClr val="dk1"/>
+            </a:solidFill>
+            <a:prstDash val="solid"/>
+            <a:round/>
+            <a:headEnd type="none" w="med" len="med"/>
+            <a:tailEnd type="arrow" w="med" len="med"/>
+          </a:ln>
+        </p:spPr>
+        <p:style>
+          <a:lnRef idx="0">
+            <a:scrgbClr r="0" g="0" b="0"/>
+          </a:lnRef>
+          <a:fillRef idx="0">
+            <a:scrgbClr r="0" g="0" b="0"/>
+          </a:fillRef>
+          <a:effectRef idx="0">
+            <a:scrgbClr r="0" g="0" b="0"/>
+          </a:effectRef>
+          <a:fontRef idx="minor">
+            <a:schemeClr val="tx1"/>
+          </a:fontRef>
+        </p:style>
+      </p:cxnSp>
+      <p:cxnSp>
+        <p:nvCxnSpPr>
+          <p:cNvPr id="72" name="Elbow Connector 71">
+            <a:extLst>
+              <a:ext uri="{FF2B5EF4-FFF2-40B4-BE49-F238E27FC236}">
+                <a16:creationId xmlns:a16="http://schemas.microsoft.com/office/drawing/2014/main" id="{495581A9-5093-9582-A0AB-F7E4C71555F7}"/>
+              </a:ext>
+            </a:extLst>
+          </p:cNvPr>
+          <p:cNvCxnSpPr>
+            <a:cxnSpLocks/>
+            <a:stCxn id="57" idx="4"/>
+            <a:endCxn id="69" idx="3"/>
+          </p:cNvCxnSpPr>
+          <p:nvPr/>
+        </p:nvCxnSpPr>
+        <p:spPr>
+          <a:xfrm>
+            <a:off x="2497446" y="2436885"/>
+            <a:ext cx="231605" cy="455394"/>
+          </a:xfrm>
+          <a:prstGeom prst="bentConnector3">
+            <a:avLst>
+              <a:gd name="adj1" fmla="val 50000"/>
+            </a:avLst>
+          </a:prstGeom>
+          <a:ln w="19050" cap="flat" cmpd="sng" algn="ctr">
+            <a:solidFill>
+              <a:schemeClr val="dk1"/>
+            </a:solidFill>
+            <a:prstDash val="solid"/>
+            <a:round/>
+            <a:headEnd type="none" w="med" len="med"/>
+            <a:tailEnd type="arrow" w="med" len="med"/>
+          </a:ln>
+        </p:spPr>
+        <p:style>
+          <a:lnRef idx="0">
+            <a:scrgbClr r="0" g="0" b="0"/>
+          </a:lnRef>
+          <a:fillRef idx="0">
+            <a:scrgbClr r="0" g="0" b="0"/>
+          </a:fillRef>
+          <a:effectRef idx="0">
+            <a:scrgbClr r="0" g="0" b="0"/>
+          </a:effectRef>
+          <a:fontRef idx="minor">
+            <a:schemeClr val="tx1"/>
+          </a:fontRef>
+        </p:style>
+      </p:cxnSp>
+      <p:cxnSp>
+        <p:nvCxnSpPr>
+          <p:cNvPr id="73" name="Elbow Connector 72">
+            <a:extLst>
+              <a:ext uri="{FF2B5EF4-FFF2-40B4-BE49-F238E27FC236}">
+                <a16:creationId xmlns:a16="http://schemas.microsoft.com/office/drawing/2014/main" id="{8474AF31-C44B-380E-48A7-A8BF5BA7265C}"/>
+              </a:ext>
+            </a:extLst>
+          </p:cNvPr>
+          <p:cNvCxnSpPr>
+            <a:cxnSpLocks/>
+            <a:stCxn id="54" idx="4"/>
+            <a:endCxn id="91" idx="3"/>
+          </p:cNvCxnSpPr>
+          <p:nvPr/>
+        </p:nvCxnSpPr>
+        <p:spPr>
+          <a:xfrm flipV="1">
+            <a:off x="2474317" y="1028212"/>
+            <a:ext cx="255868" cy="339764"/>
+          </a:xfrm>
+          <a:prstGeom prst="bentConnector3">
+            <a:avLst/>
+          </a:prstGeom>
+          <a:ln w="19050" cap="flat" cmpd="sng" algn="ctr">
+            <a:solidFill>
+              <a:schemeClr val="dk1"/>
+            </a:solidFill>
+            <a:prstDash val="solid"/>
+            <a:round/>
+            <a:headEnd type="none" w="med" len="med"/>
+            <a:tailEnd type="arrow" w="med" len="med"/>
+          </a:ln>
+        </p:spPr>
+        <p:style>
+          <a:lnRef idx="0">
+            <a:scrgbClr r="0" g="0" b="0"/>
+          </a:lnRef>
+          <a:fillRef idx="0">
+            <a:scrgbClr r="0" g="0" b="0"/>
+          </a:fillRef>
+          <a:effectRef idx="0">
+            <a:scrgbClr r="0" g="0" b="0"/>
+          </a:effectRef>
+          <a:fontRef idx="minor">
+            <a:schemeClr val="tx1"/>
+          </a:fontRef>
+        </p:style>
+      </p:cxnSp>
+      <p:cxnSp>
+        <p:nvCxnSpPr>
+          <p:cNvPr id="83" name="Elbow Connector 82">
+            <a:extLst>
+              <a:ext uri="{FF2B5EF4-FFF2-40B4-BE49-F238E27FC236}">
+                <a16:creationId xmlns:a16="http://schemas.microsoft.com/office/drawing/2014/main" id="{902C9DF2-C821-4925-3A48-954AD83634F9}"/>
+              </a:ext>
+            </a:extLst>
+          </p:cNvPr>
+          <p:cNvCxnSpPr>
+            <a:cxnSpLocks/>
+            <a:stCxn id="54" idx="4"/>
+            <a:endCxn id="63" idx="3"/>
+          </p:cNvCxnSpPr>
+          <p:nvPr/>
+        </p:nvCxnSpPr>
+        <p:spPr>
+          <a:xfrm>
+            <a:off x="2474317" y="1367976"/>
+            <a:ext cx="254735" cy="284939"/>
+          </a:xfrm>
+          <a:prstGeom prst="bentConnector3">
+            <a:avLst>
+              <a:gd name="adj1" fmla="val 50000"/>
+            </a:avLst>
+          </a:prstGeom>
+          <a:ln w="19050" cap="flat" cmpd="sng" algn="ctr">
+            <a:solidFill>
+              <a:schemeClr val="dk1"/>
+            </a:solidFill>
+            <a:prstDash val="solid"/>
+            <a:round/>
+            <a:headEnd type="none" w="med" len="med"/>
+            <a:tailEnd type="arrow" w="med" len="med"/>
+          </a:ln>
+        </p:spPr>
+        <p:style>
+          <a:lnRef idx="0">
+            <a:scrgbClr r="0" g="0" b="0"/>
+          </a:lnRef>
+          <a:fillRef idx="0">
+            <a:scrgbClr r="0" g="0" b="0"/>
+          </a:fillRef>
+          <a:effectRef idx="0">
+            <a:scrgbClr r="0" g="0" b="0"/>
+          </a:effectRef>
+          <a:fontRef idx="minor">
+            <a:schemeClr val="tx1"/>
+          </a:fontRef>
+        </p:style>
+      </p:cxnSp>
+      <p:cxnSp>
+        <p:nvCxnSpPr>
+          <p:cNvPr id="86" name="Elbow Connector 85">
+            <a:extLst>
+              <a:ext uri="{FF2B5EF4-FFF2-40B4-BE49-F238E27FC236}">
+                <a16:creationId xmlns:a16="http://schemas.microsoft.com/office/drawing/2014/main" id="{1EE25752-D53A-E7C8-E679-6F0A01425BE7}"/>
+              </a:ext>
+            </a:extLst>
+          </p:cNvPr>
+          <p:cNvCxnSpPr>
+            <a:cxnSpLocks/>
+            <a:stCxn id="69" idx="1"/>
+            <a:endCxn id="146" idx="2"/>
+          </p:cNvCxnSpPr>
+          <p:nvPr/>
+        </p:nvCxnSpPr>
+        <p:spPr>
+          <a:xfrm flipV="1">
+            <a:off x="4265102" y="2771252"/>
+            <a:ext cx="403714" cy="121027"/>
+          </a:xfrm>
+          <a:prstGeom prst="bentConnector2">
+            <a:avLst/>
+          </a:prstGeom>
+          <a:ln w="19050" cap="flat" cmpd="sng" algn="ctr">
+            <a:solidFill>
+              <a:schemeClr val="dk1"/>
+            </a:solidFill>
+            <a:prstDash val="solid"/>
+            <a:round/>
+            <a:headEnd type="none" w="med" len="med"/>
+            <a:tailEnd type="arrow" w="med" len="med"/>
+          </a:ln>
+        </p:spPr>
+        <p:style>
+          <a:lnRef idx="0">
+            <a:scrgbClr r="0" g="0" b="0"/>
+          </a:lnRef>
+          <a:fillRef idx="0">
+            <a:scrgbClr r="0" g="0" b="0"/>
+          </a:fillRef>
+          <a:effectRef idx="0">
+            <a:scrgbClr r="0" g="0" b="0"/>
+          </a:effectRef>
+          <a:fontRef idx="minor">
+            <a:schemeClr val="tx1"/>
+          </a:fontRef>
+        </p:style>
+      </p:cxnSp>
+      <p:cxnSp>
+        <p:nvCxnSpPr>
+          <p:cNvPr id="87" name="Elbow Connector 86">
+            <a:extLst>
+              <a:ext uri="{FF2B5EF4-FFF2-40B4-BE49-F238E27FC236}">
+                <a16:creationId xmlns:a16="http://schemas.microsoft.com/office/drawing/2014/main" id="{53611628-1F3B-8424-3228-FC43B6C3CC3A}"/>
+              </a:ext>
+            </a:extLst>
+          </p:cNvPr>
+          <p:cNvCxnSpPr>
+            <a:cxnSpLocks/>
+            <a:stCxn id="64" idx="1"/>
+            <a:endCxn id="146" idx="0"/>
+          </p:cNvCxnSpPr>
+          <p:nvPr/>
+        </p:nvCxnSpPr>
+        <p:spPr>
+          <a:xfrm>
+            <a:off x="4272554" y="2229719"/>
+            <a:ext cx="396262" cy="119348"/>
+          </a:xfrm>
+          <a:prstGeom prst="bentConnector2">
+            <a:avLst/>
+          </a:prstGeom>
+          <a:ln w="19050" cap="flat" cmpd="sng" algn="ctr">
+            <a:solidFill>
+              <a:schemeClr val="dk1"/>
+            </a:solidFill>
+            <a:prstDash val="solid"/>
+            <a:round/>
+            <a:headEnd type="none" w="med" len="med"/>
+            <a:tailEnd type="arrow" w="med" len="med"/>
+          </a:ln>
+        </p:spPr>
+        <p:style>
+          <a:lnRef idx="0">
+            <a:scrgbClr r="0" g="0" b="0"/>
+          </a:lnRef>
+          <a:fillRef idx="0">
+            <a:scrgbClr r="0" g="0" b="0"/>
+          </a:fillRef>
+          <a:effectRef idx="0">
+            <a:scrgbClr r="0" g="0" b="0"/>
+          </a:effectRef>
+          <a:fontRef idx="minor">
+            <a:schemeClr val="tx1"/>
+          </a:fontRef>
+        </p:style>
+      </p:cxnSp>
+      <p:sp>
+        <p:nvSpPr>
+          <p:cNvPr id="90" name="Oval 89">
+            <a:extLst>
+              <a:ext uri="{FF2B5EF4-FFF2-40B4-BE49-F238E27FC236}">
+                <a16:creationId xmlns:a16="http://schemas.microsoft.com/office/drawing/2014/main" id="{085CFF60-52ED-9145-A879-87832F97EE76}"/>
+              </a:ext>
+            </a:extLst>
+          </p:cNvPr>
+          <p:cNvSpPr/>
+          <p:nvPr/>
+        </p:nvSpPr>
+        <p:spPr>
+          <a:xfrm>
+            <a:off x="2274763" y="2815084"/>
+            <a:ext cx="80683" cy="73581"/>
+          </a:xfrm>
+          <a:prstGeom prst="ellipse">
+            <a:avLst/>
+          </a:prstGeom>
+          <a:solidFill>
+            <a:schemeClr val="tx1"/>
+          </a:solidFill>
+          <a:ln>
+            <a:noFill/>
+          </a:ln>
+        </p:spPr>
+        <p:style>
+          <a:lnRef idx="2">
+            <a:schemeClr val="dk1">
+              <a:shade val="15000"/>
+            </a:schemeClr>
+          </a:lnRef>
+          <a:fillRef idx="1">
+            <a:schemeClr val="dk1"/>
+          </a:fillRef>
+          <a:effectRef idx="0">
+            <a:schemeClr val="dk1"/>
+          </a:effectRef>
+          <a:fontRef idx="minor">
+            <a:schemeClr val="lt1"/>
+          </a:fontRef>
+        </p:style>
+        <p:txBody>
+          <a:bodyPr rtlCol="0" anchor="ctr"/>
+          <a:lstStyle/>
+          <a:p>
+            <a:pPr algn="ctr"/>
+            <a:endParaRPr lang="en-US" sz="1200"/>
+          </a:p>
+        </p:txBody>
+      </p:sp>
+      <p:sp>
+        <p:nvSpPr>
+          <p:cNvPr id="91" name="Card 90">
+            <a:extLst>
+              <a:ext uri="{FF2B5EF4-FFF2-40B4-BE49-F238E27FC236}">
+                <a16:creationId xmlns:a16="http://schemas.microsoft.com/office/drawing/2014/main" id="{FFD1D88B-83B9-9971-94C6-0B9BC96CDEBC}"/>
+              </a:ext>
+            </a:extLst>
+          </p:cNvPr>
+          <p:cNvSpPr/>
+          <p:nvPr/>
+        </p:nvSpPr>
+        <p:spPr>
+          <a:xfrm flipH="1">
+            <a:off x="2730185" y="696690"/>
+            <a:ext cx="1537187" cy="663044"/>
+          </a:xfrm>
+          <a:prstGeom prst="flowChartPunchedCard">
+            <a:avLst/>
+          </a:prstGeom>
+          <a:solidFill>
+            <a:schemeClr val="bg1"/>
+          </a:solidFill>
+          <a:ln w="19050">
+            <a:solidFill>
+              <a:schemeClr val="tx1"/>
+            </a:solidFill>
+          </a:ln>
+          <a:effectLst/>
+        </p:spPr>
+        <p:style>
+          <a:lnRef idx="1">
+            <a:schemeClr val="accent1"/>
+          </a:lnRef>
+          <a:fillRef idx="3">
+            <a:schemeClr val="accent1"/>
+          </a:fillRef>
+          <a:effectRef idx="2">
+            <a:schemeClr val="accent1"/>
+          </a:effectRef>
+          <a:fontRef idx="minor">
+            <a:schemeClr val="lt1"/>
+          </a:fontRef>
+        </p:style>
+        <p:txBody>
+          <a:bodyPr rtlCol="0" anchor="ctr"/>
+          <a:lstStyle/>
+          <a:p>
+            <a:pPr algn="ctr"/>
+            <a:r>
+              <a:rPr lang="en-US" sz="1400" dirty="0">
+                <a:solidFill>
+                  <a:schemeClr val="tx1"/>
+                </a:solidFill>
+              </a:rPr>
+              <a:t>OI</a:t>
+            </a:r>
+          </a:p>
+          <a:p>
+            <a:pPr algn="ctr"/>
+            <a:r>
+              <a:rPr lang="en-US" sz="1400" dirty="0">
+                <a:solidFill>
+                  <a:schemeClr val="tx1"/>
+                </a:solidFill>
+              </a:rPr>
+              <a:t>Parameters: [P</a:t>
+            </a:r>
+            <a:r>
+              <a:rPr lang="en-US" sz="1400" baseline="-25000" dirty="0">
+                <a:solidFill>
+                  <a:schemeClr val="tx1"/>
+                </a:solidFill>
+              </a:rPr>
+              <a:t>1</a:t>
+            </a:r>
+            <a:r>
+              <a:rPr lang="en-US" sz="1400" dirty="0">
+                <a:solidFill>
+                  <a:schemeClr val="tx1"/>
+                </a:solidFill>
+              </a:rPr>
+              <a:t>:</a:t>
+            </a:r>
+            <a:r>
+              <a:rPr lang="en-US" sz="1400" b="1" dirty="0">
+                <a:solidFill>
+                  <a:schemeClr val="tx1"/>
+                </a:solidFill>
+              </a:rPr>
+              <a:t>a</a:t>
+            </a:r>
+            <a:r>
+              <a:rPr lang="en-US" sz="1400" dirty="0">
+                <a:solidFill>
+                  <a:schemeClr val="tx1"/>
+                </a:solidFill>
+              </a:rPr>
+              <a:t>,…]</a:t>
+            </a:r>
+          </a:p>
+          <a:p>
+            <a:pPr algn="ctr"/>
+            <a:endParaRPr lang="en-US" sz="1400" dirty="0">
+              <a:solidFill>
+                <a:schemeClr val="tx1"/>
+              </a:solidFill>
+            </a:endParaRPr>
+          </a:p>
+        </p:txBody>
+      </p:sp>
+      <p:sp>
+        <p:nvSpPr>
+          <p:cNvPr id="94" name="Decision 93">
+            <a:extLst>
+              <a:ext uri="{FF2B5EF4-FFF2-40B4-BE49-F238E27FC236}">
+                <a16:creationId xmlns:a16="http://schemas.microsoft.com/office/drawing/2014/main" id="{FEA9941F-5037-6063-5D11-A8AF16CD47D2}"/>
+              </a:ext>
+            </a:extLst>
+          </p:cNvPr>
+          <p:cNvSpPr/>
+          <p:nvPr/>
+        </p:nvSpPr>
+        <p:spPr>
+          <a:xfrm>
+            <a:off x="4309461" y="1148987"/>
+            <a:ext cx="718709" cy="392194"/>
+          </a:xfrm>
+          <a:prstGeom prst="flowChartDecision">
+            <a:avLst/>
+          </a:prstGeom>
+          <a:ln w="19050"/>
+        </p:spPr>
+        <p:style>
+          <a:lnRef idx="2">
+            <a:schemeClr val="dk1"/>
+          </a:lnRef>
+          <a:fillRef idx="1">
+            <a:schemeClr val="lt1"/>
+          </a:fillRef>
+          <a:effectRef idx="0">
+            <a:schemeClr val="dk1"/>
+          </a:effectRef>
+          <a:fontRef idx="minor">
+            <a:schemeClr val="dk1"/>
+          </a:fontRef>
+        </p:style>
+        <p:txBody>
+          <a:bodyPr rtlCol="0" anchor="ctr"/>
+          <a:lstStyle/>
+          <a:p>
+            <a:pPr algn="ctr"/>
+            <a:endParaRPr lang="en-US" sz="1200" dirty="0"/>
+          </a:p>
+        </p:txBody>
+      </p:sp>
+      <p:sp>
+        <p:nvSpPr>
+          <p:cNvPr id="95" name="TextBox 94">
+            <a:extLst>
+              <a:ext uri="{FF2B5EF4-FFF2-40B4-BE49-F238E27FC236}">
+                <a16:creationId xmlns:a16="http://schemas.microsoft.com/office/drawing/2014/main" id="{77A415E4-6818-0098-65BE-59033244D805}"/>
+              </a:ext>
+            </a:extLst>
+          </p:cNvPr>
+          <p:cNvSpPr txBox="1"/>
+          <p:nvPr/>
+        </p:nvSpPr>
+        <p:spPr>
+          <a:xfrm>
+            <a:off x="4344943" y="1179933"/>
+            <a:ext cx="605420" cy="307777"/>
+          </a:xfrm>
+          <a:prstGeom prst="rect">
+            <a:avLst/>
+          </a:prstGeom>
+          <a:noFill/>
+        </p:spPr>
+        <p:txBody>
+          <a:bodyPr wrap="square" rtlCol="0">
+            <a:spAutoFit/>
+          </a:bodyPr>
+          <a:lstStyle/>
+          <a:p>
+            <a:pPr algn="ctr"/>
+            <a:r>
+              <a:rPr lang="en-US" sz="1400" dirty="0"/>
+              <a:t>ARI</a:t>
+            </a:r>
+            <a:r>
+              <a:rPr lang="en-US" sz="1400" baseline="-25000" dirty="0"/>
+              <a:t>1_a</a:t>
+            </a:r>
+          </a:p>
+        </p:txBody>
+      </p:sp>
+      <p:cxnSp>
+        <p:nvCxnSpPr>
+          <p:cNvPr id="96" name="Elbow Connector 95">
+            <a:extLst>
+              <a:ext uri="{FF2B5EF4-FFF2-40B4-BE49-F238E27FC236}">
+                <a16:creationId xmlns:a16="http://schemas.microsoft.com/office/drawing/2014/main" id="{01EA3497-5451-3C27-0C2B-54F6CAB41461}"/>
+              </a:ext>
+            </a:extLst>
+          </p:cNvPr>
+          <p:cNvCxnSpPr>
+            <a:cxnSpLocks/>
+            <a:stCxn id="63" idx="1"/>
+            <a:endCxn id="94" idx="2"/>
+          </p:cNvCxnSpPr>
+          <p:nvPr/>
+        </p:nvCxnSpPr>
+        <p:spPr>
+          <a:xfrm flipV="1">
+            <a:off x="4266239" y="1541181"/>
+            <a:ext cx="402577" cy="111734"/>
+          </a:xfrm>
+          <a:prstGeom prst="bentConnector2">
+            <a:avLst/>
+          </a:prstGeom>
+          <a:ln w="19050" cap="flat" cmpd="sng" algn="ctr">
+            <a:solidFill>
+              <a:schemeClr val="dk1"/>
+            </a:solidFill>
+            <a:prstDash val="solid"/>
+            <a:round/>
+            <a:headEnd type="none" w="med" len="med"/>
+            <a:tailEnd type="arrow" w="med" len="med"/>
+          </a:ln>
+        </p:spPr>
+        <p:style>
+          <a:lnRef idx="0">
+            <a:scrgbClr r="0" g="0" b="0"/>
+          </a:lnRef>
+          <a:fillRef idx="0">
+            <a:scrgbClr r="0" g="0" b="0"/>
+          </a:fillRef>
+          <a:effectRef idx="0">
+            <a:scrgbClr r="0" g="0" b="0"/>
+          </a:effectRef>
+          <a:fontRef idx="minor">
+            <a:schemeClr val="tx1"/>
+          </a:fontRef>
+        </p:style>
+      </p:cxnSp>
+      <p:cxnSp>
+        <p:nvCxnSpPr>
+          <p:cNvPr id="97" name="Elbow Connector 96">
+            <a:extLst>
+              <a:ext uri="{FF2B5EF4-FFF2-40B4-BE49-F238E27FC236}">
+                <a16:creationId xmlns:a16="http://schemas.microsoft.com/office/drawing/2014/main" id="{B5DA0813-A462-F7D3-154E-E5B6853D6010}"/>
+              </a:ext>
+            </a:extLst>
+          </p:cNvPr>
+          <p:cNvCxnSpPr>
+            <a:cxnSpLocks/>
+            <a:stCxn id="91" idx="1"/>
+            <a:endCxn id="94" idx="0"/>
+          </p:cNvCxnSpPr>
+          <p:nvPr/>
+        </p:nvCxnSpPr>
+        <p:spPr>
+          <a:xfrm>
+            <a:off x="4267372" y="1028212"/>
+            <a:ext cx="401444" cy="120775"/>
+          </a:xfrm>
+          <a:prstGeom prst="bentConnector2">
+            <a:avLst/>
+          </a:prstGeom>
+          <a:ln w="19050" cap="flat" cmpd="sng" algn="ctr">
+            <a:solidFill>
+              <a:schemeClr val="dk1"/>
+            </a:solidFill>
+            <a:prstDash val="solid"/>
+            <a:round/>
+            <a:headEnd type="none" w="med" len="med"/>
+            <a:tailEnd type="arrow" w="med" len="med"/>
+          </a:ln>
+        </p:spPr>
+        <p:style>
+          <a:lnRef idx="0">
+            <a:scrgbClr r="0" g="0" b="0"/>
+          </a:lnRef>
+          <a:fillRef idx="0">
+            <a:scrgbClr r="0" g="0" b="0"/>
+          </a:fillRef>
+          <a:effectRef idx="0">
+            <a:scrgbClr r="0" g="0" b="0"/>
+          </a:effectRef>
+          <a:fontRef idx="minor">
+            <a:schemeClr val="tx1"/>
+          </a:fontRef>
+        </p:style>
+      </p:cxnSp>
+      <p:sp>
+        <p:nvSpPr>
+          <p:cNvPr id="146" name="Decision 145">
+            <a:extLst>
+              <a:ext uri="{FF2B5EF4-FFF2-40B4-BE49-F238E27FC236}">
+                <a16:creationId xmlns:a16="http://schemas.microsoft.com/office/drawing/2014/main" id="{EBF5C562-48B7-748D-785C-3078693307F1}"/>
+              </a:ext>
+            </a:extLst>
+          </p:cNvPr>
+          <p:cNvSpPr/>
+          <p:nvPr/>
+        </p:nvSpPr>
+        <p:spPr>
+          <a:xfrm>
+            <a:off x="4309461" y="2349067"/>
+            <a:ext cx="718709" cy="422185"/>
+          </a:xfrm>
+          <a:prstGeom prst="flowChartDecision">
+            <a:avLst/>
+          </a:prstGeom>
+          <a:ln w="19050"/>
+        </p:spPr>
+        <p:style>
+          <a:lnRef idx="2">
+            <a:schemeClr val="dk1"/>
+          </a:lnRef>
+          <a:fillRef idx="1">
+            <a:schemeClr val="lt1"/>
+          </a:fillRef>
+          <a:effectRef idx="0">
+            <a:schemeClr val="dk1"/>
+          </a:effectRef>
+          <a:fontRef idx="minor">
+            <a:schemeClr val="dk1"/>
+          </a:fontRef>
+        </p:style>
+        <p:txBody>
+          <a:bodyPr rtlCol="0" anchor="ctr"/>
+          <a:lstStyle/>
+          <a:p>
+            <a:pPr algn="ctr"/>
+            <a:endParaRPr lang="en-US" sz="1200" dirty="0"/>
+          </a:p>
+        </p:txBody>
+      </p:sp>
+      <p:sp>
+        <p:nvSpPr>
+          <p:cNvPr id="147" name="TextBox 146">
+            <a:extLst>
+              <a:ext uri="{FF2B5EF4-FFF2-40B4-BE49-F238E27FC236}">
+                <a16:creationId xmlns:a16="http://schemas.microsoft.com/office/drawing/2014/main" id="{AF03A5FF-6A32-D373-6AC7-7C93FAE12FF6}"/>
+              </a:ext>
+            </a:extLst>
+          </p:cNvPr>
+          <p:cNvSpPr txBox="1"/>
+          <p:nvPr/>
+        </p:nvSpPr>
+        <p:spPr>
+          <a:xfrm>
+            <a:off x="4336997" y="2394424"/>
+            <a:ext cx="625855" cy="307777"/>
+          </a:xfrm>
+          <a:prstGeom prst="rect">
+            <a:avLst/>
+          </a:prstGeom>
+          <a:noFill/>
+        </p:spPr>
+        <p:txBody>
+          <a:bodyPr wrap="square" rtlCol="0">
+            <a:spAutoFit/>
+          </a:bodyPr>
+          <a:lstStyle/>
+          <a:p>
+            <a:pPr algn="ctr"/>
+            <a:r>
+              <a:rPr lang="en-US" sz="1400" dirty="0"/>
+              <a:t>ARI</a:t>
+            </a:r>
+            <a:r>
+              <a:rPr lang="en-US" sz="1400" baseline="-25000" dirty="0"/>
+              <a:t>1_b</a:t>
+            </a:r>
+          </a:p>
+        </p:txBody>
+      </p:sp>
+      <p:cxnSp>
+        <p:nvCxnSpPr>
+          <p:cNvPr id="195" name="Straight Arrow Connector 194">
+            <a:extLst>
+              <a:ext uri="{FF2B5EF4-FFF2-40B4-BE49-F238E27FC236}">
+                <a16:creationId xmlns:a16="http://schemas.microsoft.com/office/drawing/2014/main" id="{A417EC42-B088-CC5A-6672-FDBA61184381}"/>
+              </a:ext>
+            </a:extLst>
+          </p:cNvPr>
+          <p:cNvCxnSpPr>
+            <a:cxnSpLocks/>
+            <a:stCxn id="218" idx="3"/>
+            <a:endCxn id="197" idx="0"/>
+          </p:cNvCxnSpPr>
+          <p:nvPr/>
+        </p:nvCxnSpPr>
+        <p:spPr>
+          <a:xfrm>
+            <a:off x="8456024" y="2665028"/>
+            <a:ext cx="166" cy="137946"/>
+          </a:xfrm>
+          <a:prstGeom prst="straightConnector1">
+            <a:avLst/>
+          </a:prstGeom>
+          <a:ln w="19050" cap="flat" cmpd="sng" algn="ctr">
+            <a:solidFill>
+              <a:schemeClr val="tx1"/>
+            </a:solidFill>
+            <a:prstDash val="solid"/>
+            <a:round/>
+            <a:headEnd type="none" w="med" len="med"/>
+            <a:tailEnd type="arrow" w="med" len="med"/>
+          </a:ln>
+          <a:effectLst/>
+        </p:spPr>
+        <p:style>
+          <a:lnRef idx="2">
+            <a:schemeClr val="accent1"/>
+          </a:lnRef>
+          <a:fillRef idx="0">
+            <a:schemeClr val="accent1"/>
+          </a:fillRef>
+          <a:effectRef idx="1">
+            <a:schemeClr val="accent1"/>
+          </a:effectRef>
+          <a:fontRef idx="minor">
+            <a:schemeClr val="tx1"/>
+          </a:fontRef>
+        </p:style>
+      </p:cxnSp>
+      <p:cxnSp>
+        <p:nvCxnSpPr>
+          <p:cNvPr id="196" name="Straight Arrow Connector 195">
+            <a:extLst>
+              <a:ext uri="{FF2B5EF4-FFF2-40B4-BE49-F238E27FC236}">
+                <a16:creationId xmlns:a16="http://schemas.microsoft.com/office/drawing/2014/main" id="{621A4216-640B-A298-F672-B6EE706C6841}"/>
+              </a:ext>
+            </a:extLst>
+          </p:cNvPr>
+          <p:cNvCxnSpPr>
+            <a:cxnSpLocks/>
+            <a:stCxn id="27" idx="2"/>
+            <a:endCxn id="209" idx="0"/>
+          </p:cNvCxnSpPr>
+          <p:nvPr/>
+        </p:nvCxnSpPr>
+        <p:spPr>
+          <a:xfrm flipH="1">
+            <a:off x="8456024" y="1335384"/>
+            <a:ext cx="3061" cy="318354"/>
+          </a:xfrm>
+          <a:prstGeom prst="straightConnector1">
+            <a:avLst/>
+          </a:prstGeom>
+          <a:ln w="19050" cap="flat" cmpd="sng" algn="ctr">
+            <a:solidFill>
+              <a:schemeClr val="tx1"/>
+            </a:solidFill>
+            <a:prstDash val="solid"/>
+            <a:round/>
+            <a:headEnd type="none" w="med" len="med"/>
+            <a:tailEnd type="arrow" w="med" len="med"/>
+          </a:ln>
+          <a:effectLst/>
+        </p:spPr>
+        <p:style>
+          <a:lnRef idx="2">
+            <a:schemeClr val="accent1"/>
+          </a:lnRef>
+          <a:fillRef idx="0">
+            <a:schemeClr val="accent1"/>
+          </a:fillRef>
+          <a:effectRef idx="1">
+            <a:schemeClr val="accent1"/>
+          </a:effectRef>
+          <a:fontRef idx="minor">
+            <a:schemeClr val="tx1"/>
+          </a:fontRef>
+        </p:style>
+      </p:cxnSp>
+      <p:sp>
+        <p:nvSpPr>
+          <p:cNvPr id="197" name="Rectangle 196">
+            <a:extLst>
+              <a:ext uri="{FF2B5EF4-FFF2-40B4-BE49-F238E27FC236}">
+                <a16:creationId xmlns:a16="http://schemas.microsoft.com/office/drawing/2014/main" id="{45D37B7C-9685-A28C-ADE6-222C1237DC45}"/>
+              </a:ext>
+            </a:extLst>
+          </p:cNvPr>
+          <p:cNvSpPr/>
+          <p:nvPr/>
+        </p:nvSpPr>
+        <p:spPr>
+          <a:xfrm>
+            <a:off x="7670980" y="2802974"/>
+            <a:ext cx="1570420" cy="292230"/>
+          </a:xfrm>
+          <a:prstGeom prst="rect">
+            <a:avLst/>
+          </a:prstGeom>
+          <a:noFill/>
+          <a:ln w="19050"/>
+        </p:spPr>
+        <p:style>
+          <a:lnRef idx="2">
+            <a:schemeClr val="dk1"/>
+          </a:lnRef>
+          <a:fillRef idx="1">
+            <a:schemeClr val="lt1"/>
+          </a:fillRef>
+          <a:effectRef idx="0">
+            <a:schemeClr val="dk1"/>
+          </a:effectRef>
+          <a:fontRef idx="minor">
+            <a:schemeClr val="dk1"/>
+          </a:fontRef>
+        </p:style>
+        <p:txBody>
+          <a:bodyPr rtlCol="0" anchor="ctr"/>
+          <a:lstStyle/>
+          <a:p>
+            <a:pPr algn="ctr"/>
+            <a:r>
+              <a:rPr lang="en-US" sz="1600" dirty="0"/>
+              <a:t>[</a:t>
+            </a:r>
+            <a:r>
+              <a:rPr lang="en-US" sz="1600" i="1" dirty="0">
+                <a:latin typeface="APPLE CHANCERY" panose="03020702040506060504" pitchFamily="66" charset="-79"/>
+                <a:cs typeface="APPLE CHANCERY" panose="03020702040506060504" pitchFamily="66" charset="-79"/>
+              </a:rPr>
+              <a:t>l</a:t>
+            </a:r>
+            <a:r>
+              <a:rPr lang="en-US" sz="1600" dirty="0"/>
+              <a:t> </a:t>
+            </a:r>
+            <a:r>
+              <a:rPr lang="en-US" sz="1600" baseline="-25000" dirty="0"/>
+              <a:t>S1_M1</a:t>
+            </a:r>
+            <a:r>
+              <a:rPr lang="en-US" sz="1600" dirty="0"/>
+              <a:t>, </a:t>
+            </a:r>
+            <a:r>
+              <a:rPr lang="en-US" sz="1600" i="1" dirty="0">
+                <a:latin typeface="APPLE CHANCERY" panose="03020702040506060504" pitchFamily="66" charset="-79"/>
+                <a:cs typeface="APPLE CHANCERY" panose="03020702040506060504" pitchFamily="66" charset="-79"/>
+              </a:rPr>
+              <a:t>l</a:t>
+            </a:r>
+            <a:r>
+              <a:rPr lang="en-US" sz="1600" dirty="0"/>
+              <a:t> </a:t>
+            </a:r>
+            <a:r>
+              <a:rPr lang="en-US" sz="1600" baseline="-25000" dirty="0"/>
+              <a:t>S1_M2</a:t>
+            </a:r>
+            <a:r>
+              <a:rPr lang="en-US" sz="1600" dirty="0"/>
+              <a:t>,…]</a:t>
+            </a:r>
+          </a:p>
+        </p:txBody>
+      </p:sp>
+      <p:sp>
+        <p:nvSpPr>
+          <p:cNvPr id="198" name="Rectangle 197">
+            <a:extLst>
+              <a:ext uri="{FF2B5EF4-FFF2-40B4-BE49-F238E27FC236}">
+                <a16:creationId xmlns:a16="http://schemas.microsoft.com/office/drawing/2014/main" id="{43C7E377-2E4B-D673-819E-07E8E6B9E62A}"/>
+              </a:ext>
+            </a:extLst>
+          </p:cNvPr>
+          <p:cNvSpPr/>
+          <p:nvPr/>
+        </p:nvSpPr>
+        <p:spPr>
+          <a:xfrm>
+            <a:off x="9771163" y="2802974"/>
+            <a:ext cx="1572921" cy="292230"/>
+          </a:xfrm>
+          <a:prstGeom prst="rect">
+            <a:avLst/>
+          </a:prstGeom>
+          <a:noFill/>
+          <a:ln w="19050"/>
+        </p:spPr>
+        <p:style>
+          <a:lnRef idx="2">
+            <a:schemeClr val="dk1"/>
+          </a:lnRef>
+          <a:fillRef idx="1">
+            <a:schemeClr val="lt1"/>
+          </a:fillRef>
+          <a:effectRef idx="0">
+            <a:schemeClr val="dk1"/>
+          </a:effectRef>
+          <a:fontRef idx="minor">
+            <a:schemeClr val="dk1"/>
+          </a:fontRef>
+        </p:style>
+        <p:txBody>
+          <a:bodyPr rtlCol="0" anchor="ctr"/>
+          <a:lstStyle/>
+          <a:p>
+            <a:pPr algn="ctr"/>
+            <a:r>
+              <a:rPr lang="en-US" sz="1600" dirty="0"/>
+              <a:t>[</a:t>
+            </a:r>
+            <a:r>
+              <a:rPr lang="en-US" sz="1600" i="1" dirty="0">
+                <a:latin typeface="APPLE CHANCERY" panose="03020702040506060504" pitchFamily="66" charset="-79"/>
+                <a:cs typeface="APPLE CHANCERY" panose="03020702040506060504" pitchFamily="66" charset="-79"/>
+              </a:rPr>
+              <a:t>l</a:t>
+            </a:r>
+            <a:r>
+              <a:rPr lang="en-US" sz="1600" dirty="0"/>
+              <a:t> </a:t>
+            </a:r>
+            <a:r>
+              <a:rPr lang="en-US" sz="1600" baseline="-25000" dirty="0"/>
+              <a:t>S2_M1</a:t>
+            </a:r>
+            <a:r>
+              <a:rPr lang="en-US" sz="1600" dirty="0"/>
+              <a:t>, </a:t>
+            </a:r>
+            <a:r>
+              <a:rPr lang="en-US" sz="1600" i="1" dirty="0">
+                <a:latin typeface="APPLE CHANCERY" panose="03020702040506060504" pitchFamily="66" charset="-79"/>
+                <a:cs typeface="APPLE CHANCERY" panose="03020702040506060504" pitchFamily="66" charset="-79"/>
+              </a:rPr>
+              <a:t>l</a:t>
+            </a:r>
+            <a:r>
+              <a:rPr lang="en-US" sz="1600" dirty="0"/>
+              <a:t> </a:t>
+            </a:r>
+            <a:r>
+              <a:rPr lang="en-US" sz="1600" baseline="-25000" dirty="0"/>
+              <a:t>S2_M2</a:t>
+            </a:r>
+            <a:r>
+              <a:rPr lang="en-US" sz="1600" dirty="0"/>
+              <a:t>,…]</a:t>
+            </a:r>
+          </a:p>
+        </p:txBody>
+      </p:sp>
+      <p:sp>
+        <p:nvSpPr>
+          <p:cNvPr id="199" name="Rectangle 198">
+            <a:extLst>
+              <a:ext uri="{FF2B5EF4-FFF2-40B4-BE49-F238E27FC236}">
+                <a16:creationId xmlns:a16="http://schemas.microsoft.com/office/drawing/2014/main" id="{18DE1EC9-B683-F262-F13E-47AB0666BFE8}"/>
+              </a:ext>
+            </a:extLst>
+          </p:cNvPr>
+          <p:cNvSpPr/>
+          <p:nvPr/>
+        </p:nvSpPr>
+        <p:spPr>
+          <a:xfrm>
+            <a:off x="8257750" y="3222633"/>
+            <a:ext cx="396543" cy="287121"/>
+          </a:xfrm>
+          <a:prstGeom prst="rect">
+            <a:avLst/>
+          </a:prstGeom>
+          <a:noFill/>
+          <a:ln w="19050"/>
+        </p:spPr>
+        <p:style>
+          <a:lnRef idx="2">
+            <a:schemeClr val="dk1"/>
+          </a:lnRef>
+          <a:fillRef idx="1">
+            <a:schemeClr val="lt1"/>
+          </a:fillRef>
+          <a:effectRef idx="0">
+            <a:schemeClr val="dk1"/>
+          </a:effectRef>
+          <a:fontRef idx="minor">
+            <a:schemeClr val="dk1"/>
+          </a:fontRef>
+        </p:style>
+        <p:txBody>
+          <a:bodyPr rtlCol="0" anchor="ctr"/>
+          <a:lstStyle/>
+          <a:p>
+            <a:pPr algn="ctr"/>
+            <a:r>
+              <a:rPr lang="en-US" sz="1600" i="1" dirty="0">
+                <a:latin typeface="APPLE CHANCERY" panose="03020702040506060504" pitchFamily="66" charset="-79"/>
+                <a:cs typeface="APPLE CHANCERY" panose="03020702040506060504" pitchFamily="66" charset="-79"/>
+              </a:rPr>
+              <a:t>l</a:t>
+            </a:r>
+            <a:r>
+              <a:rPr lang="en-US" sz="1600" i="1" baseline="-25000" dirty="0"/>
+              <a:t>1</a:t>
+            </a:r>
+          </a:p>
+        </p:txBody>
+      </p:sp>
+      <p:cxnSp>
+        <p:nvCxnSpPr>
+          <p:cNvPr id="200" name="Straight Arrow Connector 199">
+            <a:extLst>
+              <a:ext uri="{FF2B5EF4-FFF2-40B4-BE49-F238E27FC236}">
+                <a16:creationId xmlns:a16="http://schemas.microsoft.com/office/drawing/2014/main" id="{C46CF357-8AD8-CC46-6F22-F10657947B70}"/>
+              </a:ext>
+            </a:extLst>
+          </p:cNvPr>
+          <p:cNvCxnSpPr>
+            <a:cxnSpLocks/>
+            <a:stCxn id="198" idx="2"/>
+            <a:endCxn id="201" idx="0"/>
+          </p:cNvCxnSpPr>
+          <p:nvPr/>
+        </p:nvCxnSpPr>
+        <p:spPr>
+          <a:xfrm>
+            <a:off x="10557624" y="3095204"/>
+            <a:ext cx="1719" cy="124295"/>
+          </a:xfrm>
+          <a:prstGeom prst="straightConnector1">
+            <a:avLst/>
+          </a:prstGeom>
+          <a:ln w="19050" cap="flat" cmpd="sng" algn="ctr">
+            <a:solidFill>
+              <a:schemeClr val="tx1"/>
+            </a:solidFill>
+            <a:prstDash val="solid"/>
+            <a:round/>
+            <a:headEnd type="none" w="med" len="med"/>
+            <a:tailEnd type="arrow" w="med" len="med"/>
+          </a:ln>
+          <a:effectLst/>
+        </p:spPr>
+        <p:style>
+          <a:lnRef idx="2">
+            <a:schemeClr val="accent1"/>
+          </a:lnRef>
+          <a:fillRef idx="0">
+            <a:schemeClr val="accent1"/>
+          </a:fillRef>
+          <a:effectRef idx="1">
+            <a:schemeClr val="accent1"/>
+          </a:effectRef>
+          <a:fontRef idx="minor">
+            <a:schemeClr val="tx1"/>
+          </a:fontRef>
+        </p:style>
+      </p:cxnSp>
+      <p:sp>
+        <p:nvSpPr>
+          <p:cNvPr id="201" name="Rectangle 200">
+            <a:extLst>
+              <a:ext uri="{FF2B5EF4-FFF2-40B4-BE49-F238E27FC236}">
+                <a16:creationId xmlns:a16="http://schemas.microsoft.com/office/drawing/2014/main" id="{9D74EFCB-F77E-3EFA-F3F4-0938ABD321FA}"/>
+              </a:ext>
+            </a:extLst>
+          </p:cNvPr>
+          <p:cNvSpPr/>
+          <p:nvPr/>
+        </p:nvSpPr>
+        <p:spPr>
+          <a:xfrm>
+            <a:off x="10361071" y="3219499"/>
+            <a:ext cx="396543" cy="287121"/>
+          </a:xfrm>
+          <a:prstGeom prst="rect">
+            <a:avLst/>
+          </a:prstGeom>
+          <a:noFill/>
+          <a:ln w="19050"/>
+        </p:spPr>
+        <p:style>
+          <a:lnRef idx="2">
+            <a:schemeClr val="dk1"/>
+          </a:lnRef>
+          <a:fillRef idx="1">
+            <a:schemeClr val="lt1"/>
+          </a:fillRef>
+          <a:effectRef idx="0">
+            <a:schemeClr val="dk1"/>
+          </a:effectRef>
+          <a:fontRef idx="minor">
+            <a:schemeClr val="dk1"/>
+          </a:fontRef>
+        </p:style>
+        <p:txBody>
+          <a:bodyPr rtlCol="0" anchor="ctr"/>
+          <a:lstStyle/>
+          <a:p>
+            <a:pPr algn="ctr"/>
+            <a:r>
+              <a:rPr lang="en-US" sz="1600" i="1" dirty="0">
+                <a:latin typeface="APPLE CHANCERY" panose="03020702040506060504" pitchFamily="66" charset="-79"/>
+                <a:cs typeface="APPLE CHANCERY" panose="03020702040506060504" pitchFamily="66" charset="-79"/>
+              </a:rPr>
+              <a:t>l</a:t>
+            </a:r>
+            <a:r>
+              <a:rPr lang="en-US" sz="1600" i="1" baseline="-25000" dirty="0"/>
+              <a:t>2</a:t>
+            </a:r>
+          </a:p>
+        </p:txBody>
+      </p:sp>
+      <p:sp>
+        <p:nvSpPr>
+          <p:cNvPr id="202" name="Oval 201">
+            <a:extLst>
+              <a:ext uri="{FF2B5EF4-FFF2-40B4-BE49-F238E27FC236}">
+                <a16:creationId xmlns:a16="http://schemas.microsoft.com/office/drawing/2014/main" id="{C7A78C8A-BC56-80E5-1C6B-AE7971A8E979}"/>
+              </a:ext>
+            </a:extLst>
+          </p:cNvPr>
+          <p:cNvSpPr/>
+          <p:nvPr/>
+        </p:nvSpPr>
+        <p:spPr>
+          <a:xfrm>
+            <a:off x="11434602" y="853174"/>
+            <a:ext cx="86952" cy="86952"/>
+          </a:xfrm>
+          <a:prstGeom prst="ellipse">
+            <a:avLst/>
+          </a:prstGeom>
+          <a:solidFill>
+            <a:schemeClr val="tx1"/>
+          </a:solidFill>
+          <a:ln>
+            <a:noFill/>
+          </a:ln>
+        </p:spPr>
+        <p:style>
+          <a:lnRef idx="2">
+            <a:schemeClr val="dk1">
+              <a:shade val="15000"/>
+            </a:schemeClr>
+          </a:lnRef>
+          <a:fillRef idx="1">
+            <a:schemeClr val="dk1"/>
+          </a:fillRef>
+          <a:effectRef idx="0">
+            <a:schemeClr val="dk1"/>
+          </a:effectRef>
+          <a:fontRef idx="minor">
+            <a:schemeClr val="lt1"/>
+          </a:fontRef>
+        </p:style>
+        <p:txBody>
+          <a:bodyPr rtlCol="0" anchor="ctr"/>
+          <a:lstStyle/>
+          <a:p>
+            <a:pPr algn="ctr"/>
+            <a:endParaRPr lang="en-US" sz="1200"/>
+          </a:p>
+        </p:txBody>
+      </p:sp>
+      <p:sp>
+        <p:nvSpPr>
+          <p:cNvPr id="205" name="Can 204">
+            <a:extLst>
+              <a:ext uri="{FF2B5EF4-FFF2-40B4-BE49-F238E27FC236}">
+                <a16:creationId xmlns:a16="http://schemas.microsoft.com/office/drawing/2014/main" id="{F07E0133-6040-396E-EA8D-7115CE32F6E1}"/>
+              </a:ext>
+            </a:extLst>
+          </p:cNvPr>
+          <p:cNvSpPr/>
+          <p:nvPr/>
+        </p:nvSpPr>
+        <p:spPr>
+          <a:xfrm>
+            <a:off x="8277716" y="921464"/>
+            <a:ext cx="352803" cy="275242"/>
+          </a:xfrm>
+          <a:prstGeom prst="can">
+            <a:avLst/>
+          </a:prstGeom>
+          <a:solidFill>
+            <a:srgbClr val="00B0F0"/>
+          </a:solidFill>
+          <a:ln w="28575" cmpd="sng">
+            <a:solidFill>
+              <a:schemeClr val="tx1"/>
+            </a:solidFill>
+          </a:ln>
+          <a:effectLst/>
+        </p:spPr>
+        <p:style>
+          <a:lnRef idx="1">
+            <a:schemeClr val="accent1"/>
+          </a:lnRef>
+          <a:fillRef idx="3">
+            <a:schemeClr val="accent1"/>
+          </a:fillRef>
+          <a:effectRef idx="2">
+            <a:schemeClr val="accent1"/>
+          </a:effectRef>
+          <a:fontRef idx="minor">
+            <a:schemeClr val="lt1"/>
+          </a:fontRef>
+        </p:style>
+        <p:txBody>
+          <a:bodyPr rtlCol="0" anchor="ctr"/>
+          <a:lstStyle/>
+          <a:p>
+            <a:pPr algn="ctr"/>
+            <a:r>
+              <a:rPr lang="en-US" sz="1400" dirty="0">
+                <a:solidFill>
+                  <a:schemeClr val="bg1"/>
+                </a:solidFill>
+              </a:rPr>
+              <a:t>S</a:t>
+            </a:r>
+            <a:r>
+              <a:rPr lang="en-US" sz="1400" baseline="-25000" dirty="0">
+                <a:solidFill>
+                  <a:schemeClr val="bg1"/>
+                </a:solidFill>
+              </a:rPr>
+              <a:t>1</a:t>
+            </a:r>
+          </a:p>
+        </p:txBody>
+      </p:sp>
+      <p:sp>
+        <p:nvSpPr>
+          <p:cNvPr id="209" name="Rectangle 208">
+            <a:extLst>
+              <a:ext uri="{FF2B5EF4-FFF2-40B4-BE49-F238E27FC236}">
+                <a16:creationId xmlns:a16="http://schemas.microsoft.com/office/drawing/2014/main" id="{6869D400-A8E0-5AC0-42D5-11121DFE82D0}"/>
+              </a:ext>
+            </a:extLst>
+          </p:cNvPr>
+          <p:cNvSpPr/>
+          <p:nvPr/>
+        </p:nvSpPr>
+        <p:spPr>
+          <a:xfrm>
+            <a:off x="8208542" y="1653738"/>
+            <a:ext cx="494963" cy="252599"/>
+          </a:xfrm>
+          <a:prstGeom prst="rect">
+            <a:avLst/>
+          </a:prstGeom>
+          <a:noFill/>
+          <a:ln w="19050"/>
+        </p:spPr>
+        <p:style>
+          <a:lnRef idx="2">
+            <a:schemeClr val="dk1"/>
+          </a:lnRef>
+          <a:fillRef idx="1">
+            <a:schemeClr val="lt1"/>
+          </a:fillRef>
+          <a:effectRef idx="0">
+            <a:schemeClr val="dk1"/>
+          </a:effectRef>
+          <a:fontRef idx="minor">
+            <a:schemeClr val="dk1"/>
+          </a:fontRef>
+        </p:style>
+        <p:txBody>
+          <a:bodyPr rtlCol="0" anchor="ctr"/>
+          <a:lstStyle/>
+          <a:p>
+            <a:pPr algn="ctr"/>
+            <a:r>
+              <a:rPr lang="en-US" sz="1400" dirty="0"/>
+              <a:t>M</a:t>
+            </a:r>
+            <a:r>
+              <a:rPr lang="en-US" sz="1400" baseline="-25000" dirty="0"/>
+              <a:t>1</a:t>
+            </a:r>
+          </a:p>
+        </p:txBody>
+      </p:sp>
+      <p:cxnSp>
+        <p:nvCxnSpPr>
+          <p:cNvPr id="210" name="Straight Arrow Connector 209">
+            <a:extLst>
+              <a:ext uri="{FF2B5EF4-FFF2-40B4-BE49-F238E27FC236}">
+                <a16:creationId xmlns:a16="http://schemas.microsoft.com/office/drawing/2014/main" id="{BDA337A8-50BA-D9EA-6BDD-EFE25AEFEC77}"/>
+              </a:ext>
+            </a:extLst>
+          </p:cNvPr>
+          <p:cNvCxnSpPr>
+            <a:cxnSpLocks/>
+            <a:stCxn id="60" idx="2"/>
+            <a:endCxn id="217" idx="0"/>
+          </p:cNvCxnSpPr>
+          <p:nvPr/>
+        </p:nvCxnSpPr>
+        <p:spPr>
+          <a:xfrm flipH="1">
+            <a:off x="10551892" y="1333806"/>
+            <a:ext cx="2121" cy="322089"/>
+          </a:xfrm>
+          <a:prstGeom prst="straightConnector1">
+            <a:avLst/>
+          </a:prstGeom>
+          <a:ln w="19050" cap="flat" cmpd="sng" algn="ctr">
+            <a:solidFill>
+              <a:schemeClr val="tx1"/>
+            </a:solidFill>
+            <a:prstDash val="solid"/>
+            <a:round/>
+            <a:headEnd type="none" w="med" len="med"/>
+            <a:tailEnd type="arrow" w="med" len="med"/>
+          </a:ln>
+          <a:effectLst/>
+        </p:spPr>
+        <p:style>
+          <a:lnRef idx="2">
+            <a:schemeClr val="accent1"/>
+          </a:lnRef>
+          <a:fillRef idx="0">
+            <a:schemeClr val="accent1"/>
+          </a:fillRef>
+          <a:effectRef idx="1">
+            <a:schemeClr val="accent1"/>
+          </a:effectRef>
+          <a:fontRef idx="minor">
+            <a:schemeClr val="tx1"/>
+          </a:fontRef>
+        </p:style>
+      </p:cxnSp>
+      <p:sp>
+        <p:nvSpPr>
+          <p:cNvPr id="213" name="Can 212">
+            <a:extLst>
+              <a:ext uri="{FF2B5EF4-FFF2-40B4-BE49-F238E27FC236}">
+                <a16:creationId xmlns:a16="http://schemas.microsoft.com/office/drawing/2014/main" id="{948AB922-8365-1148-6D3D-5648667643BE}"/>
+              </a:ext>
+            </a:extLst>
+          </p:cNvPr>
+          <p:cNvSpPr/>
+          <p:nvPr/>
+        </p:nvSpPr>
+        <p:spPr>
+          <a:xfrm>
+            <a:off x="10375489" y="916385"/>
+            <a:ext cx="352803" cy="282764"/>
+          </a:xfrm>
+          <a:prstGeom prst="can">
+            <a:avLst/>
+          </a:prstGeom>
+          <a:solidFill>
+            <a:srgbClr val="0070C0"/>
+          </a:solidFill>
+          <a:ln w="28575" cmpd="sng">
+            <a:solidFill>
+              <a:schemeClr val="tx1"/>
+            </a:solidFill>
+          </a:ln>
+          <a:effectLst/>
+        </p:spPr>
+        <p:style>
+          <a:lnRef idx="1">
+            <a:schemeClr val="accent1"/>
+          </a:lnRef>
+          <a:fillRef idx="3">
+            <a:schemeClr val="accent1"/>
+          </a:fillRef>
+          <a:effectRef idx="2">
+            <a:schemeClr val="accent1"/>
+          </a:effectRef>
+          <a:fontRef idx="minor">
+            <a:schemeClr val="lt1"/>
+          </a:fontRef>
+        </p:style>
+        <p:txBody>
+          <a:bodyPr rtlCol="0" anchor="ctr"/>
+          <a:lstStyle/>
+          <a:p>
+            <a:pPr algn="ctr"/>
+            <a:r>
+              <a:rPr lang="en-US" sz="1400" dirty="0">
+                <a:solidFill>
+                  <a:schemeClr val="bg1"/>
+                </a:solidFill>
+              </a:rPr>
+              <a:t>S</a:t>
+            </a:r>
+            <a:r>
+              <a:rPr lang="en-US" sz="1400" baseline="-25000" dirty="0">
+                <a:solidFill>
+                  <a:schemeClr val="bg1"/>
+                </a:solidFill>
+              </a:rPr>
+              <a:t>2</a:t>
+            </a:r>
+          </a:p>
+        </p:txBody>
+      </p:sp>
+      <p:sp>
+        <p:nvSpPr>
+          <p:cNvPr id="217" name="Rectangle 216">
+            <a:extLst>
+              <a:ext uri="{FF2B5EF4-FFF2-40B4-BE49-F238E27FC236}">
+                <a16:creationId xmlns:a16="http://schemas.microsoft.com/office/drawing/2014/main" id="{F2183143-BB99-2894-2DE1-435397E65887}"/>
+              </a:ext>
+            </a:extLst>
+          </p:cNvPr>
+          <p:cNvSpPr/>
+          <p:nvPr/>
+        </p:nvSpPr>
+        <p:spPr>
+          <a:xfrm>
+            <a:off x="10304410" y="1655895"/>
+            <a:ext cx="494963" cy="250442"/>
+          </a:xfrm>
+          <a:prstGeom prst="rect">
+            <a:avLst/>
+          </a:prstGeom>
+          <a:noFill/>
+          <a:ln w="19050"/>
+        </p:spPr>
+        <p:style>
+          <a:lnRef idx="2">
+            <a:schemeClr val="dk1"/>
+          </a:lnRef>
+          <a:fillRef idx="1">
+            <a:schemeClr val="lt1"/>
+          </a:fillRef>
+          <a:effectRef idx="0">
+            <a:schemeClr val="dk1"/>
+          </a:effectRef>
+          <a:fontRef idx="minor">
+            <a:schemeClr val="dk1"/>
+          </a:fontRef>
+        </p:style>
+        <p:txBody>
+          <a:bodyPr rtlCol="0" anchor="ctr"/>
+          <a:lstStyle/>
+          <a:p>
+            <a:pPr algn="ctr"/>
+            <a:r>
+              <a:rPr lang="en-US" sz="1400" dirty="0"/>
+              <a:t>M</a:t>
+            </a:r>
+            <a:r>
+              <a:rPr lang="en-US" sz="1400" baseline="-25000" dirty="0"/>
+              <a:t>2</a:t>
+            </a:r>
+          </a:p>
+        </p:txBody>
+      </p:sp>
+      <p:sp>
+        <p:nvSpPr>
+          <p:cNvPr id="218" name="Can 217">
+            <a:extLst>
+              <a:ext uri="{FF2B5EF4-FFF2-40B4-BE49-F238E27FC236}">
+                <a16:creationId xmlns:a16="http://schemas.microsoft.com/office/drawing/2014/main" id="{89283C21-F9B1-F2B9-49E7-998E7841FC9E}"/>
+              </a:ext>
+            </a:extLst>
+          </p:cNvPr>
+          <p:cNvSpPr/>
+          <p:nvPr/>
+        </p:nvSpPr>
+        <p:spPr>
+          <a:xfrm>
+            <a:off x="8279622" y="2356586"/>
+            <a:ext cx="352803" cy="308442"/>
+          </a:xfrm>
+          <a:prstGeom prst="can">
+            <a:avLst/>
+          </a:prstGeom>
+          <a:solidFill>
+            <a:srgbClr val="00B0F0"/>
+          </a:solidFill>
+          <a:ln w="28575" cmpd="sng">
+            <a:solidFill>
+              <a:schemeClr val="tx1"/>
+            </a:solidFill>
+          </a:ln>
+          <a:effectLst/>
+        </p:spPr>
+        <p:style>
+          <a:lnRef idx="1">
+            <a:schemeClr val="accent1"/>
+          </a:lnRef>
+          <a:fillRef idx="3">
+            <a:schemeClr val="accent1"/>
+          </a:fillRef>
+          <a:effectRef idx="2">
+            <a:schemeClr val="accent1"/>
+          </a:effectRef>
+          <a:fontRef idx="minor">
+            <a:schemeClr val="lt1"/>
+          </a:fontRef>
+        </p:style>
+        <p:txBody>
+          <a:bodyPr rtlCol="0" anchor="ctr"/>
+          <a:lstStyle/>
+          <a:p>
+            <a:pPr algn="ctr"/>
+            <a:r>
+              <a:rPr lang="en-US" sz="1400" dirty="0">
+                <a:solidFill>
+                  <a:schemeClr val="bg1"/>
+                </a:solidFill>
+              </a:rPr>
+              <a:t>S</a:t>
+            </a:r>
+            <a:r>
+              <a:rPr lang="en-US" sz="1400" baseline="-25000" dirty="0">
+                <a:solidFill>
+                  <a:schemeClr val="bg1"/>
+                </a:solidFill>
+              </a:rPr>
+              <a:t>1</a:t>
+            </a:r>
+          </a:p>
+        </p:txBody>
+      </p:sp>
+      <p:sp>
+        <p:nvSpPr>
+          <p:cNvPr id="220" name="Can 219">
+            <a:extLst>
+              <a:ext uri="{FF2B5EF4-FFF2-40B4-BE49-F238E27FC236}">
+                <a16:creationId xmlns:a16="http://schemas.microsoft.com/office/drawing/2014/main" id="{9068FE81-5EBC-E381-B5C6-D1996A0AB17E}"/>
+              </a:ext>
+            </a:extLst>
+          </p:cNvPr>
+          <p:cNvSpPr/>
+          <p:nvPr/>
+        </p:nvSpPr>
+        <p:spPr>
+          <a:xfrm>
+            <a:off x="10382941" y="2356586"/>
+            <a:ext cx="352803" cy="308442"/>
+          </a:xfrm>
+          <a:prstGeom prst="can">
+            <a:avLst/>
+          </a:prstGeom>
+          <a:solidFill>
+            <a:srgbClr val="0070C0"/>
+          </a:solidFill>
+          <a:ln w="28575" cmpd="sng">
+            <a:solidFill>
+              <a:schemeClr val="tx1"/>
+            </a:solidFill>
+          </a:ln>
+          <a:effectLst/>
+        </p:spPr>
+        <p:style>
+          <a:lnRef idx="1">
+            <a:schemeClr val="accent1"/>
+          </a:lnRef>
+          <a:fillRef idx="3">
+            <a:schemeClr val="accent1"/>
+          </a:fillRef>
+          <a:effectRef idx="2">
+            <a:schemeClr val="accent1"/>
+          </a:effectRef>
+          <a:fontRef idx="minor">
+            <a:schemeClr val="lt1"/>
+          </a:fontRef>
+        </p:style>
+        <p:txBody>
+          <a:bodyPr rtlCol="0" anchor="ctr"/>
+          <a:lstStyle/>
+          <a:p>
+            <a:pPr algn="ctr"/>
+            <a:r>
+              <a:rPr lang="en-US" sz="1400" dirty="0">
+                <a:solidFill>
+                  <a:schemeClr val="bg1"/>
+                </a:solidFill>
+              </a:rPr>
+              <a:t>S</a:t>
+            </a:r>
+            <a:r>
+              <a:rPr lang="en-US" sz="1400" baseline="-25000" dirty="0">
+                <a:solidFill>
+                  <a:schemeClr val="bg1"/>
+                </a:solidFill>
+              </a:rPr>
+              <a:t>2</a:t>
+            </a:r>
+          </a:p>
+        </p:txBody>
+      </p:sp>
+      <p:cxnSp>
+        <p:nvCxnSpPr>
+          <p:cNvPr id="222" name="Straight Arrow Connector 221">
+            <a:extLst>
+              <a:ext uri="{FF2B5EF4-FFF2-40B4-BE49-F238E27FC236}">
+                <a16:creationId xmlns:a16="http://schemas.microsoft.com/office/drawing/2014/main" id="{390BDDCA-FA99-8EAD-EFA2-F55702C2B8D2}"/>
+              </a:ext>
+            </a:extLst>
+          </p:cNvPr>
+          <p:cNvCxnSpPr>
+            <a:cxnSpLocks/>
+            <a:stCxn id="209" idx="2"/>
+            <a:endCxn id="220" idx="1"/>
+          </p:cNvCxnSpPr>
+          <p:nvPr/>
+        </p:nvCxnSpPr>
+        <p:spPr>
+          <a:xfrm>
+            <a:off x="8456024" y="1906337"/>
+            <a:ext cx="2103319" cy="450249"/>
+          </a:xfrm>
+          <a:prstGeom prst="straightConnector1">
+            <a:avLst/>
+          </a:prstGeom>
+          <a:ln w="19050" cap="flat" cmpd="sng" algn="ctr">
+            <a:solidFill>
+              <a:schemeClr val="tx1"/>
+            </a:solidFill>
+            <a:prstDash val="solid"/>
+            <a:round/>
+            <a:headEnd type="none" w="med" len="med"/>
+            <a:tailEnd type="arrow" w="med" len="med"/>
+          </a:ln>
+          <a:effectLst/>
+        </p:spPr>
+        <p:style>
+          <a:lnRef idx="2">
+            <a:schemeClr val="accent1"/>
+          </a:lnRef>
+          <a:fillRef idx="0">
+            <a:schemeClr val="accent1"/>
+          </a:fillRef>
+          <a:effectRef idx="1">
+            <a:schemeClr val="accent1"/>
+          </a:effectRef>
+          <a:fontRef idx="minor">
+            <a:schemeClr val="tx1"/>
+          </a:fontRef>
+        </p:style>
+      </p:cxnSp>
+      <p:cxnSp>
+        <p:nvCxnSpPr>
+          <p:cNvPr id="223" name="Straight Arrow Connector 222">
+            <a:extLst>
+              <a:ext uri="{FF2B5EF4-FFF2-40B4-BE49-F238E27FC236}">
+                <a16:creationId xmlns:a16="http://schemas.microsoft.com/office/drawing/2014/main" id="{EEF3FF39-F0A1-8FB6-5188-1BED4A751DE7}"/>
+              </a:ext>
+            </a:extLst>
+          </p:cNvPr>
+          <p:cNvCxnSpPr>
+            <a:cxnSpLocks/>
+            <a:stCxn id="209" idx="2"/>
+            <a:endCxn id="218" idx="1"/>
+          </p:cNvCxnSpPr>
+          <p:nvPr/>
+        </p:nvCxnSpPr>
+        <p:spPr>
+          <a:xfrm>
+            <a:off x="8456024" y="1906337"/>
+            <a:ext cx="0" cy="450249"/>
+          </a:xfrm>
+          <a:prstGeom prst="straightConnector1">
+            <a:avLst/>
+          </a:prstGeom>
+          <a:ln w="19050" cap="flat" cmpd="sng" algn="ctr">
+            <a:solidFill>
+              <a:schemeClr val="tx1"/>
+            </a:solidFill>
+            <a:prstDash val="solid"/>
+            <a:round/>
+            <a:headEnd type="none" w="med" len="med"/>
+            <a:tailEnd type="arrow" w="med" len="med"/>
+          </a:ln>
+          <a:effectLst/>
+        </p:spPr>
+        <p:style>
+          <a:lnRef idx="2">
+            <a:schemeClr val="accent1"/>
+          </a:lnRef>
+          <a:fillRef idx="0">
+            <a:schemeClr val="accent1"/>
+          </a:fillRef>
+          <a:effectRef idx="1">
+            <a:schemeClr val="accent1"/>
+          </a:effectRef>
+          <a:fontRef idx="minor">
+            <a:schemeClr val="tx1"/>
+          </a:fontRef>
+        </p:style>
+      </p:cxnSp>
+      <p:cxnSp>
+        <p:nvCxnSpPr>
+          <p:cNvPr id="224" name="Straight Arrow Connector 223">
+            <a:extLst>
+              <a:ext uri="{FF2B5EF4-FFF2-40B4-BE49-F238E27FC236}">
+                <a16:creationId xmlns:a16="http://schemas.microsoft.com/office/drawing/2014/main" id="{1CFA48A5-7FD3-8634-B04E-9F7CD10D3BF0}"/>
+              </a:ext>
+            </a:extLst>
+          </p:cNvPr>
+          <p:cNvCxnSpPr>
+            <a:cxnSpLocks/>
+            <a:stCxn id="217" idx="2"/>
+            <a:endCxn id="220" idx="1"/>
+          </p:cNvCxnSpPr>
+          <p:nvPr/>
+        </p:nvCxnSpPr>
+        <p:spPr>
+          <a:xfrm>
+            <a:off x="10551892" y="1906337"/>
+            <a:ext cx="7451" cy="450249"/>
+          </a:xfrm>
+          <a:prstGeom prst="straightConnector1">
+            <a:avLst/>
+          </a:prstGeom>
+          <a:ln w="19050" cap="flat" cmpd="sng" algn="ctr">
+            <a:solidFill>
+              <a:schemeClr val="tx1"/>
+            </a:solidFill>
+            <a:prstDash val="solid"/>
+            <a:round/>
+            <a:headEnd type="none" w="med" len="med"/>
+            <a:tailEnd type="arrow" w="med" len="med"/>
+          </a:ln>
+          <a:effectLst/>
+        </p:spPr>
+        <p:style>
+          <a:lnRef idx="2">
+            <a:schemeClr val="accent1"/>
+          </a:lnRef>
+          <a:fillRef idx="0">
+            <a:schemeClr val="accent1"/>
+          </a:fillRef>
+          <a:effectRef idx="1">
+            <a:schemeClr val="accent1"/>
+          </a:effectRef>
+          <a:fontRef idx="minor">
+            <a:schemeClr val="tx1"/>
+          </a:fontRef>
+        </p:style>
+      </p:cxnSp>
+      <p:cxnSp>
+        <p:nvCxnSpPr>
+          <p:cNvPr id="225" name="Straight Arrow Connector 224">
+            <a:extLst>
+              <a:ext uri="{FF2B5EF4-FFF2-40B4-BE49-F238E27FC236}">
+                <a16:creationId xmlns:a16="http://schemas.microsoft.com/office/drawing/2014/main" id="{3A163F04-F0E5-8D80-1AF7-4342631E26F5}"/>
+              </a:ext>
+            </a:extLst>
+          </p:cNvPr>
+          <p:cNvCxnSpPr>
+            <a:cxnSpLocks/>
+            <a:stCxn id="217" idx="2"/>
+            <a:endCxn id="218" idx="1"/>
+          </p:cNvCxnSpPr>
+          <p:nvPr/>
+        </p:nvCxnSpPr>
+        <p:spPr>
+          <a:xfrm flipH="1">
+            <a:off x="8456024" y="1906337"/>
+            <a:ext cx="2095868" cy="450249"/>
+          </a:xfrm>
+          <a:prstGeom prst="straightConnector1">
+            <a:avLst/>
+          </a:prstGeom>
+          <a:ln w="19050" cap="flat" cmpd="sng" algn="ctr">
+            <a:solidFill>
+              <a:schemeClr val="tx1"/>
+            </a:solidFill>
+            <a:prstDash val="solid"/>
+            <a:round/>
+            <a:headEnd type="none" w="med" len="med"/>
+            <a:tailEnd type="arrow" w="med" len="med"/>
+          </a:ln>
+          <a:effectLst/>
+        </p:spPr>
+        <p:style>
+          <a:lnRef idx="2">
+            <a:schemeClr val="accent1"/>
+          </a:lnRef>
+          <a:fillRef idx="0">
+            <a:schemeClr val="accent1"/>
+          </a:fillRef>
+          <a:effectRef idx="1">
+            <a:schemeClr val="accent1"/>
+          </a:effectRef>
+          <a:fontRef idx="minor">
+            <a:schemeClr val="tx1"/>
+          </a:fontRef>
+        </p:style>
+      </p:cxnSp>
+      <p:cxnSp>
+        <p:nvCxnSpPr>
+          <p:cNvPr id="226" name="Straight Arrow Connector 225">
+            <a:extLst>
+              <a:ext uri="{FF2B5EF4-FFF2-40B4-BE49-F238E27FC236}">
+                <a16:creationId xmlns:a16="http://schemas.microsoft.com/office/drawing/2014/main" id="{FFDA63F1-AF9A-1624-85E2-B25A4DCA400C}"/>
+              </a:ext>
+            </a:extLst>
+          </p:cNvPr>
+          <p:cNvCxnSpPr>
+            <a:cxnSpLocks/>
+            <a:stCxn id="220" idx="3"/>
+            <a:endCxn id="198" idx="0"/>
+          </p:cNvCxnSpPr>
+          <p:nvPr/>
+        </p:nvCxnSpPr>
+        <p:spPr>
+          <a:xfrm flipH="1">
+            <a:off x="10557624" y="2665028"/>
+            <a:ext cx="1719" cy="137946"/>
+          </a:xfrm>
+          <a:prstGeom prst="straightConnector1">
+            <a:avLst/>
+          </a:prstGeom>
+          <a:ln w="19050" cap="flat" cmpd="sng" algn="ctr">
+            <a:solidFill>
+              <a:schemeClr val="tx1"/>
+            </a:solidFill>
+            <a:prstDash val="solid"/>
+            <a:round/>
+            <a:headEnd type="none" w="med" len="med"/>
+            <a:tailEnd type="arrow" w="med" len="med"/>
+          </a:ln>
+          <a:effectLst/>
+        </p:spPr>
+        <p:style>
+          <a:lnRef idx="2">
+            <a:schemeClr val="accent1"/>
+          </a:lnRef>
+          <a:fillRef idx="0">
+            <a:schemeClr val="accent1"/>
+          </a:fillRef>
+          <a:effectRef idx="1">
+            <a:schemeClr val="accent1"/>
+          </a:effectRef>
+          <a:fontRef idx="minor">
+            <a:schemeClr val="tx1"/>
+          </a:fontRef>
+        </p:style>
+      </p:cxnSp>
+      <p:sp>
+        <p:nvSpPr>
+          <p:cNvPr id="227" name="Oval 226">
+            <a:extLst>
+              <a:ext uri="{FF2B5EF4-FFF2-40B4-BE49-F238E27FC236}">
+                <a16:creationId xmlns:a16="http://schemas.microsoft.com/office/drawing/2014/main" id="{DE0A1277-3941-A958-551F-004537DBD53F}"/>
+              </a:ext>
+            </a:extLst>
+          </p:cNvPr>
+          <p:cNvSpPr/>
+          <p:nvPr/>
+        </p:nvSpPr>
+        <p:spPr>
+          <a:xfrm>
+            <a:off x="11657626" y="853174"/>
+            <a:ext cx="86952" cy="86952"/>
+          </a:xfrm>
+          <a:prstGeom prst="ellipse">
+            <a:avLst/>
+          </a:prstGeom>
+          <a:solidFill>
+            <a:schemeClr val="tx1"/>
+          </a:solidFill>
+          <a:ln>
+            <a:noFill/>
+          </a:ln>
+        </p:spPr>
+        <p:style>
+          <a:lnRef idx="2">
+            <a:schemeClr val="dk1">
+              <a:shade val="15000"/>
+            </a:schemeClr>
+          </a:lnRef>
+          <a:fillRef idx="1">
+            <a:schemeClr val="dk1"/>
+          </a:fillRef>
+          <a:effectRef idx="0">
+            <a:schemeClr val="dk1"/>
+          </a:effectRef>
+          <a:fontRef idx="minor">
+            <a:schemeClr val="lt1"/>
+          </a:fontRef>
+        </p:style>
+        <p:txBody>
+          <a:bodyPr rtlCol="0" anchor="ctr"/>
+          <a:lstStyle/>
+          <a:p>
+            <a:pPr algn="ctr"/>
+            <a:endParaRPr lang="en-US" sz="1200"/>
+          </a:p>
+        </p:txBody>
+      </p:sp>
+      <p:sp>
+        <p:nvSpPr>
+          <p:cNvPr id="228" name="Oval 227">
+            <a:extLst>
+              <a:ext uri="{FF2B5EF4-FFF2-40B4-BE49-F238E27FC236}">
+                <a16:creationId xmlns:a16="http://schemas.microsoft.com/office/drawing/2014/main" id="{20F3DC74-0B99-8281-E407-90AB6FB8E069}"/>
+              </a:ext>
+            </a:extLst>
+          </p:cNvPr>
+          <p:cNvSpPr/>
+          <p:nvPr/>
+        </p:nvSpPr>
+        <p:spPr>
+          <a:xfrm>
+            <a:off x="11882555" y="853174"/>
+            <a:ext cx="86952" cy="86952"/>
+          </a:xfrm>
+          <a:prstGeom prst="ellipse">
+            <a:avLst/>
+          </a:prstGeom>
+          <a:solidFill>
+            <a:schemeClr val="tx1"/>
+          </a:solidFill>
+          <a:ln>
+            <a:noFill/>
+          </a:ln>
+        </p:spPr>
+        <p:style>
+          <a:lnRef idx="2">
+            <a:schemeClr val="dk1">
+              <a:shade val="15000"/>
+            </a:schemeClr>
+          </a:lnRef>
+          <a:fillRef idx="1">
+            <a:schemeClr val="dk1"/>
+          </a:fillRef>
+          <a:effectRef idx="0">
+            <a:schemeClr val="dk1"/>
+          </a:effectRef>
+          <a:fontRef idx="minor">
+            <a:schemeClr val="lt1"/>
+          </a:fontRef>
+        </p:style>
+        <p:txBody>
+          <a:bodyPr rtlCol="0" anchor="ctr"/>
+          <a:lstStyle/>
+          <a:p>
+            <a:pPr algn="ctr"/>
+            <a:endParaRPr lang="en-US" sz="1200"/>
+          </a:p>
+        </p:txBody>
+      </p:sp>
+      <p:sp>
+        <p:nvSpPr>
+          <p:cNvPr id="229" name="Oval 228">
+            <a:extLst>
+              <a:ext uri="{FF2B5EF4-FFF2-40B4-BE49-F238E27FC236}">
+                <a16:creationId xmlns:a16="http://schemas.microsoft.com/office/drawing/2014/main" id="{A6C78296-93E4-451E-1E69-05B5653AAC0E}"/>
+              </a:ext>
+            </a:extLst>
+          </p:cNvPr>
+          <p:cNvSpPr/>
+          <p:nvPr/>
+        </p:nvSpPr>
+        <p:spPr>
+          <a:xfrm>
+            <a:off x="11434602" y="1717318"/>
+            <a:ext cx="86952" cy="86952"/>
+          </a:xfrm>
+          <a:prstGeom prst="ellipse">
+            <a:avLst/>
+          </a:prstGeom>
+          <a:solidFill>
+            <a:schemeClr val="tx1"/>
+          </a:solidFill>
+          <a:ln>
+            <a:noFill/>
+          </a:ln>
+        </p:spPr>
+        <p:style>
+          <a:lnRef idx="2">
+            <a:schemeClr val="dk1">
+              <a:shade val="15000"/>
+            </a:schemeClr>
+          </a:lnRef>
+          <a:fillRef idx="1">
+            <a:schemeClr val="dk1"/>
+          </a:fillRef>
+          <a:effectRef idx="0">
+            <a:schemeClr val="dk1"/>
+          </a:effectRef>
+          <a:fontRef idx="minor">
+            <a:schemeClr val="lt1"/>
+          </a:fontRef>
+        </p:style>
+        <p:txBody>
+          <a:bodyPr rtlCol="0" anchor="ctr"/>
+          <a:lstStyle/>
+          <a:p>
+            <a:pPr algn="ctr"/>
+            <a:endParaRPr lang="en-US" sz="1200"/>
+          </a:p>
+        </p:txBody>
+      </p:sp>
+      <p:sp>
+        <p:nvSpPr>
+          <p:cNvPr id="230" name="Oval 229">
+            <a:extLst>
+              <a:ext uri="{FF2B5EF4-FFF2-40B4-BE49-F238E27FC236}">
+                <a16:creationId xmlns:a16="http://schemas.microsoft.com/office/drawing/2014/main" id="{8EF627E1-DBB4-8DA8-956A-7DD5A48A4AB0}"/>
+              </a:ext>
+            </a:extLst>
+          </p:cNvPr>
+          <p:cNvSpPr/>
+          <p:nvPr/>
+        </p:nvSpPr>
+        <p:spPr>
+          <a:xfrm>
+            <a:off x="11657626" y="1717318"/>
+            <a:ext cx="86952" cy="86952"/>
+          </a:xfrm>
+          <a:prstGeom prst="ellipse">
+            <a:avLst/>
+          </a:prstGeom>
+          <a:solidFill>
+            <a:schemeClr val="tx1"/>
+          </a:solidFill>
+          <a:ln>
+            <a:noFill/>
+          </a:ln>
+        </p:spPr>
+        <p:style>
+          <a:lnRef idx="2">
+            <a:schemeClr val="dk1">
+              <a:shade val="15000"/>
+            </a:schemeClr>
+          </a:lnRef>
+          <a:fillRef idx="1">
+            <a:schemeClr val="dk1"/>
+          </a:fillRef>
+          <a:effectRef idx="0">
+            <a:schemeClr val="dk1"/>
+          </a:effectRef>
+          <a:fontRef idx="minor">
+            <a:schemeClr val="lt1"/>
+          </a:fontRef>
+        </p:style>
+        <p:txBody>
+          <a:bodyPr rtlCol="0" anchor="ctr"/>
+          <a:lstStyle/>
+          <a:p>
+            <a:pPr algn="ctr"/>
+            <a:endParaRPr lang="en-US" sz="1200"/>
+          </a:p>
+        </p:txBody>
+      </p:sp>
+      <p:sp>
+        <p:nvSpPr>
+          <p:cNvPr id="231" name="Oval 230">
+            <a:extLst>
+              <a:ext uri="{FF2B5EF4-FFF2-40B4-BE49-F238E27FC236}">
+                <a16:creationId xmlns:a16="http://schemas.microsoft.com/office/drawing/2014/main" id="{B4C98857-631F-7ACE-FDEA-AE715B34C47F}"/>
+              </a:ext>
+            </a:extLst>
+          </p:cNvPr>
+          <p:cNvSpPr/>
+          <p:nvPr/>
+        </p:nvSpPr>
+        <p:spPr>
+          <a:xfrm>
+            <a:off x="11882555" y="1717318"/>
+            <a:ext cx="86952" cy="86952"/>
+          </a:xfrm>
+          <a:prstGeom prst="ellipse">
+            <a:avLst/>
+          </a:prstGeom>
+          <a:solidFill>
+            <a:schemeClr val="tx1"/>
+          </a:solidFill>
+          <a:ln>
+            <a:noFill/>
+          </a:ln>
+        </p:spPr>
+        <p:style>
+          <a:lnRef idx="2">
+            <a:schemeClr val="dk1">
+              <a:shade val="15000"/>
+            </a:schemeClr>
+          </a:lnRef>
+          <a:fillRef idx="1">
+            <a:schemeClr val="dk1"/>
+          </a:fillRef>
+          <a:effectRef idx="0">
+            <a:schemeClr val="dk1"/>
+          </a:effectRef>
+          <a:fontRef idx="minor">
+            <a:schemeClr val="lt1"/>
+          </a:fontRef>
+        </p:style>
+        <p:txBody>
+          <a:bodyPr rtlCol="0" anchor="ctr"/>
+          <a:lstStyle/>
+          <a:p>
+            <a:pPr algn="ctr"/>
+            <a:endParaRPr lang="en-US" sz="1200"/>
+          </a:p>
+        </p:txBody>
+      </p:sp>
+      <p:sp>
+        <p:nvSpPr>
+          <p:cNvPr id="232" name="Oval 231">
+            <a:extLst>
+              <a:ext uri="{FF2B5EF4-FFF2-40B4-BE49-F238E27FC236}">
+                <a16:creationId xmlns:a16="http://schemas.microsoft.com/office/drawing/2014/main" id="{7303D4E3-FCB3-DF54-C5D7-69287A8373CB}"/>
+              </a:ext>
+            </a:extLst>
+          </p:cNvPr>
+          <p:cNvSpPr/>
+          <p:nvPr/>
+        </p:nvSpPr>
+        <p:spPr>
+          <a:xfrm>
+            <a:off x="11429590" y="2905613"/>
+            <a:ext cx="86952" cy="86952"/>
+          </a:xfrm>
+          <a:prstGeom prst="ellipse">
+            <a:avLst/>
+          </a:prstGeom>
+          <a:solidFill>
+            <a:schemeClr val="tx1"/>
+          </a:solidFill>
+          <a:ln>
+            <a:noFill/>
+          </a:ln>
+        </p:spPr>
+        <p:style>
+          <a:lnRef idx="2">
+            <a:schemeClr val="dk1">
+              <a:shade val="15000"/>
+            </a:schemeClr>
+          </a:lnRef>
+          <a:fillRef idx="1">
+            <a:schemeClr val="dk1"/>
+          </a:fillRef>
+          <a:effectRef idx="0">
+            <a:schemeClr val="dk1"/>
+          </a:effectRef>
+          <a:fontRef idx="minor">
+            <a:schemeClr val="lt1"/>
+          </a:fontRef>
+        </p:style>
+        <p:txBody>
+          <a:bodyPr rtlCol="0" anchor="ctr"/>
+          <a:lstStyle/>
+          <a:p>
+            <a:pPr algn="ctr"/>
+            <a:endParaRPr lang="en-US" sz="1200"/>
+          </a:p>
+        </p:txBody>
+      </p:sp>
+      <p:sp>
+        <p:nvSpPr>
+          <p:cNvPr id="233" name="Oval 232">
+            <a:extLst>
+              <a:ext uri="{FF2B5EF4-FFF2-40B4-BE49-F238E27FC236}">
+                <a16:creationId xmlns:a16="http://schemas.microsoft.com/office/drawing/2014/main" id="{0925660A-0A62-B714-499F-84871B461FF4}"/>
+              </a:ext>
+            </a:extLst>
+          </p:cNvPr>
+          <p:cNvSpPr/>
+          <p:nvPr/>
+        </p:nvSpPr>
+        <p:spPr>
+          <a:xfrm>
+            <a:off x="11652614" y="2905613"/>
+            <a:ext cx="86952" cy="86952"/>
+          </a:xfrm>
+          <a:prstGeom prst="ellipse">
+            <a:avLst/>
+          </a:prstGeom>
+          <a:solidFill>
+            <a:schemeClr val="tx1"/>
+          </a:solidFill>
+          <a:ln>
+            <a:noFill/>
+          </a:ln>
+        </p:spPr>
+        <p:style>
+          <a:lnRef idx="2">
+            <a:schemeClr val="dk1">
+              <a:shade val="15000"/>
+            </a:schemeClr>
+          </a:lnRef>
+          <a:fillRef idx="1">
+            <a:schemeClr val="dk1"/>
+          </a:fillRef>
+          <a:effectRef idx="0">
+            <a:schemeClr val="dk1"/>
+          </a:effectRef>
+          <a:fontRef idx="minor">
+            <a:schemeClr val="lt1"/>
+          </a:fontRef>
+        </p:style>
+        <p:txBody>
+          <a:bodyPr rtlCol="0" anchor="ctr"/>
+          <a:lstStyle/>
+          <a:p>
+            <a:pPr algn="ctr"/>
+            <a:endParaRPr lang="en-US" sz="1200"/>
+          </a:p>
+        </p:txBody>
+      </p:sp>
+      <p:sp>
+        <p:nvSpPr>
+          <p:cNvPr id="234" name="Oval 233">
+            <a:extLst>
+              <a:ext uri="{FF2B5EF4-FFF2-40B4-BE49-F238E27FC236}">
+                <a16:creationId xmlns:a16="http://schemas.microsoft.com/office/drawing/2014/main" id="{70EB75DC-4451-C9F3-B551-6057B7877598}"/>
+              </a:ext>
+            </a:extLst>
+          </p:cNvPr>
+          <p:cNvSpPr/>
+          <p:nvPr/>
+        </p:nvSpPr>
+        <p:spPr>
+          <a:xfrm>
+            <a:off x="11877543" y="2905613"/>
+            <a:ext cx="86952" cy="86952"/>
+          </a:xfrm>
+          <a:prstGeom prst="ellipse">
+            <a:avLst/>
+          </a:prstGeom>
+          <a:solidFill>
+            <a:schemeClr val="tx1"/>
+          </a:solidFill>
+          <a:ln>
+            <a:noFill/>
+          </a:ln>
+        </p:spPr>
+        <p:style>
+          <a:lnRef idx="2">
+            <a:schemeClr val="dk1">
+              <a:shade val="15000"/>
+            </a:schemeClr>
+          </a:lnRef>
+          <a:fillRef idx="1">
+            <a:schemeClr val="dk1"/>
+          </a:fillRef>
+          <a:effectRef idx="0">
+            <a:schemeClr val="dk1"/>
+          </a:effectRef>
+          <a:fontRef idx="minor">
+            <a:schemeClr val="lt1"/>
+          </a:fontRef>
+        </p:style>
+        <p:txBody>
+          <a:bodyPr rtlCol="0" anchor="ctr"/>
+          <a:lstStyle/>
+          <a:p>
+            <a:pPr algn="ctr"/>
+            <a:endParaRPr lang="en-US" sz="1200"/>
+          </a:p>
+        </p:txBody>
+      </p:sp>
+      <p:sp>
+        <p:nvSpPr>
+          <p:cNvPr id="235" name="Oval 234">
+            <a:extLst>
+              <a:ext uri="{FF2B5EF4-FFF2-40B4-BE49-F238E27FC236}">
+                <a16:creationId xmlns:a16="http://schemas.microsoft.com/office/drawing/2014/main" id="{8E4B71E9-1EE2-FB0B-3B8B-29BF36BD1AA0}"/>
+              </a:ext>
+            </a:extLst>
+          </p:cNvPr>
+          <p:cNvSpPr/>
+          <p:nvPr/>
+        </p:nvSpPr>
+        <p:spPr>
+          <a:xfrm>
+            <a:off x="11430679" y="3322803"/>
+            <a:ext cx="86952" cy="86952"/>
+          </a:xfrm>
+          <a:prstGeom prst="ellipse">
+            <a:avLst/>
+          </a:prstGeom>
+          <a:solidFill>
+            <a:schemeClr val="tx1"/>
+          </a:solidFill>
+          <a:ln>
+            <a:noFill/>
+          </a:ln>
+        </p:spPr>
+        <p:style>
+          <a:lnRef idx="2">
+            <a:schemeClr val="dk1">
+              <a:shade val="15000"/>
+            </a:schemeClr>
+          </a:lnRef>
+          <a:fillRef idx="1">
+            <a:schemeClr val="dk1"/>
+          </a:fillRef>
+          <a:effectRef idx="0">
+            <a:schemeClr val="dk1"/>
+          </a:effectRef>
+          <a:fontRef idx="minor">
+            <a:schemeClr val="lt1"/>
+          </a:fontRef>
+        </p:style>
+        <p:txBody>
+          <a:bodyPr rtlCol="0" anchor="ctr"/>
+          <a:lstStyle/>
+          <a:p>
+            <a:pPr algn="ctr"/>
+            <a:endParaRPr lang="en-US" sz="1200"/>
+          </a:p>
+        </p:txBody>
+      </p:sp>
+      <p:sp>
+        <p:nvSpPr>
+          <p:cNvPr id="236" name="Oval 235">
+            <a:extLst>
+              <a:ext uri="{FF2B5EF4-FFF2-40B4-BE49-F238E27FC236}">
+                <a16:creationId xmlns:a16="http://schemas.microsoft.com/office/drawing/2014/main" id="{04EBB380-C1F3-249A-4839-C6DA097A4938}"/>
+              </a:ext>
+            </a:extLst>
+          </p:cNvPr>
+          <p:cNvSpPr/>
+          <p:nvPr/>
+        </p:nvSpPr>
+        <p:spPr>
+          <a:xfrm>
+            <a:off x="11653703" y="3322803"/>
+            <a:ext cx="86952" cy="86952"/>
+          </a:xfrm>
+          <a:prstGeom prst="ellipse">
+            <a:avLst/>
+          </a:prstGeom>
+          <a:solidFill>
+            <a:schemeClr val="tx1"/>
+          </a:solidFill>
+          <a:ln>
+            <a:noFill/>
+          </a:ln>
+        </p:spPr>
+        <p:style>
+          <a:lnRef idx="2">
+            <a:schemeClr val="dk1">
+              <a:shade val="15000"/>
+            </a:schemeClr>
+          </a:lnRef>
+          <a:fillRef idx="1">
+            <a:schemeClr val="dk1"/>
+          </a:fillRef>
+          <a:effectRef idx="0">
+            <a:schemeClr val="dk1"/>
+          </a:effectRef>
+          <a:fontRef idx="minor">
+            <a:schemeClr val="lt1"/>
+          </a:fontRef>
+        </p:style>
+        <p:txBody>
+          <a:bodyPr rtlCol="0" anchor="ctr"/>
+          <a:lstStyle/>
+          <a:p>
+            <a:pPr algn="ctr"/>
+            <a:endParaRPr lang="en-US" sz="1200"/>
+          </a:p>
+        </p:txBody>
+      </p:sp>
+      <p:sp>
+        <p:nvSpPr>
+          <p:cNvPr id="237" name="Oval 236">
+            <a:extLst>
+              <a:ext uri="{FF2B5EF4-FFF2-40B4-BE49-F238E27FC236}">
+                <a16:creationId xmlns:a16="http://schemas.microsoft.com/office/drawing/2014/main" id="{E26C06F9-E9A1-C6CB-BBFF-118331E4A4D4}"/>
+              </a:ext>
+            </a:extLst>
+          </p:cNvPr>
+          <p:cNvSpPr/>
+          <p:nvPr/>
+        </p:nvSpPr>
+        <p:spPr>
+          <a:xfrm>
+            <a:off x="11878632" y="3322803"/>
+            <a:ext cx="86952" cy="86952"/>
+          </a:xfrm>
+          <a:prstGeom prst="ellipse">
+            <a:avLst/>
+          </a:prstGeom>
+          <a:solidFill>
+            <a:schemeClr val="tx1"/>
+          </a:solidFill>
+          <a:ln>
+            <a:noFill/>
+          </a:ln>
+        </p:spPr>
+        <p:style>
+          <a:lnRef idx="2">
+            <a:schemeClr val="dk1">
+              <a:shade val="15000"/>
+            </a:schemeClr>
+          </a:lnRef>
+          <a:fillRef idx="1">
+            <a:schemeClr val="dk1"/>
+          </a:fillRef>
+          <a:effectRef idx="0">
+            <a:schemeClr val="dk1"/>
+          </a:effectRef>
+          <a:fontRef idx="minor">
+            <a:schemeClr val="lt1"/>
+          </a:fontRef>
+        </p:style>
+        <p:txBody>
+          <a:bodyPr rtlCol="0" anchor="ctr"/>
+          <a:lstStyle/>
+          <a:p>
+            <a:pPr algn="ctr"/>
+            <a:endParaRPr lang="en-US" sz="1200"/>
+          </a:p>
+        </p:txBody>
+      </p:sp>
+      <p:cxnSp>
+        <p:nvCxnSpPr>
+          <p:cNvPr id="238" name="Straight Arrow Connector 237">
+            <a:extLst>
+              <a:ext uri="{FF2B5EF4-FFF2-40B4-BE49-F238E27FC236}">
+                <a16:creationId xmlns:a16="http://schemas.microsoft.com/office/drawing/2014/main" id="{B020543D-3E2D-1FD5-0E69-921FF0111E87}"/>
+              </a:ext>
+            </a:extLst>
+          </p:cNvPr>
+          <p:cNvCxnSpPr>
+            <a:cxnSpLocks/>
+            <a:endCxn id="218" idx="1"/>
+          </p:cNvCxnSpPr>
+          <p:nvPr/>
+        </p:nvCxnSpPr>
+        <p:spPr>
+          <a:xfrm flipH="1">
+            <a:off x="8456024" y="1903626"/>
+            <a:ext cx="2973697" cy="452960"/>
+          </a:xfrm>
+          <a:prstGeom prst="straightConnector1">
+            <a:avLst/>
+          </a:prstGeom>
+          <a:ln w="19050" cap="flat" cmpd="sng" algn="ctr">
+            <a:solidFill>
+              <a:schemeClr val="tx1"/>
+            </a:solidFill>
+            <a:prstDash val="lgDash"/>
+            <a:round/>
+            <a:headEnd type="none" w="med" len="med"/>
+            <a:tailEnd type="arrow" w="med" len="med"/>
+          </a:ln>
+          <a:effectLst/>
+        </p:spPr>
+        <p:style>
+          <a:lnRef idx="2">
+            <a:schemeClr val="accent1"/>
+          </a:lnRef>
+          <a:fillRef idx="0">
+            <a:schemeClr val="accent1"/>
+          </a:fillRef>
+          <a:effectRef idx="1">
+            <a:schemeClr val="accent1"/>
+          </a:effectRef>
+          <a:fontRef idx="minor">
+            <a:schemeClr val="tx1"/>
+          </a:fontRef>
+        </p:style>
+      </p:cxnSp>
+      <p:cxnSp>
+        <p:nvCxnSpPr>
+          <p:cNvPr id="239" name="Straight Arrow Connector 238">
+            <a:extLst>
+              <a:ext uri="{FF2B5EF4-FFF2-40B4-BE49-F238E27FC236}">
+                <a16:creationId xmlns:a16="http://schemas.microsoft.com/office/drawing/2014/main" id="{FE8042C3-4B00-7BA1-E4EF-7CDB47F02DE7}"/>
+              </a:ext>
+            </a:extLst>
+          </p:cNvPr>
+          <p:cNvCxnSpPr>
+            <a:cxnSpLocks/>
+            <a:endCxn id="220" idx="1"/>
+          </p:cNvCxnSpPr>
+          <p:nvPr/>
+        </p:nvCxnSpPr>
+        <p:spPr>
+          <a:xfrm flipH="1">
+            <a:off x="10559343" y="1933487"/>
+            <a:ext cx="1149778" cy="423099"/>
+          </a:xfrm>
+          <a:prstGeom prst="straightConnector1">
+            <a:avLst/>
+          </a:prstGeom>
+          <a:ln w="19050" cap="flat" cmpd="sng" algn="ctr">
+            <a:solidFill>
+              <a:schemeClr val="tx1"/>
+            </a:solidFill>
+            <a:prstDash val="lgDash"/>
+            <a:round/>
+            <a:headEnd type="none" w="med" len="med"/>
+            <a:tailEnd type="arrow" w="med" len="med"/>
+          </a:ln>
+          <a:effectLst/>
+        </p:spPr>
+        <p:style>
+          <a:lnRef idx="2">
+            <a:schemeClr val="accent1"/>
+          </a:lnRef>
+          <a:fillRef idx="0">
+            <a:schemeClr val="accent1"/>
+          </a:fillRef>
+          <a:effectRef idx="1">
+            <a:schemeClr val="accent1"/>
+          </a:effectRef>
+          <a:fontRef idx="minor">
+            <a:schemeClr val="tx1"/>
+          </a:fontRef>
+        </p:style>
+      </p:cxnSp>
+      <p:cxnSp>
+        <p:nvCxnSpPr>
+          <p:cNvPr id="240" name="Straight Arrow Connector 239">
+            <a:extLst>
+              <a:ext uri="{FF2B5EF4-FFF2-40B4-BE49-F238E27FC236}">
+                <a16:creationId xmlns:a16="http://schemas.microsoft.com/office/drawing/2014/main" id="{2D9EBBED-8436-44D0-7827-933B975A08A8}"/>
+              </a:ext>
+            </a:extLst>
+          </p:cNvPr>
+          <p:cNvCxnSpPr>
+            <a:cxnSpLocks/>
+            <a:stCxn id="197" idx="2"/>
+            <a:endCxn id="199" idx="0"/>
+          </p:cNvCxnSpPr>
+          <p:nvPr/>
+        </p:nvCxnSpPr>
+        <p:spPr>
+          <a:xfrm flipH="1">
+            <a:off x="8456022" y="3095204"/>
+            <a:ext cx="168" cy="127429"/>
+          </a:xfrm>
+          <a:prstGeom prst="straightConnector1">
+            <a:avLst/>
+          </a:prstGeom>
+          <a:ln w="19050" cap="flat" cmpd="sng" algn="ctr">
+            <a:solidFill>
+              <a:schemeClr val="tx1"/>
+            </a:solidFill>
+            <a:prstDash val="solid"/>
+            <a:round/>
+            <a:headEnd type="none" w="med" len="med"/>
+            <a:tailEnd type="arrow" w="med" len="med"/>
+          </a:ln>
+          <a:effectLst/>
+        </p:spPr>
+        <p:style>
+          <a:lnRef idx="2">
+            <a:schemeClr val="accent1"/>
+          </a:lnRef>
+          <a:fillRef idx="0">
+            <a:schemeClr val="accent1"/>
+          </a:fillRef>
+          <a:effectRef idx="1">
+            <a:schemeClr val="accent1"/>
+          </a:effectRef>
+          <a:fontRef idx="minor">
+            <a:schemeClr val="tx1"/>
+          </a:fontRef>
+        </p:style>
+      </p:cxnSp>
+      <p:sp>
+        <p:nvSpPr>
+          <p:cNvPr id="241" name="Rounded Rectangle 240">
+            <a:extLst>
+              <a:ext uri="{FF2B5EF4-FFF2-40B4-BE49-F238E27FC236}">
+                <a16:creationId xmlns:a16="http://schemas.microsoft.com/office/drawing/2014/main" id="{9CCA7D4B-CD33-B966-2932-114F4A55BACE}"/>
+              </a:ext>
+            </a:extLst>
+          </p:cNvPr>
+          <p:cNvSpPr/>
+          <p:nvPr/>
+        </p:nvSpPr>
+        <p:spPr>
+          <a:xfrm>
+            <a:off x="7635539" y="119732"/>
+            <a:ext cx="4419002" cy="3507890"/>
+          </a:xfrm>
+          <a:prstGeom prst="roundRect">
+            <a:avLst>
+              <a:gd name="adj" fmla="val 7066"/>
+            </a:avLst>
+          </a:prstGeom>
+          <a:noFill/>
+          <a:ln w="38100"/>
+        </p:spPr>
+        <p:style>
+          <a:lnRef idx="2">
+            <a:schemeClr val="dk1"/>
+          </a:lnRef>
+          <a:fillRef idx="1">
+            <a:schemeClr val="lt1"/>
+          </a:fillRef>
+          <a:effectRef idx="0">
+            <a:schemeClr val="dk1"/>
+          </a:effectRef>
+          <a:fontRef idx="minor">
+            <a:schemeClr val="dk1"/>
+          </a:fontRef>
+        </p:style>
+        <p:txBody>
+          <a:bodyPr rtlCol="0" anchor="ctr"/>
+          <a:lstStyle/>
+          <a:p>
+            <a:pPr algn="ctr"/>
+            <a:r>
+              <a:rPr lang="en-US" dirty="0"/>
+              <a:t> </a:t>
+            </a:r>
+          </a:p>
+        </p:txBody>
+      </p:sp>
+      <p:cxnSp>
+        <p:nvCxnSpPr>
+          <p:cNvPr id="245" name="Straight Arrow Connector 244">
+            <a:extLst>
+              <a:ext uri="{FF2B5EF4-FFF2-40B4-BE49-F238E27FC236}">
+                <a16:creationId xmlns:a16="http://schemas.microsoft.com/office/drawing/2014/main" id="{00521CD7-8795-6A5E-62A0-73C130FCAB59}"/>
+              </a:ext>
+            </a:extLst>
+          </p:cNvPr>
+          <p:cNvCxnSpPr>
+            <a:cxnSpLocks/>
+            <a:stCxn id="40" idx="3"/>
+            <a:endCxn id="34" idx="1"/>
+          </p:cNvCxnSpPr>
+          <p:nvPr/>
+        </p:nvCxnSpPr>
+        <p:spPr>
+          <a:xfrm flipV="1">
+            <a:off x="1812033" y="2439390"/>
+            <a:ext cx="207866" cy="5575"/>
+          </a:xfrm>
+          <a:prstGeom prst="straightConnector1">
+            <a:avLst/>
+          </a:prstGeom>
+          <a:ln w="38100" cap="flat" cmpd="sng" algn="ctr">
+            <a:solidFill>
+              <a:schemeClr val="tx1"/>
+            </a:solidFill>
+            <a:prstDash val="solid"/>
+            <a:round/>
+            <a:headEnd type="none" w="med" len="med"/>
+            <a:tailEnd type="arrow" w="med" len="med"/>
+          </a:ln>
+          <a:effectLst/>
+        </p:spPr>
+        <p:style>
+          <a:lnRef idx="2">
+            <a:schemeClr val="accent1"/>
+          </a:lnRef>
+          <a:fillRef idx="0">
+            <a:schemeClr val="accent1"/>
+          </a:fillRef>
+          <a:effectRef idx="1">
+            <a:schemeClr val="accent1"/>
+          </a:effectRef>
+          <a:fontRef idx="minor">
+            <a:schemeClr val="tx1"/>
+          </a:fontRef>
+        </p:style>
+      </p:cxnSp>
+      <p:sp>
+        <p:nvSpPr>
+          <p:cNvPr id="337" name="TextBox 336">
+            <a:extLst>
+              <a:ext uri="{FF2B5EF4-FFF2-40B4-BE49-F238E27FC236}">
+                <a16:creationId xmlns:a16="http://schemas.microsoft.com/office/drawing/2014/main" id="{0AF8C454-753A-D771-FA72-BAE9D0FEDE84}"/>
+              </a:ext>
+            </a:extLst>
+          </p:cNvPr>
+          <p:cNvSpPr txBox="1"/>
+          <p:nvPr/>
+        </p:nvSpPr>
+        <p:spPr>
+          <a:xfrm>
+            <a:off x="2025837" y="362213"/>
+            <a:ext cx="5355789" cy="307777"/>
+          </a:xfrm>
+          <a:prstGeom prst="rect">
+            <a:avLst/>
+          </a:prstGeom>
+          <a:noFill/>
+        </p:spPr>
+        <p:txBody>
+          <a:bodyPr wrap="square">
+            <a:spAutoFit/>
+          </a:bodyPr>
+          <a:lstStyle/>
+          <a:p>
+            <a:pPr algn="ctr"/>
+            <a:r>
+              <a:rPr lang="en-US" sz="1400" b="1" dirty="0"/>
+              <a:t>Determine Parameters with Highest ARI (HAPV)</a:t>
+            </a:r>
+          </a:p>
+        </p:txBody>
+      </p:sp>
+      <p:sp>
+        <p:nvSpPr>
+          <p:cNvPr id="381" name="TextBox 380">
+            <a:extLst>
+              <a:ext uri="{FF2B5EF4-FFF2-40B4-BE49-F238E27FC236}">
+                <a16:creationId xmlns:a16="http://schemas.microsoft.com/office/drawing/2014/main" id="{B817BA91-5C19-C98E-3BE9-E075A7AE70AA}"/>
+              </a:ext>
+            </a:extLst>
+          </p:cNvPr>
+          <p:cNvSpPr txBox="1"/>
+          <p:nvPr/>
+        </p:nvSpPr>
+        <p:spPr>
+          <a:xfrm>
+            <a:off x="7635537" y="132681"/>
+            <a:ext cx="4418981" cy="307777"/>
+          </a:xfrm>
+          <a:prstGeom prst="rect">
+            <a:avLst/>
+          </a:prstGeom>
+          <a:noFill/>
+        </p:spPr>
+        <p:txBody>
+          <a:bodyPr wrap="square">
+            <a:spAutoFit/>
+          </a:bodyPr>
+          <a:lstStyle/>
+          <a:p>
+            <a:pPr algn="ctr"/>
+            <a:r>
+              <a:rPr lang="en-US" sz="1400" b="1" dirty="0"/>
+              <a:t>Generate Models Using OI_HAPV &amp; Apply on Partitions</a:t>
+            </a:r>
+          </a:p>
+        </p:txBody>
+      </p:sp>
+      <p:cxnSp>
+        <p:nvCxnSpPr>
+          <p:cNvPr id="426" name="Straight Arrow Connector 425">
+            <a:extLst>
+              <a:ext uri="{FF2B5EF4-FFF2-40B4-BE49-F238E27FC236}">
+                <a16:creationId xmlns:a16="http://schemas.microsoft.com/office/drawing/2014/main" id="{CFB2CC0F-F141-3A43-C2BE-DCF3F852CE97}"/>
+              </a:ext>
+            </a:extLst>
+          </p:cNvPr>
+          <p:cNvCxnSpPr>
+            <a:cxnSpLocks/>
+            <a:stCxn id="241" idx="2"/>
+            <a:endCxn id="130" idx="0"/>
+          </p:cNvCxnSpPr>
+          <p:nvPr/>
+        </p:nvCxnSpPr>
+        <p:spPr>
+          <a:xfrm flipH="1">
+            <a:off x="9844868" y="3627622"/>
+            <a:ext cx="172" cy="299029"/>
+          </a:xfrm>
+          <a:prstGeom prst="straightConnector1">
+            <a:avLst/>
+          </a:prstGeom>
+          <a:ln w="38100" cap="flat" cmpd="sng" algn="ctr">
+            <a:solidFill>
+              <a:schemeClr val="tx1"/>
+            </a:solidFill>
+            <a:prstDash val="solid"/>
+            <a:round/>
+            <a:headEnd type="none" w="med" len="med"/>
+            <a:tailEnd type="arrow" w="med" len="med"/>
+          </a:ln>
+          <a:effectLst/>
+        </p:spPr>
+        <p:style>
+          <a:lnRef idx="2">
+            <a:schemeClr val="accent1"/>
+          </a:lnRef>
+          <a:fillRef idx="0">
+            <a:schemeClr val="accent1"/>
+          </a:fillRef>
+          <a:effectRef idx="1">
+            <a:schemeClr val="accent1"/>
+          </a:effectRef>
+          <a:fontRef idx="minor">
+            <a:schemeClr val="tx1"/>
+          </a:fontRef>
+        </p:style>
+      </p:cxnSp>
+      <p:cxnSp>
+        <p:nvCxnSpPr>
+          <p:cNvPr id="472" name="Elbow Connector 471">
+            <a:extLst>
+              <a:ext uri="{FF2B5EF4-FFF2-40B4-BE49-F238E27FC236}">
+                <a16:creationId xmlns:a16="http://schemas.microsoft.com/office/drawing/2014/main" id="{35DB2C3F-BDAB-9E35-5144-4DAB9078F144}"/>
+              </a:ext>
+            </a:extLst>
+          </p:cNvPr>
+          <p:cNvCxnSpPr>
+            <a:cxnSpLocks/>
+            <a:stCxn id="40" idx="0"/>
+            <a:endCxn id="381" idx="1"/>
+          </p:cNvCxnSpPr>
+          <p:nvPr/>
+        </p:nvCxnSpPr>
+        <p:spPr>
+          <a:xfrm rot="5400000" flipH="1" flipV="1">
+            <a:off x="3936020" y="-2562189"/>
+            <a:ext cx="850757" cy="6548277"/>
+          </a:xfrm>
+          <a:prstGeom prst="bentConnector2">
+            <a:avLst/>
+          </a:prstGeom>
+          <a:ln w="38100" cap="flat" cmpd="sng" algn="ctr">
+            <a:solidFill>
+              <a:schemeClr val="dk1"/>
+            </a:solidFill>
+            <a:prstDash val="solid"/>
+            <a:round/>
+            <a:headEnd type="none" w="med" len="med"/>
+            <a:tailEnd type="arrow" w="med" len="med"/>
+          </a:ln>
+        </p:spPr>
+        <p:style>
+          <a:lnRef idx="0">
+            <a:scrgbClr r="0" g="0" b="0"/>
+          </a:lnRef>
+          <a:fillRef idx="0">
+            <a:scrgbClr r="0" g="0" b="0"/>
+          </a:fillRef>
+          <a:effectRef idx="0">
+            <a:scrgbClr r="0" g="0" b="0"/>
+          </a:effectRef>
+          <a:fontRef idx="minor">
+            <a:schemeClr val="tx1"/>
+          </a:fontRef>
+        </p:style>
+      </p:cxnSp>
+      <p:sp>
+        <p:nvSpPr>
+          <p:cNvPr id="8" name="Can 7">
+            <a:extLst>
+              <a:ext uri="{FF2B5EF4-FFF2-40B4-BE49-F238E27FC236}">
+                <a16:creationId xmlns:a16="http://schemas.microsoft.com/office/drawing/2014/main" id="{9E700059-8BC5-48EE-43C0-E443287EDFA8}"/>
+              </a:ext>
+            </a:extLst>
+          </p:cNvPr>
+          <p:cNvSpPr/>
+          <p:nvPr/>
+        </p:nvSpPr>
+        <p:spPr>
+          <a:xfrm>
+            <a:off x="2169678" y="3545634"/>
+            <a:ext cx="335220" cy="283781"/>
+          </a:xfrm>
+          <a:prstGeom prst="can">
+            <a:avLst/>
+          </a:prstGeom>
+          <a:solidFill>
+            <a:schemeClr val="accent5">
+              <a:lumMod val="50000"/>
+            </a:schemeClr>
+          </a:solidFill>
+          <a:ln w="28575" cmpd="sng">
+            <a:solidFill>
+              <a:schemeClr val="tx1"/>
+            </a:solidFill>
+          </a:ln>
+          <a:effectLst/>
+        </p:spPr>
+        <p:style>
+          <a:lnRef idx="1">
+            <a:schemeClr val="accent1"/>
+          </a:lnRef>
+          <a:fillRef idx="3">
+            <a:schemeClr val="accent1"/>
+          </a:fillRef>
+          <a:effectRef idx="2">
+            <a:schemeClr val="accent1"/>
+          </a:effectRef>
+          <a:fontRef idx="minor">
+            <a:schemeClr val="lt1"/>
+          </a:fontRef>
+        </p:style>
+        <p:txBody>
+          <a:bodyPr rtlCol="0" anchor="ctr"/>
+          <a:lstStyle/>
+          <a:p>
+            <a:pPr algn="ctr"/>
+            <a:r>
+              <a:rPr lang="en-US" sz="1400" dirty="0">
+                <a:solidFill>
+                  <a:schemeClr val="bg1"/>
+                </a:solidFill>
+              </a:rPr>
+              <a:t>S</a:t>
+            </a:r>
+            <a:r>
+              <a:rPr lang="en-US" sz="1400" baseline="-25000" dirty="0">
+                <a:solidFill>
+                  <a:schemeClr val="bg1"/>
+                </a:solidFill>
+              </a:rPr>
+              <a:t>i</a:t>
+            </a:r>
+          </a:p>
+        </p:txBody>
+      </p:sp>
+      <p:sp>
+        <p:nvSpPr>
+          <p:cNvPr id="18" name="Card 17">
+            <a:extLst>
+              <a:ext uri="{FF2B5EF4-FFF2-40B4-BE49-F238E27FC236}">
+                <a16:creationId xmlns:a16="http://schemas.microsoft.com/office/drawing/2014/main" id="{8190013C-3415-6C77-AD6C-FD34F2399B52}"/>
+              </a:ext>
+            </a:extLst>
+          </p:cNvPr>
+          <p:cNvSpPr/>
+          <p:nvPr/>
+        </p:nvSpPr>
+        <p:spPr>
+          <a:xfrm flipH="1">
+            <a:off x="2743954" y="3135079"/>
+            <a:ext cx="1536052" cy="690559"/>
+          </a:xfrm>
+          <a:prstGeom prst="flowChartPunchedCard">
+            <a:avLst/>
+          </a:prstGeom>
+          <a:solidFill>
+            <a:schemeClr val="bg1"/>
+          </a:solidFill>
+          <a:ln w="19050">
+            <a:solidFill>
+              <a:schemeClr val="tx1"/>
+            </a:solidFill>
+          </a:ln>
+          <a:effectLst/>
+        </p:spPr>
+        <p:style>
+          <a:lnRef idx="1">
+            <a:schemeClr val="accent1"/>
+          </a:lnRef>
+          <a:fillRef idx="3">
+            <a:schemeClr val="accent1"/>
+          </a:fillRef>
+          <a:effectRef idx="2">
+            <a:schemeClr val="accent1"/>
+          </a:effectRef>
+          <a:fontRef idx="minor">
+            <a:schemeClr val="lt1"/>
+          </a:fontRef>
+        </p:style>
+        <p:txBody>
+          <a:bodyPr rtlCol="0" anchor="ctr"/>
+          <a:lstStyle/>
+          <a:p>
+            <a:pPr algn="ctr"/>
+            <a:r>
+              <a:rPr lang="en-US" sz="1400" dirty="0">
+                <a:solidFill>
+                  <a:schemeClr val="tx1"/>
+                </a:solidFill>
+              </a:rPr>
+              <a:t>OI</a:t>
+            </a:r>
+          </a:p>
+          <a:p>
+            <a:pPr algn="ctr"/>
+            <a:r>
+              <a:rPr lang="en-US" sz="1400" dirty="0">
+                <a:solidFill>
+                  <a:schemeClr val="tx1"/>
+                </a:solidFill>
+              </a:rPr>
+              <a:t>Parameters: […,</a:t>
+            </a:r>
+            <a:r>
+              <a:rPr lang="en-US" sz="1400" dirty="0" err="1">
+                <a:solidFill>
+                  <a:schemeClr val="tx1"/>
+                </a:solidFill>
+              </a:rPr>
+              <a:t>P</a:t>
+            </a:r>
+            <a:r>
+              <a:rPr lang="en-US" sz="1400" baseline="-25000" dirty="0" err="1">
+                <a:solidFill>
+                  <a:schemeClr val="tx1"/>
+                </a:solidFill>
+              </a:rPr>
+              <a:t>k</a:t>
+            </a:r>
+            <a:r>
+              <a:rPr lang="en-US" sz="1400" dirty="0" err="1">
+                <a:solidFill>
+                  <a:schemeClr val="tx1"/>
+                </a:solidFill>
+              </a:rPr>
+              <a:t>:</a:t>
+            </a:r>
+            <a:r>
+              <a:rPr lang="en-US" sz="1400" b="1" dirty="0" err="1">
+                <a:solidFill>
+                  <a:schemeClr val="tx1"/>
+                </a:solidFill>
+              </a:rPr>
+              <a:t>z</a:t>
+            </a:r>
+            <a:r>
+              <a:rPr lang="en-US" sz="1400" dirty="0">
+                <a:solidFill>
+                  <a:schemeClr val="tx1"/>
+                </a:solidFill>
+              </a:rPr>
+              <a:t>]</a:t>
+            </a:r>
+          </a:p>
+          <a:p>
+            <a:pPr algn="ctr"/>
+            <a:endParaRPr lang="en-US" sz="1400" dirty="0">
+              <a:solidFill>
+                <a:schemeClr val="tx1"/>
+              </a:solidFill>
+            </a:endParaRPr>
+          </a:p>
+        </p:txBody>
+      </p:sp>
+      <p:sp>
+        <p:nvSpPr>
+          <p:cNvPr id="21" name="Card 20">
+            <a:extLst>
+              <a:ext uri="{FF2B5EF4-FFF2-40B4-BE49-F238E27FC236}">
+                <a16:creationId xmlns:a16="http://schemas.microsoft.com/office/drawing/2014/main" id="{91A339C9-96CD-9365-FDE0-055D52FBF1B4}"/>
+              </a:ext>
+            </a:extLst>
+          </p:cNvPr>
+          <p:cNvSpPr/>
+          <p:nvPr/>
+        </p:nvSpPr>
+        <p:spPr>
+          <a:xfrm flipH="1">
+            <a:off x="2736503" y="3992769"/>
+            <a:ext cx="1536051" cy="300300"/>
+          </a:xfrm>
+          <a:prstGeom prst="flowChartPunchedCard">
+            <a:avLst/>
+          </a:prstGeom>
+          <a:solidFill>
+            <a:schemeClr val="bg1"/>
+          </a:solidFill>
+          <a:ln w="19050">
+            <a:solidFill>
+              <a:schemeClr val="tx1"/>
+            </a:solidFill>
+          </a:ln>
+          <a:effectLst/>
+        </p:spPr>
+        <p:style>
+          <a:lnRef idx="1">
+            <a:schemeClr val="accent1"/>
+          </a:lnRef>
+          <a:fillRef idx="3">
+            <a:schemeClr val="accent1"/>
+          </a:fillRef>
+          <a:effectRef idx="2">
+            <a:schemeClr val="accent1"/>
+          </a:effectRef>
+          <a:fontRef idx="minor">
+            <a:schemeClr val="lt1"/>
+          </a:fontRef>
+        </p:style>
+        <p:txBody>
+          <a:bodyPr rtlCol="0" anchor="ctr"/>
+          <a:lstStyle/>
+          <a:p>
+            <a:pPr algn="ctr"/>
+            <a:r>
+              <a:rPr lang="en-US" sz="1400" dirty="0" err="1">
+                <a:solidFill>
+                  <a:schemeClr val="tx1"/>
+                </a:solidFill>
+              </a:rPr>
+              <a:t>KMeans</a:t>
+            </a:r>
+            <a:endParaRPr lang="en-US" sz="1400" dirty="0">
+              <a:solidFill>
+                <a:schemeClr val="tx1"/>
+              </a:solidFill>
+            </a:endParaRPr>
+          </a:p>
+        </p:txBody>
+      </p:sp>
+      <p:cxnSp>
+        <p:nvCxnSpPr>
+          <p:cNvPr id="22" name="Elbow Connector 21">
+            <a:extLst>
+              <a:ext uri="{FF2B5EF4-FFF2-40B4-BE49-F238E27FC236}">
+                <a16:creationId xmlns:a16="http://schemas.microsoft.com/office/drawing/2014/main" id="{0D091D29-75DD-6034-CA38-3DD5468BC4A8}"/>
+              </a:ext>
+            </a:extLst>
+          </p:cNvPr>
+          <p:cNvCxnSpPr>
+            <a:cxnSpLocks/>
+            <a:stCxn id="8" idx="4"/>
+            <a:endCxn id="18" idx="3"/>
+          </p:cNvCxnSpPr>
+          <p:nvPr/>
+        </p:nvCxnSpPr>
+        <p:spPr>
+          <a:xfrm flipV="1">
+            <a:off x="2504898" y="3480359"/>
+            <a:ext cx="239056" cy="207166"/>
+          </a:xfrm>
+          <a:prstGeom prst="bentConnector3">
+            <a:avLst/>
+          </a:prstGeom>
+          <a:ln w="19050" cap="flat" cmpd="sng" algn="ctr">
+            <a:solidFill>
+              <a:schemeClr val="dk1"/>
+            </a:solidFill>
+            <a:prstDash val="solid"/>
+            <a:round/>
+            <a:headEnd type="none" w="med" len="med"/>
+            <a:tailEnd type="arrow" w="med" len="med"/>
+          </a:ln>
+        </p:spPr>
+        <p:style>
+          <a:lnRef idx="0">
+            <a:scrgbClr r="0" g="0" b="0"/>
+          </a:lnRef>
+          <a:fillRef idx="0">
+            <a:scrgbClr r="0" g="0" b="0"/>
+          </a:fillRef>
+          <a:effectRef idx="0">
+            <a:scrgbClr r="0" g="0" b="0"/>
+          </a:effectRef>
+          <a:fontRef idx="minor">
+            <a:schemeClr val="tx1"/>
+          </a:fontRef>
+        </p:style>
+      </p:cxnSp>
+      <p:cxnSp>
+        <p:nvCxnSpPr>
+          <p:cNvPr id="23" name="Elbow Connector 22">
+            <a:extLst>
+              <a:ext uri="{FF2B5EF4-FFF2-40B4-BE49-F238E27FC236}">
+                <a16:creationId xmlns:a16="http://schemas.microsoft.com/office/drawing/2014/main" id="{B4F035D1-FE38-9449-9FB2-89E2AB363198}"/>
+              </a:ext>
+            </a:extLst>
+          </p:cNvPr>
+          <p:cNvCxnSpPr>
+            <a:cxnSpLocks/>
+            <a:stCxn id="8" idx="4"/>
+            <a:endCxn id="21" idx="3"/>
+          </p:cNvCxnSpPr>
+          <p:nvPr/>
+        </p:nvCxnSpPr>
+        <p:spPr>
+          <a:xfrm>
+            <a:off x="2504898" y="3687525"/>
+            <a:ext cx="231605" cy="455394"/>
+          </a:xfrm>
+          <a:prstGeom prst="bentConnector3">
+            <a:avLst>
+              <a:gd name="adj1" fmla="val 50000"/>
+            </a:avLst>
+          </a:prstGeom>
+          <a:ln w="19050" cap="flat" cmpd="sng" algn="ctr">
+            <a:solidFill>
+              <a:schemeClr val="dk1"/>
+            </a:solidFill>
+            <a:prstDash val="solid"/>
+            <a:round/>
+            <a:headEnd type="none" w="med" len="med"/>
+            <a:tailEnd type="arrow" w="med" len="med"/>
+          </a:ln>
+        </p:spPr>
+        <p:style>
+          <a:lnRef idx="0">
+            <a:scrgbClr r="0" g="0" b="0"/>
+          </a:lnRef>
+          <a:fillRef idx="0">
+            <a:scrgbClr r="0" g="0" b="0"/>
+          </a:fillRef>
+          <a:effectRef idx="0">
+            <a:scrgbClr r="0" g="0" b="0"/>
+          </a:effectRef>
+          <a:fontRef idx="minor">
+            <a:schemeClr val="tx1"/>
+          </a:fontRef>
+        </p:style>
+      </p:cxnSp>
+      <p:cxnSp>
+        <p:nvCxnSpPr>
+          <p:cNvPr id="25" name="Elbow Connector 24">
+            <a:extLst>
+              <a:ext uri="{FF2B5EF4-FFF2-40B4-BE49-F238E27FC236}">
+                <a16:creationId xmlns:a16="http://schemas.microsoft.com/office/drawing/2014/main" id="{097B7661-3C3A-AFA2-3CEB-928AB256F0D4}"/>
+              </a:ext>
+            </a:extLst>
+          </p:cNvPr>
+          <p:cNvCxnSpPr>
+            <a:cxnSpLocks/>
+            <a:stCxn id="21" idx="1"/>
+            <a:endCxn id="28" idx="2"/>
+          </p:cNvCxnSpPr>
+          <p:nvPr/>
+        </p:nvCxnSpPr>
+        <p:spPr>
+          <a:xfrm flipV="1">
+            <a:off x="4272554" y="4021892"/>
+            <a:ext cx="403714" cy="121027"/>
+          </a:xfrm>
+          <a:prstGeom prst="bentConnector2">
+            <a:avLst/>
+          </a:prstGeom>
+          <a:ln w="19050" cap="flat" cmpd="sng" algn="ctr">
+            <a:solidFill>
+              <a:schemeClr val="dk1"/>
+            </a:solidFill>
+            <a:prstDash val="solid"/>
+            <a:round/>
+            <a:headEnd type="none" w="med" len="med"/>
+            <a:tailEnd type="arrow" w="med" len="med"/>
+          </a:ln>
+        </p:spPr>
+        <p:style>
+          <a:lnRef idx="0">
+            <a:scrgbClr r="0" g="0" b="0"/>
+          </a:lnRef>
+          <a:fillRef idx="0">
+            <a:scrgbClr r="0" g="0" b="0"/>
+          </a:fillRef>
+          <a:effectRef idx="0">
+            <a:scrgbClr r="0" g="0" b="0"/>
+          </a:effectRef>
+          <a:fontRef idx="minor">
+            <a:schemeClr val="tx1"/>
+          </a:fontRef>
+        </p:style>
+      </p:cxnSp>
+      <p:cxnSp>
+        <p:nvCxnSpPr>
+          <p:cNvPr id="26" name="Elbow Connector 25">
+            <a:extLst>
+              <a:ext uri="{FF2B5EF4-FFF2-40B4-BE49-F238E27FC236}">
+                <a16:creationId xmlns:a16="http://schemas.microsoft.com/office/drawing/2014/main" id="{8195336C-38EC-0BBA-2ED0-7F3DB2DD1AB0}"/>
+              </a:ext>
+            </a:extLst>
+          </p:cNvPr>
+          <p:cNvCxnSpPr>
+            <a:cxnSpLocks/>
+            <a:stCxn id="18" idx="1"/>
+            <a:endCxn id="28" idx="0"/>
+          </p:cNvCxnSpPr>
+          <p:nvPr/>
+        </p:nvCxnSpPr>
+        <p:spPr>
+          <a:xfrm>
+            <a:off x="4280006" y="3480359"/>
+            <a:ext cx="396262" cy="119348"/>
+          </a:xfrm>
+          <a:prstGeom prst="bentConnector2">
+            <a:avLst/>
+          </a:prstGeom>
+          <a:ln w="19050" cap="flat" cmpd="sng" algn="ctr">
+            <a:solidFill>
+              <a:schemeClr val="dk1"/>
+            </a:solidFill>
+            <a:prstDash val="solid"/>
+            <a:round/>
+            <a:headEnd type="none" w="med" len="med"/>
+            <a:tailEnd type="arrow" w="med" len="med"/>
+          </a:ln>
+        </p:spPr>
+        <p:style>
+          <a:lnRef idx="0">
+            <a:scrgbClr r="0" g="0" b="0"/>
+          </a:lnRef>
+          <a:fillRef idx="0">
+            <a:scrgbClr r="0" g="0" b="0"/>
+          </a:fillRef>
+          <a:effectRef idx="0">
+            <a:scrgbClr r="0" g="0" b="0"/>
+          </a:effectRef>
+          <a:fontRef idx="minor">
+            <a:schemeClr val="tx1"/>
+          </a:fontRef>
+        </p:style>
+      </p:cxnSp>
+      <p:sp>
+        <p:nvSpPr>
+          <p:cNvPr id="28" name="Decision 27">
+            <a:extLst>
+              <a:ext uri="{FF2B5EF4-FFF2-40B4-BE49-F238E27FC236}">
+                <a16:creationId xmlns:a16="http://schemas.microsoft.com/office/drawing/2014/main" id="{4CA81D29-4B63-A40A-66F5-6FB13FB8E8F5}"/>
+              </a:ext>
+            </a:extLst>
+          </p:cNvPr>
+          <p:cNvSpPr/>
+          <p:nvPr/>
+        </p:nvSpPr>
+        <p:spPr>
+          <a:xfrm>
+            <a:off x="4316913" y="3599707"/>
+            <a:ext cx="718709" cy="422185"/>
+          </a:xfrm>
+          <a:prstGeom prst="flowChartDecision">
+            <a:avLst/>
+          </a:prstGeom>
+          <a:ln w="19050"/>
+        </p:spPr>
+        <p:style>
+          <a:lnRef idx="2">
+            <a:schemeClr val="dk1"/>
+          </a:lnRef>
+          <a:fillRef idx="1">
+            <a:schemeClr val="lt1"/>
+          </a:fillRef>
+          <a:effectRef idx="0">
+            <a:schemeClr val="dk1"/>
+          </a:effectRef>
+          <a:fontRef idx="minor">
+            <a:schemeClr val="dk1"/>
+          </a:fontRef>
+        </p:style>
+        <p:txBody>
+          <a:bodyPr rtlCol="0" anchor="ctr"/>
+          <a:lstStyle/>
+          <a:p>
+            <a:pPr algn="ctr"/>
+            <a:endParaRPr lang="en-US" sz="1200" dirty="0"/>
+          </a:p>
+        </p:txBody>
+      </p:sp>
+      <p:sp>
+        <p:nvSpPr>
+          <p:cNvPr id="29" name="TextBox 28">
+            <a:extLst>
+              <a:ext uri="{FF2B5EF4-FFF2-40B4-BE49-F238E27FC236}">
+                <a16:creationId xmlns:a16="http://schemas.microsoft.com/office/drawing/2014/main" id="{3A48DEE8-A000-0AA5-1CFB-772F53DE1ACF}"/>
+              </a:ext>
+            </a:extLst>
+          </p:cNvPr>
+          <p:cNvSpPr txBox="1"/>
+          <p:nvPr/>
+        </p:nvSpPr>
+        <p:spPr>
+          <a:xfrm>
+            <a:off x="4344448" y="3639125"/>
+            <a:ext cx="618403" cy="307777"/>
+          </a:xfrm>
+          <a:prstGeom prst="rect">
+            <a:avLst/>
+          </a:prstGeom>
+          <a:noFill/>
+        </p:spPr>
+        <p:txBody>
+          <a:bodyPr wrap="square" rtlCol="0">
+            <a:spAutoFit/>
+          </a:bodyPr>
+          <a:lstStyle/>
+          <a:p>
+            <a:pPr algn="ctr"/>
+            <a:r>
+              <a:rPr lang="en-US" sz="1400" dirty="0" err="1"/>
+              <a:t>ARI</a:t>
+            </a:r>
+            <a:r>
+              <a:rPr lang="en-US" sz="1400" baseline="-25000" dirty="0" err="1"/>
+              <a:t>k_z</a:t>
+            </a:r>
+            <a:endParaRPr lang="en-US" sz="1400" baseline="-25000" dirty="0"/>
+          </a:p>
+        </p:txBody>
+      </p:sp>
+      <p:sp>
+        <p:nvSpPr>
+          <p:cNvPr id="42" name="Rectangle 41">
+            <a:extLst>
+              <a:ext uri="{FF2B5EF4-FFF2-40B4-BE49-F238E27FC236}">
+                <a16:creationId xmlns:a16="http://schemas.microsoft.com/office/drawing/2014/main" id="{3BA329DC-895F-4ED6-A0EE-5B43A7F5F423}"/>
+              </a:ext>
+            </a:extLst>
+          </p:cNvPr>
+          <p:cNvSpPr/>
+          <p:nvPr/>
+        </p:nvSpPr>
+        <p:spPr>
+          <a:xfrm>
+            <a:off x="5239493" y="669990"/>
+            <a:ext cx="970912" cy="3754102"/>
+          </a:xfrm>
+          <a:prstGeom prst="rect">
+            <a:avLst/>
+          </a:prstGeom>
+          <a:noFill/>
+          <a:ln w="19050">
+            <a:solidFill>
+              <a:schemeClr val="tx1"/>
+            </a:solidFill>
+          </a:ln>
+        </p:spPr>
+        <p:style>
+          <a:lnRef idx="2">
+            <a:schemeClr val="accent1">
+              <a:shade val="15000"/>
+            </a:schemeClr>
+          </a:lnRef>
+          <a:fillRef idx="1">
+            <a:schemeClr val="accent1"/>
+          </a:fillRef>
+          <a:effectRef idx="0">
+            <a:schemeClr val="accent1"/>
+          </a:effectRef>
+          <a:fontRef idx="minor">
+            <a:schemeClr val="lt1"/>
+          </a:fontRef>
+        </p:style>
+        <p:txBody>
+          <a:bodyPr rtlCol="0" anchor="ctr"/>
+          <a:lstStyle/>
+          <a:p>
+            <a:pPr algn="ctr"/>
+            <a:endParaRPr lang="en-US"/>
+          </a:p>
+        </p:txBody>
+      </p:sp>
+      <p:sp>
+        <p:nvSpPr>
+          <p:cNvPr id="453" name="TextBox 452">
+            <a:extLst>
+              <a:ext uri="{FF2B5EF4-FFF2-40B4-BE49-F238E27FC236}">
+                <a16:creationId xmlns:a16="http://schemas.microsoft.com/office/drawing/2014/main" id="{ABAC8511-6BD4-7A6C-DC0A-BD05F2679C50}"/>
+              </a:ext>
+            </a:extLst>
+          </p:cNvPr>
+          <p:cNvSpPr txBox="1"/>
+          <p:nvPr/>
+        </p:nvSpPr>
+        <p:spPr>
+          <a:xfrm>
+            <a:off x="5320176" y="1815788"/>
+            <a:ext cx="820165" cy="646331"/>
+          </a:xfrm>
+          <a:prstGeom prst="rect">
+            <a:avLst/>
+          </a:prstGeom>
+          <a:noFill/>
+        </p:spPr>
+        <p:txBody>
+          <a:bodyPr wrap="square">
+            <a:spAutoFit/>
+          </a:bodyPr>
+          <a:lstStyle/>
+          <a:p>
+            <a:pPr algn="ctr"/>
+            <a:r>
+              <a:rPr lang="en-US" sz="1200" dirty="0">
+                <a:solidFill>
+                  <a:schemeClr val="tx1"/>
+                </a:solidFill>
+              </a:rPr>
+              <a:t>P</a:t>
+            </a:r>
+            <a:r>
+              <a:rPr lang="en-US" sz="1200" baseline="-25000" dirty="0">
+                <a:solidFill>
+                  <a:schemeClr val="tx1"/>
+                </a:solidFill>
+              </a:rPr>
+              <a:t>1</a:t>
+            </a:r>
+            <a:r>
+              <a:rPr lang="en-US" sz="1200" dirty="0">
+                <a:solidFill>
+                  <a:schemeClr val="tx1"/>
+                </a:solidFill>
+              </a:rPr>
+              <a:t>:</a:t>
+            </a:r>
+          </a:p>
+          <a:p>
+            <a:pPr algn="ctr"/>
+            <a:r>
+              <a:rPr lang="en-US" sz="1200" dirty="0"/>
+              <a:t>[ARI</a:t>
+            </a:r>
+            <a:r>
+              <a:rPr lang="en-US" sz="1200" baseline="-25000" dirty="0"/>
+              <a:t>1_a</a:t>
+            </a:r>
+            <a:r>
+              <a:rPr lang="en-US" sz="1200" dirty="0"/>
+              <a:t>,</a:t>
+            </a:r>
+            <a:endParaRPr lang="en-US" sz="1200" baseline="-25000" dirty="0"/>
+          </a:p>
+          <a:p>
+            <a:pPr algn="ctr"/>
+            <a:r>
+              <a:rPr lang="en-US" sz="1200" dirty="0"/>
+              <a:t>ARI</a:t>
+            </a:r>
+            <a:r>
+              <a:rPr lang="en-US" sz="1200" baseline="-25000" dirty="0"/>
+              <a:t>1_b</a:t>
+            </a:r>
+            <a:r>
+              <a:rPr lang="en-US" sz="1200" dirty="0"/>
+              <a:t>,…]</a:t>
+            </a:r>
+          </a:p>
+        </p:txBody>
+      </p:sp>
+      <p:sp>
+        <p:nvSpPr>
+          <p:cNvPr id="454" name="TextBox 453">
+            <a:extLst>
+              <a:ext uri="{FF2B5EF4-FFF2-40B4-BE49-F238E27FC236}">
+                <a16:creationId xmlns:a16="http://schemas.microsoft.com/office/drawing/2014/main" id="{969CD226-A8AB-EB2F-1DF4-B85829F0A467}"/>
+              </a:ext>
+            </a:extLst>
+          </p:cNvPr>
+          <p:cNvSpPr txBox="1"/>
+          <p:nvPr/>
+        </p:nvSpPr>
+        <p:spPr>
+          <a:xfrm>
             <a:off x="5219563" y="673425"/>
             <a:ext cx="984256" cy="1169551"/>
           </a:xfrm>
@@ -11065,7 +17618,7 @@
 </p:sld>
 </file>
 
-<file path=ppt/slides/slide2.xml><?xml version="1.0" encoding="utf-8"?>
+<file path=ppt/slides/slide3.xml><?xml version="1.0" encoding="utf-8"?>
 <p:sld xmlns:a="http://schemas.openxmlformats.org/drawingml/2006/main" xmlns:r="http://schemas.openxmlformats.org/officeDocument/2006/relationships" xmlns:p="http://schemas.openxmlformats.org/presentationml/2006/main">
   <p:cSld>
     <p:spTree>
@@ -17383,7 +23936,7 @@
 </p:sld>
 </file>
 
-<file path=ppt/slides/slide3.xml><?xml version="1.0" encoding="utf-8"?>
+<file path=ppt/slides/slide4.xml><?xml version="1.0" encoding="utf-8"?>
 <p:sld xmlns:a="http://schemas.openxmlformats.org/drawingml/2006/main" xmlns:r="http://schemas.openxmlformats.org/officeDocument/2006/relationships" xmlns:p="http://schemas.openxmlformats.org/presentationml/2006/main">
   <p:cSld>
     <p:spTree>
@@ -23566,7 +30119,7 @@
 </p:sld>
 </file>
 
-<file path=ppt/slides/slide4.xml><?xml version="1.0" encoding="utf-8"?>
+<file path=ppt/slides/slide5.xml><?xml version="1.0" encoding="utf-8"?>
 <p:sld xmlns:a="http://schemas.openxmlformats.org/drawingml/2006/main" xmlns:r="http://schemas.openxmlformats.org/officeDocument/2006/relationships" xmlns:p="http://schemas.openxmlformats.org/presentationml/2006/main">
   <p:cSld>
     <p:spTree>
@@ -30044,7 +36597,7 @@
 </p:sld>
 </file>
 
-<file path=ppt/slides/slide5.xml><?xml version="1.0" encoding="utf-8"?>
+<file path=ppt/slides/slide6.xml><?xml version="1.0" encoding="utf-8"?>
 <p:sld xmlns:a="http://schemas.openxmlformats.org/drawingml/2006/main" xmlns:r="http://schemas.openxmlformats.org/officeDocument/2006/relationships" xmlns:p="http://schemas.openxmlformats.org/presentationml/2006/main">
   <p:cSld>
     <p:spTree>
@@ -35495,7 +42048,7 @@
 </p:sld>
 </file>
 
-<file path=ppt/slides/slide6.xml><?xml version="1.0" encoding="utf-8"?>
+<file path=ppt/slides/slide7.xml><?xml version="1.0" encoding="utf-8"?>
 <p:sld xmlns:a="http://schemas.openxmlformats.org/drawingml/2006/main" xmlns:r="http://schemas.openxmlformats.org/officeDocument/2006/relationships" xmlns:p="http://schemas.openxmlformats.org/presentationml/2006/main">
   <p:cSld>
     <p:spTree>
@@ -40969,7 +47522,7 @@
 </p:sld>
 </file>
 
-<file path=ppt/slides/slide7.xml><?xml version="1.0" encoding="utf-8"?>
+<file path=ppt/slides/slide8.xml><?xml version="1.0" encoding="utf-8"?>
 <p:sld xmlns:a="http://schemas.openxmlformats.org/drawingml/2006/main" xmlns:r="http://schemas.openxmlformats.org/officeDocument/2006/relationships" xmlns:p="http://schemas.openxmlformats.org/presentationml/2006/main">
   <p:cSld>
     <p:spTree>
@@ -46485,7 +53038,7 @@
 </p:sld>
 </file>
 
-<file path=ppt/slides/slide8.xml><?xml version="1.0" encoding="utf-8"?>
+<file path=ppt/slides/slide9.xml><?xml version="1.0" encoding="utf-8"?>
 <p:sld xmlns:a="http://schemas.openxmlformats.org/drawingml/2006/main" xmlns:r="http://schemas.openxmlformats.org/officeDocument/2006/relationships" xmlns:p="http://schemas.openxmlformats.org/presentationml/2006/main">
   <p:cSld>
     <p:spTree>
